--- a/presentacion articulo grado.pptx
+++ b/presentacion articulo grado.pptx
@@ -24,10 +24,18 @@
     <p:sldId id="280" r:id="rId18"/>
     <p:sldId id="281" r:id="rId19"/>
     <p:sldId id="282" r:id="rId20"/>
-    <p:sldId id="283" r:id="rId21"/>
-    <p:sldId id="268" r:id="rId22"/>
-    <p:sldId id="269" r:id="rId23"/>
-    <p:sldId id="270" r:id="rId24"/>
+    <p:sldId id="284" r:id="rId21"/>
+    <p:sldId id="285" r:id="rId22"/>
+    <p:sldId id="286" r:id="rId23"/>
+    <p:sldId id="283" r:id="rId24"/>
+    <p:sldId id="287" r:id="rId25"/>
+    <p:sldId id="268" r:id="rId26"/>
+    <p:sldId id="288" r:id="rId27"/>
+    <p:sldId id="289" r:id="rId28"/>
+    <p:sldId id="290" r:id="rId29"/>
+    <p:sldId id="291" r:id="rId30"/>
+    <p:sldId id="270" r:id="rId31"/>
+    <p:sldId id="292" r:id="rId32"/>
   </p:sldIdLst>
   <p:sldSz cx="12192000" cy="6858000"/>
   <p:notesSz cx="6858000" cy="9144000"/>
@@ -858,7 +866,7 @@
           <a:p>
             <a:fld id="{924B5C1F-0746-4AD6-9717-9517375917F5}" type="datetimeFigureOut">
               <a:rPr lang="es-CO" smtClean="0"/>
-              <a:t>13/06/2017</a:t>
+              <a:t>14/06/2017</a:t>
             </a:fld>
             <a:endParaRPr lang="es-CO"/>
           </a:p>
@@ -1109,7 +1117,7 @@
           <a:p>
             <a:fld id="{924B5C1F-0746-4AD6-9717-9517375917F5}" type="datetimeFigureOut">
               <a:rPr lang="es-CO" smtClean="0"/>
-              <a:t>13/06/2017</a:t>
+              <a:t>14/06/2017</a:t>
             </a:fld>
             <a:endParaRPr lang="es-CO"/>
           </a:p>
@@ -1423,7 +1431,7 @@
           <a:p>
             <a:fld id="{924B5C1F-0746-4AD6-9717-9517375917F5}" type="datetimeFigureOut">
               <a:rPr lang="es-CO" smtClean="0"/>
-              <a:t>13/06/2017</a:t>
+              <a:t>14/06/2017</a:t>
             </a:fld>
             <a:endParaRPr lang="es-CO"/>
           </a:p>
@@ -1750,7 +1758,7 @@
           <a:p>
             <a:fld id="{924B5C1F-0746-4AD6-9717-9517375917F5}" type="datetimeFigureOut">
               <a:rPr lang="es-CO" smtClean="0"/>
-              <a:t>13/06/2017</a:t>
+              <a:t>14/06/2017</a:t>
             </a:fld>
             <a:endParaRPr lang="es-CO"/>
           </a:p>
@@ -2064,7 +2072,7 @@
           <a:p>
             <a:fld id="{924B5C1F-0746-4AD6-9717-9517375917F5}" type="datetimeFigureOut">
               <a:rPr lang="es-CO" smtClean="0"/>
-              <a:t>13/06/2017</a:t>
+              <a:t>14/06/2017</a:t>
             </a:fld>
             <a:endParaRPr lang="es-CO"/>
           </a:p>
@@ -2451,7 +2459,7 @@
           <a:p>
             <a:fld id="{924B5C1F-0746-4AD6-9717-9517375917F5}" type="datetimeFigureOut">
               <a:rPr lang="es-CO" smtClean="0"/>
-              <a:t>13/06/2017</a:t>
+              <a:t>14/06/2017</a:t>
             </a:fld>
             <a:endParaRPr lang="es-CO"/>
           </a:p>
@@ -2621,7 +2629,7 @@
           <a:p>
             <a:fld id="{924B5C1F-0746-4AD6-9717-9517375917F5}" type="datetimeFigureOut">
               <a:rPr lang="es-CO" smtClean="0"/>
-              <a:t>13/06/2017</a:t>
+              <a:t>14/06/2017</a:t>
             </a:fld>
             <a:endParaRPr lang="es-CO"/>
           </a:p>
@@ -2801,7 +2809,7 @@
           <a:p>
             <a:fld id="{924B5C1F-0746-4AD6-9717-9517375917F5}" type="datetimeFigureOut">
               <a:rPr lang="es-CO" smtClean="0"/>
-              <a:t>13/06/2017</a:t>
+              <a:t>14/06/2017</a:t>
             </a:fld>
             <a:endParaRPr lang="es-CO"/>
           </a:p>
@@ -2977,7 +2985,7 @@
           <a:p>
             <a:fld id="{924B5C1F-0746-4AD6-9717-9517375917F5}" type="datetimeFigureOut">
               <a:rPr lang="es-CO" smtClean="0"/>
-              <a:t>13/06/2017</a:t>
+              <a:t>14/06/2017</a:t>
             </a:fld>
             <a:endParaRPr lang="es-CO"/>
           </a:p>
@@ -3224,7 +3232,7 @@
           <a:p>
             <a:fld id="{924B5C1F-0746-4AD6-9717-9517375917F5}" type="datetimeFigureOut">
               <a:rPr lang="es-CO" smtClean="0"/>
-              <a:t>13/06/2017</a:t>
+              <a:t>14/06/2017</a:t>
             </a:fld>
             <a:endParaRPr lang="es-CO"/>
           </a:p>
@@ -3456,7 +3464,7 @@
           <a:p>
             <a:fld id="{924B5C1F-0746-4AD6-9717-9517375917F5}" type="datetimeFigureOut">
               <a:rPr lang="es-CO" smtClean="0"/>
-              <a:t>13/06/2017</a:t>
+              <a:t>14/06/2017</a:t>
             </a:fld>
             <a:endParaRPr lang="es-CO"/>
           </a:p>
@@ -3830,7 +3838,7 @@
           <a:p>
             <a:fld id="{924B5C1F-0746-4AD6-9717-9517375917F5}" type="datetimeFigureOut">
               <a:rPr lang="es-CO" smtClean="0"/>
-              <a:t>13/06/2017</a:t>
+              <a:t>14/06/2017</a:t>
             </a:fld>
             <a:endParaRPr lang="es-CO"/>
           </a:p>
@@ -3953,7 +3961,7 @@
           <a:p>
             <a:fld id="{924B5C1F-0746-4AD6-9717-9517375917F5}" type="datetimeFigureOut">
               <a:rPr lang="es-CO" smtClean="0"/>
-              <a:t>13/06/2017</a:t>
+              <a:t>14/06/2017</a:t>
             </a:fld>
             <a:endParaRPr lang="es-CO"/>
           </a:p>
@@ -4048,7 +4056,7 @@
           <a:p>
             <a:fld id="{924B5C1F-0746-4AD6-9717-9517375917F5}" type="datetimeFigureOut">
               <a:rPr lang="es-CO" smtClean="0"/>
-              <a:t>13/06/2017</a:t>
+              <a:t>14/06/2017</a:t>
             </a:fld>
             <a:endParaRPr lang="es-CO"/>
           </a:p>
@@ -4303,7 +4311,7 @@
           <a:p>
             <a:fld id="{924B5C1F-0746-4AD6-9717-9517375917F5}" type="datetimeFigureOut">
               <a:rPr lang="es-CO" smtClean="0"/>
-              <a:t>13/06/2017</a:t>
+              <a:t>14/06/2017</a:t>
             </a:fld>
             <a:endParaRPr lang="es-CO"/>
           </a:p>
@@ -4566,7 +4574,7 @@
           <a:p>
             <a:fld id="{924B5C1F-0746-4AD6-9717-9517375917F5}" type="datetimeFigureOut">
               <a:rPr lang="es-CO" smtClean="0"/>
-              <a:t>13/06/2017</a:t>
+              <a:t>14/06/2017</a:t>
             </a:fld>
             <a:endParaRPr lang="es-CO"/>
           </a:p>
@@ -5311,7 +5319,7 @@
           <a:p>
             <a:fld id="{924B5C1F-0746-4AD6-9717-9517375917F5}" type="datetimeFigureOut">
               <a:rPr lang="es-CO" smtClean="0"/>
-              <a:t>13/06/2017</a:t>
+              <a:t>14/06/2017</a:t>
             </a:fld>
             <a:endParaRPr lang="es-CO"/>
           </a:p>
@@ -5887,11 +5895,7 @@
           <a:p>
             <a:r>
               <a:rPr lang="es-ES" dirty="0" smtClean="0"/>
-              <a:t>Julio Alejandro Cuervo </a:t>
-            </a:r>
-            <a:r>
-              <a:rPr lang="es-ES" dirty="0" smtClean="0"/>
-              <a:t>Huertas</a:t>
+              <a:t>Julio Alejandro Cuervo Huertas</a:t>
             </a:r>
           </a:p>
           <a:p>
@@ -8122,21 +8126,21 @@
       </p:sp>
       <p:graphicFrame>
         <p:nvGraphicFramePr>
-          <p:cNvPr id="3" name="Tabla 2"/>
+          <p:cNvPr id="4" name="Tabla 3"/>
           <p:cNvGraphicFramePr>
             <a:graphicFrameLocks noGrp="1"/>
           </p:cNvGraphicFramePr>
           <p:nvPr>
             <p:extLst>
               <p:ext uri="{D42A27DB-BD31-4B8C-83A1-F6EECF244321}">
-                <p14:modId xmlns:p14="http://schemas.microsoft.com/office/powerpoint/2010/main" val="1700170052"/>
+                <p14:modId xmlns:p14="http://schemas.microsoft.com/office/powerpoint/2010/main" val="1753261082"/>
               </p:ext>
             </p:extLst>
           </p:nvPr>
         </p:nvGraphicFramePr>
         <p:xfrm>
-          <a:off x="1048394" y="1777287"/>
-          <a:ext cx="9589555" cy="4726544"/>
+          <a:off x="1048395" y="1661373"/>
+          <a:ext cx="10062534" cy="5016323"/>
         </p:xfrm>
         <a:graphic>
           <a:graphicData uri="http://schemas.openxmlformats.org/drawingml/2006/table">
@@ -8145,10 +8149,10 @@
                 <a:tableStyleId>{5C22544A-7EE6-4342-B048-85BDC9FD1C3A}</a:tableStyleId>
               </a:tblPr>
               <a:tblGrid>
-                <a:gridCol w="8204579"/>
-                <a:gridCol w="1384976"/>
+                <a:gridCol w="8176918"/>
+                <a:gridCol w="1885616"/>
               </a:tblGrid>
-              <a:tr h="201623">
+              <a:tr h="270957">
                 <a:tc>
                   <a:txBody>
                     <a:bodyPr/>
@@ -8160,19 +8164,71 @@
                         </a:spcAft>
                       </a:pPr>
                       <a:r>
-                        <a:rPr lang="es-ES" sz="1000" dirty="0">
+                        <a:rPr lang="es-ES" sz="1100" dirty="0">
                           <a:effectLst/>
                         </a:rPr>
                         <a:t>Posible Riesgo</a:t>
                       </a:r>
-                      <a:endParaRPr lang="es-ES" sz="1000" dirty="0">
+                      <a:endParaRPr lang="es-CO" sz="1200" dirty="0">
                         <a:effectLst/>
                         <a:latin typeface="Times New Roman" panose="02020603050405020304" pitchFamily="18" charset="0"/>
                         <a:ea typeface="Times New Roman" panose="02020603050405020304" pitchFamily="18" charset="0"/>
                       </a:endParaRPr>
                     </a:p>
                   </a:txBody>
-                  <a:tcPr marL="38660" marR="38660" marT="0" marB="0" anchor="ctr"/>
+                  <a:tcPr marL="44450" marR="44450" marT="0" marB="0" anchor="ctr"/>
+                </a:tc>
+                <a:tc>
+                  <a:txBody>
+                    <a:bodyPr/>
+                    <a:lstStyle/>
+                    <a:p>
+                      <a:pPr>
+                        <a:spcAft>
+                          <a:spcPts val="0"/>
+                        </a:spcAft>
+                      </a:pPr>
+                      <a:r>
+                        <a:rPr lang="es-ES" sz="1100">
+                          <a:effectLst/>
+                        </a:rPr>
+                        <a:t>Nivel</a:t>
+                      </a:r>
+                      <a:endParaRPr lang="es-CO" sz="1200">
+                        <a:effectLst/>
+                        <a:latin typeface="Times New Roman" panose="02020603050405020304" pitchFamily="18" charset="0"/>
+                        <a:ea typeface="Times New Roman" panose="02020603050405020304" pitchFamily="18" charset="0"/>
+                      </a:endParaRPr>
+                    </a:p>
+                  </a:txBody>
+                  <a:tcPr marL="44450" marR="44450" marT="0" marB="0" anchor="ctr"/>
+                </a:tc>
+              </a:tr>
+              <a:tr h="271860">
+                <a:tc>
+                  <a:txBody>
+                    <a:bodyPr/>
+                    <a:lstStyle/>
+                    <a:p>
+                      <a:pPr>
+                        <a:spcAft>
+                          <a:spcPts val="0"/>
+                        </a:spcAft>
+                      </a:pPr>
+                      <a:r>
+                        <a:rPr lang="es-ES" sz="900">
+                          <a:effectLst/>
+                        </a:rPr>
+                        <a:t>Incendio total del sitio de trabajo.</a:t>
+                      </a:r>
+                      <a:endParaRPr lang="es-CO" sz="1200">
+                        <a:effectLst/>
+                        <a:latin typeface="Times New Roman" panose="02020603050405020304" pitchFamily="18" charset="0"/>
+                        <a:ea typeface="Times New Roman" panose="02020603050405020304" pitchFamily="18" charset="0"/>
+                      </a:endParaRPr>
+                    </a:p>
+                  </a:txBody>
+                  <a:tcPr marL="44450" marR="44450" marT="0" marB="0" anchor="ctr"/>
                 </a:tc>
                 <a:tc>
                   <a:txBody>
@@ -8185,22 +8241,22 @@
                         </a:spcAft>
                       </a:pPr>
                       <a:r>
-                        <a:rPr lang="es-ES" sz="1000">
+                        <a:rPr lang="es-ES" sz="900">
                           <a:effectLst/>
                         </a:rPr>
-                        <a:t>Nivel</a:t>
+                        <a:t>14</a:t>
                       </a:r>
-                      <a:endParaRPr lang="es-ES" sz="1000">
+                      <a:endParaRPr lang="es-CO" sz="1200">
                         <a:effectLst/>
                         <a:latin typeface="Times New Roman" panose="02020603050405020304" pitchFamily="18" charset="0"/>
                         <a:ea typeface="Times New Roman" panose="02020603050405020304" pitchFamily="18" charset="0"/>
                       </a:endParaRPr>
                     </a:p>
                   </a:txBody>
-                  <a:tcPr marL="38660" marR="38660" marT="0" marB="0" anchor="ctr"/>
+                  <a:tcPr marL="44450" marR="44450" marT="0" marB="0" anchor="ctr"/>
                 </a:tc>
               </a:tr>
-              <a:tr h="322596">
+              <a:tr h="250184">
                 <a:tc>
                   <a:txBody>
                     <a:bodyPr/>
@@ -8212,19 +8268,19 @@
                         </a:spcAft>
                       </a:pPr>
                       <a:r>
-                        <a:rPr lang="es-ES" sz="800">
+                        <a:rPr lang="es-ES" sz="900" dirty="0">
                           <a:effectLst/>
                         </a:rPr>
-                        <a:t>Computadores mal funcionando atrasando el trabajo.</a:t>
+                        <a:t>Inundación del sitio de trabajo.</a:t>
                       </a:r>
-                      <a:endParaRPr lang="es-ES" sz="1000">
+                      <a:endParaRPr lang="es-CO" sz="1200" dirty="0">
                         <a:effectLst/>
                         <a:latin typeface="Times New Roman" panose="02020603050405020304" pitchFamily="18" charset="0"/>
                         <a:ea typeface="Times New Roman" panose="02020603050405020304" pitchFamily="18" charset="0"/>
                       </a:endParaRPr>
                     </a:p>
                   </a:txBody>
-                  <a:tcPr marL="38660" marR="38660" marT="0" marB="0" anchor="ctr"/>
+                  <a:tcPr marL="44450" marR="44450" marT="0" marB="0" anchor="ctr"/>
                 </a:tc>
                 <a:tc>
                   <a:txBody>
@@ -8237,22 +8293,22 @@
                         </a:spcAft>
                       </a:pPr>
                       <a:r>
-                        <a:rPr lang="es-ES" sz="1000">
+                        <a:rPr lang="es-ES" sz="900">
                           <a:effectLst/>
                         </a:rPr>
-                        <a:t>5</a:t>
+                        <a:t>11</a:t>
                       </a:r>
-                      <a:endParaRPr lang="es-ES" sz="1000">
+                      <a:endParaRPr lang="es-CO" sz="1200">
                         <a:effectLst/>
                         <a:latin typeface="Times New Roman" panose="02020603050405020304" pitchFamily="18" charset="0"/>
                         <a:ea typeface="Times New Roman" panose="02020603050405020304" pitchFamily="18" charset="0"/>
                       </a:endParaRPr>
                     </a:p>
                   </a:txBody>
-                  <a:tcPr marL="38660" marR="38660" marT="0" marB="0" anchor="ctr"/>
+                  <a:tcPr marL="44450" marR="44450" marT="0" marB="0" anchor="ctr"/>
                 </a:tc>
               </a:tr>
-              <a:tr h="148365">
+              <a:tr h="433532">
                 <a:tc>
                   <a:txBody>
                     <a:bodyPr/>
@@ -8264,19 +8320,19 @@
                         </a:spcAft>
                       </a:pPr>
                       <a:r>
-                        <a:rPr lang="es-ES" sz="800">
+                        <a:rPr lang="es-ES" sz="900">
                           <a:effectLst/>
                         </a:rPr>
-                        <a:t>Cables rotos  de redes y de computadores.</a:t>
+                        <a:t>Destrucción por terremoto del sitio de trabajo.</a:t>
                       </a:r>
-                      <a:endParaRPr lang="es-ES" sz="1000">
+                      <a:endParaRPr lang="es-CO" sz="1200">
                         <a:effectLst/>
                         <a:latin typeface="Times New Roman" panose="02020603050405020304" pitchFamily="18" charset="0"/>
                         <a:ea typeface="Times New Roman" panose="02020603050405020304" pitchFamily="18" charset="0"/>
                       </a:endParaRPr>
                     </a:p>
                   </a:txBody>
-                  <a:tcPr marL="38660" marR="38660" marT="0" marB="0" anchor="ctr"/>
+                  <a:tcPr marL="44450" marR="44450" marT="0" marB="0" anchor="ctr"/>
                 </a:tc>
                 <a:tc>
                   <a:txBody>
@@ -8289,22 +8345,22 @@
                         </a:spcAft>
                       </a:pPr>
                       <a:r>
-                        <a:rPr lang="es-ES" sz="800">
+                        <a:rPr lang="es-ES" sz="900">
                           <a:effectLst/>
                         </a:rPr>
-                        <a:t>4</a:t>
+                        <a:t>9</a:t>
                       </a:r>
-                      <a:endParaRPr lang="es-ES" sz="1000">
+                      <a:endParaRPr lang="es-CO" sz="1200">
                         <a:effectLst/>
                         <a:latin typeface="Times New Roman" panose="02020603050405020304" pitchFamily="18" charset="0"/>
                         <a:ea typeface="Times New Roman" panose="02020603050405020304" pitchFamily="18" charset="0"/>
                       </a:endParaRPr>
                     </a:p>
                   </a:txBody>
-                  <a:tcPr marL="38660" marR="38660" marT="0" marB="0" anchor="ctr"/>
+                  <a:tcPr marL="44450" marR="44450" marT="0" marB="0" anchor="ctr"/>
                 </a:tc>
               </a:tr>
-              <a:tr h="186165">
+              <a:tr h="433532">
                 <a:tc>
                   <a:txBody>
                     <a:bodyPr/>
@@ -8316,19 +8372,19 @@
                         </a:spcAft>
                       </a:pPr>
                       <a:r>
-                        <a:rPr lang="es-ES" sz="800">
+                        <a:rPr lang="es-ES" sz="900">
                           <a:effectLst/>
                         </a:rPr>
-                        <a:t>Mal construcción de la sede de trabajo.</a:t>
+                        <a:t>Desalojo de médicos  por contaminación del sitio de trabajo.</a:t>
                       </a:r>
-                      <a:endParaRPr lang="es-ES" sz="1000">
+                      <a:endParaRPr lang="es-CO" sz="1200">
                         <a:effectLst/>
                         <a:latin typeface="Times New Roman" panose="02020603050405020304" pitchFamily="18" charset="0"/>
                         <a:ea typeface="Times New Roman" panose="02020603050405020304" pitchFamily="18" charset="0"/>
                       </a:endParaRPr>
                     </a:p>
                   </a:txBody>
-                  <a:tcPr marL="38660" marR="38660" marT="0" marB="0" anchor="ctr"/>
+                  <a:tcPr marL="44450" marR="44450" marT="0" marB="0" anchor="ctr"/>
                 </a:tc>
                 <a:tc>
                   <a:txBody>
@@ -8341,22 +8397,22 @@
                         </a:spcAft>
                       </a:pPr>
                       <a:r>
-                        <a:rPr lang="es-ES" sz="800">
+                        <a:rPr lang="es-ES" sz="900">
                           <a:effectLst/>
                         </a:rPr>
                         <a:t>3</a:t>
                       </a:r>
-                      <a:endParaRPr lang="es-ES" sz="1000">
+                      <a:endParaRPr lang="es-CO" sz="1200">
                         <a:effectLst/>
                         <a:latin typeface="Times New Roman" panose="02020603050405020304" pitchFamily="18" charset="0"/>
                         <a:ea typeface="Times New Roman" panose="02020603050405020304" pitchFamily="18" charset="0"/>
                       </a:endParaRPr>
                     </a:p>
                   </a:txBody>
-                  <a:tcPr marL="38660" marR="38660" marT="0" marB="0" anchor="ctr"/>
+                  <a:tcPr marL="44450" marR="44450" marT="0" marB="0" anchor="ctr"/>
                 </a:tc>
               </a:tr>
-              <a:tr h="187509">
+              <a:tr h="475078">
                 <a:tc>
                   <a:txBody>
                     <a:bodyPr/>
@@ -8368,19 +8424,19 @@
                         </a:spcAft>
                       </a:pPr>
                       <a:r>
-                        <a:rPr lang="es-ES" sz="800">
+                        <a:rPr lang="es-ES" sz="900">
                           <a:effectLst/>
                         </a:rPr>
-                        <a:t>Corte del suministro eléctrico</a:t>
+                        <a:t>Replicación de la información de pacientes, tratamientos y enfermedades.</a:t>
                       </a:r>
-                      <a:endParaRPr lang="es-ES" sz="1000">
+                      <a:endParaRPr lang="es-CO" sz="1200">
                         <a:effectLst/>
                         <a:latin typeface="Times New Roman" panose="02020603050405020304" pitchFamily="18" charset="0"/>
                         <a:ea typeface="Times New Roman" panose="02020603050405020304" pitchFamily="18" charset="0"/>
                       </a:endParaRPr>
                     </a:p>
                   </a:txBody>
-                  <a:tcPr marL="38660" marR="38660" marT="0" marB="0" anchor="ctr"/>
+                  <a:tcPr marL="44450" marR="44450" marT="0" marB="0" anchor="ctr"/>
                 </a:tc>
                 <a:tc>
                   <a:txBody>
@@ -8393,22 +8449,22 @@
                         </a:spcAft>
                       </a:pPr>
                       <a:r>
-                        <a:rPr lang="es-ES" sz="800">
+                        <a:rPr lang="es-ES" sz="900">
                           <a:effectLst/>
                         </a:rPr>
-                        <a:t>7</a:t>
+                        <a:t>5</a:t>
                       </a:r>
-                      <a:endParaRPr lang="es-ES" sz="1000">
+                      <a:endParaRPr lang="es-CO" sz="1200">
                         <a:effectLst/>
                         <a:latin typeface="Times New Roman" panose="02020603050405020304" pitchFamily="18" charset="0"/>
                         <a:ea typeface="Times New Roman" panose="02020603050405020304" pitchFamily="18" charset="0"/>
                       </a:endParaRPr>
                     </a:p>
                   </a:txBody>
-                  <a:tcPr marL="38660" marR="38660" marT="0" marB="0" anchor="ctr"/>
+                  <a:tcPr marL="44450" marR="44450" marT="0" marB="0" anchor="ctr"/>
                 </a:tc>
               </a:tr>
-              <a:tr h="180789">
+              <a:tr h="433532">
                 <a:tc>
                   <a:txBody>
                     <a:bodyPr/>
@@ -8420,19 +8476,19 @@
                         </a:spcAft>
                       </a:pPr>
                       <a:r>
-                        <a:rPr lang="es-ES" sz="800">
+                        <a:rPr lang="es-ES" sz="900">
                           <a:effectLst/>
                         </a:rPr>
-                        <a:t>Falta de pago de factura del teléfono y internet.</a:t>
+                        <a:t>Información dada por los pacientes errónea y sin integridad.</a:t>
                       </a:r>
-                      <a:endParaRPr lang="es-ES" sz="1000">
+                      <a:endParaRPr lang="es-CO" sz="1200">
                         <a:effectLst/>
                         <a:latin typeface="Times New Roman" panose="02020603050405020304" pitchFamily="18" charset="0"/>
                         <a:ea typeface="Times New Roman" panose="02020603050405020304" pitchFamily="18" charset="0"/>
                       </a:endParaRPr>
                     </a:p>
                   </a:txBody>
-                  <a:tcPr marL="38660" marR="38660" marT="0" marB="0" anchor="ctr"/>
+                  <a:tcPr marL="44450" marR="44450" marT="0" marB="0" anchor="ctr"/>
                 </a:tc>
                 <a:tc>
                   <a:txBody>
@@ -8445,22 +8501,22 @@
                         </a:spcAft>
                       </a:pPr>
                       <a:r>
-                        <a:rPr lang="es-ES" sz="800">
+                        <a:rPr lang="es-ES" sz="900">
                           <a:effectLst/>
                         </a:rPr>
-                        <a:t>8</a:t>
+                        <a:t>4</a:t>
                       </a:r>
-                      <a:endParaRPr lang="es-ES" sz="1000">
+                      <a:endParaRPr lang="es-CO" sz="1200">
                         <a:effectLst/>
                         <a:latin typeface="Times New Roman" panose="02020603050405020304" pitchFamily="18" charset="0"/>
                         <a:ea typeface="Times New Roman" panose="02020603050405020304" pitchFamily="18" charset="0"/>
                       </a:endParaRPr>
                     </a:p>
                   </a:txBody>
-                  <a:tcPr marL="38660" marR="38660" marT="0" marB="0" anchor="ctr"/>
+                  <a:tcPr marL="44450" marR="44450" marT="0" marB="0" anchor="ctr"/>
                 </a:tc>
               </a:tr>
-              <a:tr h="183477">
+              <a:tr h="578042">
                 <a:tc>
                   <a:txBody>
                     <a:bodyPr/>
@@ -8472,19 +8528,19 @@
                         </a:spcAft>
                       </a:pPr>
                       <a:r>
-                        <a:rPr lang="es-ES" sz="800">
+                        <a:rPr lang="es-ES" sz="900">
                           <a:effectLst/>
                         </a:rPr>
-                        <a:t>Problemas del proveedor de internet.</a:t>
+                        <a:t>Capacidad del paciente de poder ingresar números en el espacio para su nombre al momento de registrarse en el programa.</a:t>
                       </a:r>
-                      <a:endParaRPr lang="es-ES" sz="1000">
+                      <a:endParaRPr lang="es-CO" sz="1200">
                         <a:effectLst/>
                         <a:latin typeface="Times New Roman" panose="02020603050405020304" pitchFamily="18" charset="0"/>
                         <a:ea typeface="Times New Roman" panose="02020603050405020304" pitchFamily="18" charset="0"/>
                       </a:endParaRPr>
                     </a:p>
                   </a:txBody>
-                  <a:tcPr marL="38660" marR="38660" marT="0" marB="0" anchor="ctr"/>
+                  <a:tcPr marL="44450" marR="44450" marT="0" marB="0" anchor="ctr"/>
                 </a:tc>
                 <a:tc>
                   <a:txBody>
@@ -8497,22 +8553,22 @@
                         </a:spcAft>
                       </a:pPr>
                       <a:r>
-                        <a:rPr lang="es-ES" sz="800">
+                        <a:rPr lang="es-ES" sz="900">
                           <a:effectLst/>
                         </a:rPr>
-                        <a:t>4</a:t>
+                        <a:t>5</a:t>
                       </a:r>
-                      <a:endParaRPr lang="es-ES" sz="1000">
+                      <a:endParaRPr lang="es-CO" sz="1200">
                         <a:effectLst/>
                         <a:latin typeface="Times New Roman" panose="02020603050405020304" pitchFamily="18" charset="0"/>
                         <a:ea typeface="Times New Roman" panose="02020603050405020304" pitchFamily="18" charset="0"/>
                       </a:endParaRPr>
                     </a:p>
                   </a:txBody>
-                  <a:tcPr marL="38660" marR="38660" marT="0" marB="0" anchor="ctr"/>
+                  <a:tcPr marL="44450" marR="44450" marT="0" marB="0" anchor="ctr"/>
                 </a:tc>
               </a:tr>
-              <a:tr h="290337">
+              <a:tr h="433532">
                 <a:tc>
                   <a:txBody>
                     <a:bodyPr/>
@@ -8524,19 +8580,19 @@
                         </a:spcAft>
                       </a:pPr>
                       <a:r>
-                        <a:rPr lang="es-ES" sz="800">
+                        <a:rPr lang="es-ES" sz="900">
                           <a:effectLst/>
                         </a:rPr>
-                        <a:t>Interrupción de otros servicios y suministros esenciales</a:t>
+                        <a:t>Falta de monitorización de objetivos generales y específicos.</a:t>
                       </a:r>
-                      <a:endParaRPr lang="es-ES" sz="1000">
+                      <a:endParaRPr lang="es-CO" sz="1200">
                         <a:effectLst/>
                         <a:latin typeface="Times New Roman" panose="02020603050405020304" pitchFamily="18" charset="0"/>
                         <a:ea typeface="Times New Roman" panose="02020603050405020304" pitchFamily="18" charset="0"/>
                       </a:endParaRPr>
                     </a:p>
                   </a:txBody>
-                  <a:tcPr marL="38660" marR="38660" marT="0" marB="0" anchor="ctr"/>
+                  <a:tcPr marL="44450" marR="44450" marT="0" marB="0" anchor="ctr"/>
                 </a:tc>
                 <a:tc>
                   <a:txBody>
@@ -8549,22 +8605,22 @@
                         </a:spcAft>
                       </a:pPr>
                       <a:r>
-                        <a:rPr lang="es-ES" sz="800">
+                        <a:rPr lang="es-ES" sz="900">
                           <a:effectLst/>
                         </a:rPr>
-                        <a:t>4</a:t>
+                        <a:t>12</a:t>
                       </a:r>
-                      <a:endParaRPr lang="es-ES" sz="1000">
+                      <a:endParaRPr lang="es-CO" sz="1200">
                         <a:effectLst/>
                         <a:latin typeface="Times New Roman" panose="02020603050405020304" pitchFamily="18" charset="0"/>
                         <a:ea typeface="Times New Roman" panose="02020603050405020304" pitchFamily="18" charset="0"/>
                       </a:endParaRPr>
                     </a:p>
                   </a:txBody>
-                  <a:tcPr marL="38660" marR="38660" marT="0" marB="0" anchor="ctr"/>
+                  <a:tcPr marL="44450" marR="44450" marT="0" marB="0" anchor="ctr"/>
                 </a:tc>
               </a:tr>
-              <a:tr h="290337">
+              <a:tr h="306182">
                 <a:tc>
                   <a:txBody>
                     <a:bodyPr/>
@@ -8576,19 +8632,19 @@
                         </a:spcAft>
                       </a:pPr>
                       <a:r>
-                        <a:rPr lang="es-ES" sz="800">
+                        <a:rPr lang="es-ES" sz="900">
                           <a:effectLst/>
                         </a:rPr>
-                        <a:t>Avería de discos duros de información importante.</a:t>
+                        <a:t>Errores de configuración</a:t>
                       </a:r>
-                      <a:endParaRPr lang="es-ES" sz="1000">
+                      <a:endParaRPr lang="es-CO" sz="1200">
                         <a:effectLst/>
                         <a:latin typeface="Times New Roman" panose="02020603050405020304" pitchFamily="18" charset="0"/>
                         <a:ea typeface="Times New Roman" panose="02020603050405020304" pitchFamily="18" charset="0"/>
                       </a:endParaRPr>
                     </a:p>
                   </a:txBody>
-                  <a:tcPr marL="38660" marR="38660" marT="0" marB="0" anchor="ctr"/>
+                  <a:tcPr marL="44450" marR="44450" marT="0" marB="0" anchor="ctr"/>
                 </a:tc>
                 <a:tc>
                   <a:txBody>
@@ -8601,22 +8657,22 @@
                         </a:spcAft>
                       </a:pPr>
                       <a:r>
-                        <a:rPr lang="es-ES" sz="800">
+                        <a:rPr lang="es-ES" sz="900">
                           <a:effectLst/>
                         </a:rPr>
                         <a:t>7</a:t>
                       </a:r>
-                      <a:endParaRPr lang="es-ES" sz="1000">
+                      <a:endParaRPr lang="es-CO" sz="1200">
                         <a:effectLst/>
                         <a:latin typeface="Times New Roman" panose="02020603050405020304" pitchFamily="18" charset="0"/>
                         <a:ea typeface="Times New Roman" panose="02020603050405020304" pitchFamily="18" charset="0"/>
                       </a:endParaRPr>
                     </a:p>
                   </a:txBody>
-                  <a:tcPr marL="38660" marR="38660" marT="0" marB="0" anchor="ctr"/>
+                  <a:tcPr marL="44450" marR="44450" marT="0" marB="0" anchor="ctr"/>
                 </a:tc>
               </a:tr>
-              <a:tr h="184820">
+              <a:tr h="373921">
                 <a:tc>
                   <a:txBody>
                     <a:bodyPr/>
@@ -8628,19 +8684,19 @@
                         </a:spcAft>
                       </a:pPr>
                       <a:r>
-                        <a:rPr lang="es-ES" sz="800">
+                        <a:rPr lang="es-ES" sz="900">
                           <a:effectLst/>
                         </a:rPr>
-                        <a:t>Falta de mantenimiento constante de equipos.</a:t>
+                        <a:t>Falta de interés por falta de empleados y gerentes por el proyecto.</a:t>
                       </a:r>
-                      <a:endParaRPr lang="es-ES" sz="1000">
+                      <a:endParaRPr lang="es-CO" sz="1200">
                         <a:effectLst/>
                         <a:latin typeface="Times New Roman" panose="02020603050405020304" pitchFamily="18" charset="0"/>
                         <a:ea typeface="Times New Roman" panose="02020603050405020304" pitchFamily="18" charset="0"/>
                       </a:endParaRPr>
                     </a:p>
                   </a:txBody>
-                  <a:tcPr marL="38660" marR="38660" marT="0" marB="0" anchor="ctr"/>
+                  <a:tcPr marL="44450" marR="44450" marT="0" marB="0" anchor="ctr"/>
                 </a:tc>
                 <a:tc>
                   <a:txBody>
@@ -8653,22 +8709,22 @@
                         </a:spcAft>
                       </a:pPr>
                       <a:r>
-                        <a:rPr lang="es-ES" sz="800">
+                        <a:rPr lang="es-ES" sz="900">
                           <a:effectLst/>
                         </a:rPr>
-                        <a:t>8</a:t>
+                        <a:t>12</a:t>
                       </a:r>
-                      <a:endParaRPr lang="es-ES" sz="1000">
+                      <a:endParaRPr lang="es-CO" sz="1200">
                         <a:effectLst/>
                         <a:latin typeface="Times New Roman" panose="02020603050405020304" pitchFamily="18" charset="0"/>
                         <a:ea typeface="Times New Roman" panose="02020603050405020304" pitchFamily="18" charset="0"/>
                       </a:endParaRPr>
                     </a:p>
                   </a:txBody>
-                  <a:tcPr marL="38660" marR="38660" marT="0" marB="0" anchor="ctr"/>
+                  <a:tcPr marL="44450" marR="44450" marT="0" marB="0" anchor="ctr"/>
                 </a:tc>
               </a:tr>
-              <a:tr h="290337">
+              <a:tr h="433532">
                 <a:tc>
                   <a:txBody>
                     <a:bodyPr/>
@@ -8680,19 +8736,19 @@
                         </a:spcAft>
                       </a:pPr>
                       <a:r>
-                        <a:rPr lang="es-ES" sz="800">
+                        <a:rPr lang="es-ES" sz="900">
                           <a:effectLst/>
                         </a:rPr>
-                        <a:t>Fallos no detectados que pueden volverse peores.</a:t>
+                        <a:t>Compilador poco conveniente para los objetivos de la organización.</a:t>
                       </a:r>
-                      <a:endParaRPr lang="es-ES" sz="1000">
+                      <a:endParaRPr lang="es-CO" sz="1200">
                         <a:effectLst/>
                         <a:latin typeface="Times New Roman" panose="02020603050405020304" pitchFamily="18" charset="0"/>
                         <a:ea typeface="Times New Roman" panose="02020603050405020304" pitchFamily="18" charset="0"/>
                       </a:endParaRPr>
                     </a:p>
                   </a:txBody>
-                  <a:tcPr marL="38660" marR="38660" marT="0" marB="0" anchor="ctr"/>
+                  <a:tcPr marL="44450" marR="44450" marT="0" marB="0" anchor="ctr"/>
                 </a:tc>
                 <a:tc>
                   <a:txBody>
@@ -8705,22 +8761,22 @@
                         </a:spcAft>
                       </a:pPr>
                       <a:r>
-                        <a:rPr lang="es-ES" sz="800">
+                        <a:rPr lang="es-ES" sz="900">
                           <a:effectLst/>
                         </a:rPr>
-                        <a:t>11</a:t>
+                        <a:t>14</a:t>
                       </a:r>
-                      <a:endParaRPr lang="es-ES" sz="1000">
+                      <a:endParaRPr lang="es-CO" sz="1200">
                         <a:effectLst/>
                         <a:latin typeface="Times New Roman" panose="02020603050405020304" pitchFamily="18" charset="0"/>
                         <a:ea typeface="Times New Roman" panose="02020603050405020304" pitchFamily="18" charset="0"/>
                       </a:endParaRPr>
                     </a:p>
                   </a:txBody>
-                  <a:tcPr marL="38660" marR="38660" marT="0" marB="0" anchor="ctr"/>
+                  <a:tcPr marL="44450" marR="44450" marT="0" marB="0" anchor="ctr"/>
                 </a:tc>
               </a:tr>
-              <a:tr h="322596">
+              <a:tr h="322439">
                 <a:tc>
                   <a:txBody>
                     <a:bodyPr/>
@@ -8732,19 +8788,19 @@
                         </a:spcAft>
                       </a:pPr>
                       <a:r>
-                        <a:rPr lang="es-ES" sz="800">
+                        <a:rPr lang="es-ES" sz="900">
                           <a:effectLst/>
                         </a:rPr>
-                        <a:t>Configuración poco conveniente para el sistema actual.</a:t>
+                        <a:t>Fugas de información.</a:t>
                       </a:r>
-                      <a:endParaRPr lang="es-ES" sz="1000">
+                      <a:endParaRPr lang="es-CO" sz="1200">
                         <a:effectLst/>
                         <a:latin typeface="Times New Roman" panose="02020603050405020304" pitchFamily="18" charset="0"/>
                         <a:ea typeface="Times New Roman" panose="02020603050405020304" pitchFamily="18" charset="0"/>
                       </a:endParaRPr>
                     </a:p>
                   </a:txBody>
-                  <a:tcPr marL="38660" marR="38660" marT="0" marB="0" anchor="ctr"/>
+                  <a:tcPr marL="44450" marR="44450" marT="0" marB="0" anchor="ctr"/>
                 </a:tc>
                 <a:tc>
                   <a:txBody>
@@ -8757,487 +8813,19 @@
                         </a:spcAft>
                       </a:pPr>
                       <a:r>
-                        <a:rPr lang="es-ES" sz="800">
+                        <a:rPr lang="es-ES" sz="1100" dirty="0">
                           <a:effectLst/>
                         </a:rPr>
-                        <a:t>13</a:t>
+                        <a:t>4</a:t>
                       </a:r>
-                      <a:endParaRPr lang="es-ES" sz="1000">
+                      <a:endParaRPr lang="es-CO" sz="1200" dirty="0">
                         <a:effectLst/>
                         <a:latin typeface="Times New Roman" panose="02020603050405020304" pitchFamily="18" charset="0"/>
                         <a:ea typeface="Times New Roman" panose="02020603050405020304" pitchFamily="18" charset="0"/>
                       </a:endParaRPr>
                     </a:p>
                   </a:txBody>
-                  <a:tcPr marL="38660" marR="38660" marT="0" marB="0" anchor="ctr"/>
-                </a:tc>
-              </a:tr>
-              <a:tr h="322596">
-                <a:tc>
-                  <a:txBody>
-                    <a:bodyPr/>
-                    <a:lstStyle/>
-                    <a:p>
-                      <a:pPr>
-                        <a:spcAft>
-                          <a:spcPts val="0"/>
-                        </a:spcAft>
-                      </a:pPr>
-                      <a:r>
-                        <a:rPr lang="es-ES" sz="800">
-                          <a:effectLst/>
-                        </a:rPr>
-                        <a:t>Constante personal nuevo por falta de tolerancia de gerentes.</a:t>
-                      </a:r>
-                      <a:endParaRPr lang="es-ES" sz="1000">
-                        <a:effectLst/>
-                        <a:latin typeface="Times New Roman" panose="02020603050405020304" pitchFamily="18" charset="0"/>
-                        <a:ea typeface="Times New Roman" panose="02020603050405020304" pitchFamily="18" charset="0"/>
-                      </a:endParaRPr>
-                    </a:p>
-                  </a:txBody>
-                  <a:tcPr marL="38660" marR="38660" marT="0" marB="0" anchor="ctr"/>
-                </a:tc>
-                <a:tc>
-                  <a:txBody>
-                    <a:bodyPr/>
-                    <a:lstStyle/>
-                    <a:p>
-                      <a:pPr algn="ctr">
-                        <a:spcAft>
-                          <a:spcPts val="0"/>
-                        </a:spcAft>
-                      </a:pPr>
-                      <a:r>
-                        <a:rPr lang="es-ES" sz="800">
-                          <a:effectLst/>
-                        </a:rPr>
-                        <a:t>13</a:t>
-                      </a:r>
-                      <a:endParaRPr lang="es-ES" sz="1000">
-                        <a:effectLst/>
-                        <a:latin typeface="Times New Roman" panose="02020603050405020304" pitchFamily="18" charset="0"/>
-                        <a:ea typeface="Times New Roman" panose="02020603050405020304" pitchFamily="18" charset="0"/>
-                      </a:endParaRPr>
-                    </a:p>
-                  </a:txBody>
-                  <a:tcPr marL="38660" marR="38660" marT="0" marB="0" anchor="ctr"/>
-                </a:tc>
-              </a:tr>
-              <a:tr h="201623">
-                <a:tc>
-                  <a:txBody>
-                    <a:bodyPr/>
-                    <a:lstStyle/>
-                    <a:p>
-                      <a:pPr>
-                        <a:spcAft>
-                          <a:spcPts val="0"/>
-                        </a:spcAft>
-                      </a:pPr>
-                      <a:r>
-                        <a:rPr lang="es-ES" sz="800">
-                          <a:effectLst/>
-                        </a:rPr>
-                        <a:t>Virus sin detectar.</a:t>
-                      </a:r>
-                      <a:endParaRPr lang="es-ES" sz="1000">
-                        <a:effectLst/>
-                        <a:latin typeface="Times New Roman" panose="02020603050405020304" pitchFamily="18" charset="0"/>
-                        <a:ea typeface="Times New Roman" panose="02020603050405020304" pitchFamily="18" charset="0"/>
-                      </a:endParaRPr>
-                    </a:p>
-                  </a:txBody>
-                  <a:tcPr marL="38660" marR="38660" marT="0" marB="0" anchor="ctr"/>
-                </a:tc>
-                <a:tc>
-                  <a:txBody>
-                    <a:bodyPr/>
-                    <a:lstStyle/>
-                    <a:p>
-                      <a:pPr algn="ctr">
-                        <a:spcAft>
-                          <a:spcPts val="0"/>
-                        </a:spcAft>
-                      </a:pPr>
-                      <a:r>
-                        <a:rPr lang="es-ES" sz="800">
-                          <a:effectLst/>
-                        </a:rPr>
-                        <a:t>16</a:t>
-                      </a:r>
-                      <a:endParaRPr lang="es-ES" sz="1000">
-                        <a:effectLst/>
-                        <a:latin typeface="Times New Roman" panose="02020603050405020304" pitchFamily="18" charset="0"/>
-                        <a:ea typeface="Times New Roman" panose="02020603050405020304" pitchFamily="18" charset="0"/>
-                      </a:endParaRPr>
-                    </a:p>
-                  </a:txBody>
-                  <a:tcPr marL="38660" marR="38660" marT="0" marB="0" anchor="ctr"/>
-                </a:tc>
-              </a:tr>
-              <a:tr h="201623">
-                <a:tc>
-                  <a:txBody>
-                    <a:bodyPr/>
-                    <a:lstStyle/>
-                    <a:p>
-                      <a:pPr>
-                        <a:spcAft>
-                          <a:spcPts val="0"/>
-                        </a:spcAft>
-                      </a:pPr>
-                      <a:r>
-                        <a:rPr lang="es-ES" sz="800">
-                          <a:effectLst/>
-                        </a:rPr>
-                        <a:t>Falta de control en el manejo de redes.</a:t>
-                      </a:r>
-                      <a:endParaRPr lang="es-ES" sz="1000">
-                        <a:effectLst/>
-                        <a:latin typeface="Times New Roman" panose="02020603050405020304" pitchFamily="18" charset="0"/>
-                        <a:ea typeface="Times New Roman" panose="02020603050405020304" pitchFamily="18" charset="0"/>
-                      </a:endParaRPr>
-                    </a:p>
-                  </a:txBody>
-                  <a:tcPr marL="38660" marR="38660" marT="0" marB="0" anchor="ctr"/>
-                </a:tc>
-                <a:tc>
-                  <a:txBody>
-                    <a:bodyPr/>
-                    <a:lstStyle/>
-                    <a:p>
-                      <a:pPr algn="ctr">
-                        <a:spcAft>
-                          <a:spcPts val="0"/>
-                        </a:spcAft>
-                      </a:pPr>
-                      <a:r>
-                        <a:rPr lang="es-ES" sz="800">
-                          <a:effectLst/>
-                        </a:rPr>
-                        <a:t>8</a:t>
-                      </a:r>
-                      <a:endParaRPr lang="es-ES" sz="1000">
-                        <a:effectLst/>
-                        <a:latin typeface="Times New Roman" panose="02020603050405020304" pitchFamily="18" charset="0"/>
-                        <a:ea typeface="Times New Roman" panose="02020603050405020304" pitchFamily="18" charset="0"/>
-                      </a:endParaRPr>
-                    </a:p>
-                  </a:txBody>
-                  <a:tcPr marL="38660" marR="38660" marT="0" marB="0" anchor="ctr"/>
-                </a:tc>
-              </a:tr>
-              <a:tr h="290337">
-                <a:tc>
-                  <a:txBody>
-                    <a:bodyPr/>
-                    <a:lstStyle/>
-                    <a:p>
-                      <a:pPr>
-                        <a:spcAft>
-                          <a:spcPts val="0"/>
-                        </a:spcAft>
-                      </a:pPr>
-                      <a:r>
-                        <a:rPr lang="es-ES" sz="800">
-                          <a:effectLst/>
-                        </a:rPr>
-                        <a:t>Falta de protocolos con el manejo de información.</a:t>
-                      </a:r>
-                      <a:endParaRPr lang="es-ES" sz="1000">
-                        <a:effectLst/>
-                        <a:latin typeface="Times New Roman" panose="02020603050405020304" pitchFamily="18" charset="0"/>
-                        <a:ea typeface="Times New Roman" panose="02020603050405020304" pitchFamily="18" charset="0"/>
-                      </a:endParaRPr>
-                    </a:p>
-                  </a:txBody>
-                  <a:tcPr marL="38660" marR="38660" marT="0" marB="0" anchor="ctr"/>
-                </a:tc>
-                <a:tc>
-                  <a:txBody>
-                    <a:bodyPr/>
-                    <a:lstStyle/>
-                    <a:p>
-                      <a:pPr algn="ctr">
-                        <a:spcAft>
-                          <a:spcPts val="0"/>
-                        </a:spcAft>
-                      </a:pPr>
-                      <a:r>
-                        <a:rPr lang="es-ES" sz="800">
-                          <a:effectLst/>
-                        </a:rPr>
-                        <a:t>9</a:t>
-                      </a:r>
-                      <a:endParaRPr lang="es-ES" sz="1000">
-                        <a:effectLst/>
-                        <a:latin typeface="Times New Roman" panose="02020603050405020304" pitchFamily="18" charset="0"/>
-                        <a:ea typeface="Times New Roman" panose="02020603050405020304" pitchFamily="18" charset="0"/>
-                      </a:endParaRPr>
-                    </a:p>
-                  </a:txBody>
-                  <a:tcPr marL="38660" marR="38660" marT="0" marB="0" anchor="ctr"/>
-                </a:tc>
-              </a:tr>
-              <a:tr h="211704">
-                <a:tc>
-                  <a:txBody>
-                    <a:bodyPr/>
-                    <a:lstStyle/>
-                    <a:p>
-                      <a:pPr>
-                        <a:spcAft>
-                          <a:spcPts val="0"/>
-                        </a:spcAft>
-                      </a:pPr>
-                      <a:r>
-                        <a:rPr lang="es-ES" sz="800">
-                          <a:effectLst/>
-                        </a:rPr>
-                        <a:t>Información sin protocolos de seguridad.</a:t>
-                      </a:r>
-                      <a:endParaRPr lang="es-ES" sz="1000">
-                        <a:effectLst/>
-                        <a:latin typeface="Times New Roman" panose="02020603050405020304" pitchFamily="18" charset="0"/>
-                        <a:ea typeface="Times New Roman" panose="02020603050405020304" pitchFamily="18" charset="0"/>
-                      </a:endParaRPr>
-                    </a:p>
-                  </a:txBody>
-                  <a:tcPr marL="38660" marR="38660" marT="0" marB="0" anchor="ctr"/>
-                </a:tc>
-                <a:tc>
-                  <a:txBody>
-                    <a:bodyPr/>
-                    <a:lstStyle/>
-                    <a:p>
-                      <a:pPr algn="ctr">
-                        <a:spcAft>
-                          <a:spcPts val="0"/>
-                        </a:spcAft>
-                      </a:pPr>
-                      <a:r>
-                        <a:rPr lang="es-ES" sz="800">
-                          <a:effectLst/>
-                        </a:rPr>
-                        <a:t>12</a:t>
-                      </a:r>
-                      <a:endParaRPr lang="es-ES" sz="1000">
-                        <a:effectLst/>
-                        <a:latin typeface="Times New Roman" panose="02020603050405020304" pitchFamily="18" charset="0"/>
-                        <a:ea typeface="Times New Roman" panose="02020603050405020304" pitchFamily="18" charset="0"/>
-                      </a:endParaRPr>
-                    </a:p>
-                  </a:txBody>
-                  <a:tcPr marL="38660" marR="38660" marT="0" marB="0" anchor="ctr"/>
-                </a:tc>
-              </a:tr>
-              <a:tr h="177428">
-                <a:tc>
-                  <a:txBody>
-                    <a:bodyPr/>
-                    <a:lstStyle/>
-                    <a:p>
-                      <a:pPr>
-                        <a:spcAft>
-                          <a:spcPts val="0"/>
-                        </a:spcAft>
-                      </a:pPr>
-                      <a:r>
-                        <a:rPr lang="es-ES" sz="800">
-                          <a:effectLst/>
-                        </a:rPr>
-                        <a:t>Emanaciones electromagnéticas</a:t>
-                      </a:r>
-                      <a:endParaRPr lang="es-ES" sz="1000">
-                        <a:effectLst/>
-                        <a:latin typeface="Times New Roman" panose="02020603050405020304" pitchFamily="18" charset="0"/>
-                        <a:ea typeface="Times New Roman" panose="02020603050405020304" pitchFamily="18" charset="0"/>
-                      </a:endParaRPr>
-                    </a:p>
-                  </a:txBody>
-                  <a:tcPr marL="38660" marR="38660" marT="0" marB="0" anchor="ctr"/>
-                </a:tc>
-                <a:tc>
-                  <a:txBody>
-                    <a:bodyPr/>
-                    <a:lstStyle/>
-                    <a:p>
-                      <a:pPr algn="ctr">
-                        <a:spcAft>
-                          <a:spcPts val="0"/>
-                        </a:spcAft>
-                      </a:pPr>
-                      <a:r>
-                        <a:rPr lang="es-ES" sz="800">
-                          <a:effectLst/>
-                        </a:rPr>
-                        <a:t>5</a:t>
-                      </a:r>
-                      <a:endParaRPr lang="es-ES" sz="1000">
-                        <a:effectLst/>
-                        <a:latin typeface="Times New Roman" panose="02020603050405020304" pitchFamily="18" charset="0"/>
-                        <a:ea typeface="Times New Roman" panose="02020603050405020304" pitchFamily="18" charset="0"/>
-                      </a:endParaRPr>
-                    </a:p>
-                  </a:txBody>
-                  <a:tcPr marL="38660" marR="38660" marT="0" marB="0" anchor="ctr"/>
-                </a:tc>
-              </a:tr>
-              <a:tr h="160625">
-                <a:tc>
-                  <a:txBody>
-                    <a:bodyPr/>
-                    <a:lstStyle/>
-                    <a:p>
-                      <a:pPr>
-                        <a:spcAft>
-                          <a:spcPts val="0"/>
-                        </a:spcAft>
-                      </a:pPr>
-                      <a:r>
-                        <a:rPr lang="es-ES" sz="800">
-                          <a:effectLst/>
-                        </a:rPr>
-                        <a:t>Información eliminada.</a:t>
-                      </a:r>
-                      <a:endParaRPr lang="es-ES" sz="1000">
-                        <a:effectLst/>
-                        <a:latin typeface="Times New Roman" panose="02020603050405020304" pitchFamily="18" charset="0"/>
-                        <a:ea typeface="Times New Roman" panose="02020603050405020304" pitchFamily="18" charset="0"/>
-                      </a:endParaRPr>
-                    </a:p>
-                  </a:txBody>
-                  <a:tcPr marL="38660" marR="38660" marT="0" marB="0" anchor="ctr"/>
-                </a:tc>
-                <a:tc>
-                  <a:txBody>
-                    <a:bodyPr/>
-                    <a:lstStyle/>
-                    <a:p>
-                      <a:pPr algn="ctr">
-                        <a:spcAft>
-                          <a:spcPts val="0"/>
-                        </a:spcAft>
-                      </a:pPr>
-                      <a:r>
-                        <a:rPr lang="es-ES" sz="800">
-                          <a:effectLst/>
-                        </a:rPr>
-                        <a:t>11</a:t>
-                      </a:r>
-                      <a:endParaRPr lang="es-ES" sz="1000">
-                        <a:effectLst/>
-                        <a:latin typeface="Times New Roman" panose="02020603050405020304" pitchFamily="18" charset="0"/>
-                        <a:ea typeface="Times New Roman" panose="02020603050405020304" pitchFamily="18" charset="0"/>
-                      </a:endParaRPr>
-                    </a:p>
-                  </a:txBody>
-                  <a:tcPr marL="38660" marR="38660" marT="0" marB="0" anchor="ctr"/>
-                </a:tc>
-              </a:tr>
-              <a:tr h="198262">
-                <a:tc>
-                  <a:txBody>
-                    <a:bodyPr/>
-                    <a:lstStyle/>
-                    <a:p>
-                      <a:pPr>
-                        <a:spcAft>
-                          <a:spcPts val="0"/>
-                        </a:spcAft>
-                      </a:pPr>
-                      <a:r>
-                        <a:rPr lang="es-ES" sz="800">
-                          <a:effectLst/>
-                        </a:rPr>
-                        <a:t>Información sin controles en software.</a:t>
-                      </a:r>
-                      <a:endParaRPr lang="es-ES" sz="1000">
-                        <a:effectLst/>
-                        <a:latin typeface="Times New Roman" panose="02020603050405020304" pitchFamily="18" charset="0"/>
-                        <a:ea typeface="Times New Roman" panose="02020603050405020304" pitchFamily="18" charset="0"/>
-                      </a:endParaRPr>
-                    </a:p>
-                  </a:txBody>
-                  <a:tcPr marL="38660" marR="38660" marT="0" marB="0" anchor="ctr"/>
-                </a:tc>
-                <a:tc>
-                  <a:txBody>
-                    <a:bodyPr/>
-                    <a:lstStyle/>
-                    <a:p>
-                      <a:pPr algn="ctr">
-                        <a:spcAft>
-                          <a:spcPts val="0"/>
-                        </a:spcAft>
-                      </a:pPr>
-                      <a:r>
-                        <a:rPr lang="es-ES" sz="800">
-                          <a:effectLst/>
-                        </a:rPr>
-                        <a:t>4</a:t>
-                      </a:r>
-                      <a:endParaRPr lang="es-ES" sz="1000">
-                        <a:effectLst/>
-                        <a:latin typeface="Times New Roman" panose="02020603050405020304" pitchFamily="18" charset="0"/>
-                        <a:ea typeface="Times New Roman" panose="02020603050405020304" pitchFamily="18" charset="0"/>
-                      </a:endParaRPr>
-                    </a:p>
-                  </a:txBody>
-                  <a:tcPr marL="38660" marR="38660" marT="0" marB="0" anchor="ctr"/>
-                </a:tc>
-              </a:tr>
-              <a:tr h="173395">
-                <a:tc>
-                  <a:txBody>
-                    <a:bodyPr/>
-                    <a:lstStyle/>
-                    <a:p>
-                      <a:pPr>
-                        <a:spcAft>
-                          <a:spcPts val="0"/>
-                        </a:spcAft>
-                      </a:pPr>
-                      <a:r>
-                        <a:rPr lang="es-ES" sz="800" dirty="0">
-                          <a:effectLst/>
-                        </a:rPr>
-                        <a:t>Programas sin seguridad de la información.</a:t>
-                      </a:r>
-                      <a:endParaRPr lang="es-ES" sz="1000" dirty="0">
-                        <a:effectLst/>
-                        <a:latin typeface="Times New Roman" panose="02020603050405020304" pitchFamily="18" charset="0"/>
-                        <a:ea typeface="Times New Roman" panose="02020603050405020304" pitchFamily="18" charset="0"/>
-                      </a:endParaRPr>
-                    </a:p>
-                  </a:txBody>
-                  <a:tcPr marL="38660" marR="38660" marT="0" marB="0" anchor="ctr"/>
-                </a:tc>
-                <a:tc>
-                  <a:txBody>
-                    <a:bodyPr/>
-                    <a:lstStyle/>
-                    <a:p>
-                      <a:pPr algn="ctr">
-                        <a:spcAft>
-                          <a:spcPts val="0"/>
-                        </a:spcAft>
-                      </a:pPr>
-                      <a:r>
-                        <a:rPr lang="es-ES" sz="800" dirty="0">
-                          <a:effectLst/>
-                        </a:rPr>
-                        <a:t>7</a:t>
-                      </a:r>
-                      <a:endParaRPr lang="es-ES" sz="1000" dirty="0">
-                        <a:effectLst/>
-                        <a:latin typeface="Times New Roman" panose="02020603050405020304" pitchFamily="18" charset="0"/>
-                        <a:ea typeface="Times New Roman" panose="02020603050405020304" pitchFamily="18" charset="0"/>
-                      </a:endParaRPr>
-                    </a:p>
-                  </a:txBody>
-                  <a:tcPr marL="38660" marR="38660" marT="0" marB="0" anchor="ctr"/>
+                  <a:tcPr marL="44450" marR="44450" marT="0" marB="0" anchor="b"/>
                 </a:tc>
               </a:tr>
             </a:tbl>
@@ -9377,11 +8965,11 @@
               <a:buNone/>
             </a:pPr>
             <a:r>
-              <a:rPr lang="es-ES" sz="2000" dirty="0" smtClean="0"/>
+              <a:rPr lang="es-ES" sz="4000" dirty="0" smtClean="0"/>
               <a:t>Con </a:t>
             </a:r>
             <a:r>
-              <a:rPr lang="es-ES" sz="2000" dirty="0"/>
+              <a:rPr lang="es-ES" sz="4000" dirty="0"/>
               <a:t>ayuda de los casos de usos podemos visualizar antes de su construcción la interfaz principal de los usuarios, y las acciones que se podrían realizar en cada interfaz secundaria. </a:t>
             </a:r>
           </a:p>
@@ -9436,8 +9024,8 @@
         </p:nvSpPr>
         <p:spPr>
           <a:xfrm>
-            <a:off x="1048395" y="111244"/>
-            <a:ext cx="8596668" cy="1320800"/>
+            <a:off x="579549" y="188517"/>
+            <a:ext cx="9657942" cy="1320800"/>
           </a:xfrm>
         </p:spPr>
         <p:txBody>
@@ -9448,27 +9036,44 @@
           <a:p>
             <a:r>
               <a:rPr lang="es-ES" b="1" dirty="0" smtClean="0"/>
-              <a:t>DISEÑO </a:t>
-            </a:r>
-            <a:r>
-              <a:rPr lang="es-ES" b="1" dirty="0"/>
-              <a:t>DEL SERVICIO DE TECNOLOGIAS DE </a:t>
-            </a:r>
-            <a:r>
-              <a:rPr lang="es-ES" b="1" dirty="0" smtClean="0"/>
-              <a:t>INFORMACIÓN</a:t>
+              <a:t>DISEÑO DEL SERVICIO DE TECNOLOGIAS DE INFORMACIÓN</a:t>
             </a:r>
             <a:br>
               <a:rPr lang="es-ES" b="1" dirty="0" smtClean="0"/>
             </a:br>
             <a:r>
+              <a:rPr lang="es-ES" b="1" dirty="0" smtClean="0"/>
+              <a:t> </a:t>
+            </a:r>
+            <a:r>
+              <a:rPr lang="es-ES" b="1" dirty="0"/>
+              <a:t>  </a:t>
+            </a:r>
+            <a:r>
+              <a:rPr lang="es-ES" b="1" dirty="0"/>
+              <a:t>Caso de uso “Registrar Núcleo Familiar”</a:t>
+            </a:r>
+            <a:r>
+              <a:rPr lang="es-CO" dirty="0"/>
+              <a:t/>
+            </a:r>
+            <a:br>
+              <a:rPr lang="es-CO" dirty="0"/>
+            </a:br>
+            <a:r>
               <a:rPr lang="es-ES" dirty="0"/>
-              <a:t>Riesgos </a:t>
-            </a:r>
+              <a:t/>
+            </a:r>
+            <a:br>
+              <a:rPr lang="es-ES" dirty="0"/>
+            </a:br>
             <a:r>
               <a:rPr lang="es-ES" dirty="0" smtClean="0"/>
-              <a:t>de Objetivos</a:t>
-            </a:r>
+              <a:t/>
+            </a:r>
+            <a:br>
+              <a:rPr lang="es-ES" dirty="0" smtClean="0"/>
+            </a:br>
             <a:r>
               <a:rPr lang="es-CO" dirty="0" smtClean="0"/>
               <a:t/>
@@ -9480,1134 +9085,51 @@
           </a:p>
         </p:txBody>
       </p:sp>
-      <p:graphicFrame>
-        <p:nvGraphicFramePr>
-          <p:cNvPr id="3" name="Tabla 2"/>
-          <p:cNvGraphicFramePr>
-            <a:graphicFrameLocks noGrp="1"/>
-          </p:cNvGraphicFramePr>
-          <p:nvPr>
-            <p:extLst>
-              <p:ext uri="{D42A27DB-BD31-4B8C-83A1-F6EECF244321}">
-                <p14:modId xmlns:p14="http://schemas.microsoft.com/office/powerpoint/2010/main" val="1700170052"/>
-              </p:ext>
-            </p:extLst>
-          </p:nvPr>
-        </p:nvGraphicFramePr>
-        <p:xfrm>
-          <a:off x="1048394" y="1777287"/>
-          <a:ext cx="9589555" cy="4726544"/>
-        </p:xfrm>
-        <a:graphic>
-          <a:graphicData uri="http://schemas.openxmlformats.org/drawingml/2006/table">
-            <a:tbl>
-              <a:tblPr firstRow="1" firstCol="1" bandRow="1">
-                <a:tableStyleId>{5C22544A-7EE6-4342-B048-85BDC9FD1C3A}</a:tableStyleId>
-              </a:tblPr>
-              <a:tblGrid>
-                <a:gridCol w="8204579"/>
-                <a:gridCol w="1384976"/>
-              </a:tblGrid>
-              <a:tr h="201623">
-                <a:tc>
-                  <a:txBody>
-                    <a:bodyPr/>
-                    <a:lstStyle/>
-                    <a:p>
-                      <a:pPr>
-                        <a:spcAft>
-                          <a:spcPts val="0"/>
-                        </a:spcAft>
-                      </a:pPr>
-                      <a:r>
-                        <a:rPr lang="es-ES" sz="1000" dirty="0">
-                          <a:effectLst/>
-                        </a:rPr>
-                        <a:t>Posible Riesgo</a:t>
-                      </a:r>
-                      <a:endParaRPr lang="es-ES" sz="1000" dirty="0">
-                        <a:effectLst/>
-                        <a:latin typeface="Times New Roman" panose="02020603050405020304" pitchFamily="18" charset="0"/>
-                        <a:ea typeface="Times New Roman" panose="02020603050405020304" pitchFamily="18" charset="0"/>
-                      </a:endParaRPr>
-                    </a:p>
-                  </a:txBody>
-                  <a:tcPr marL="38660" marR="38660" marT="0" marB="0" anchor="ctr"/>
-                </a:tc>
-                <a:tc>
-                  <a:txBody>
-                    <a:bodyPr/>
-                    <a:lstStyle/>
-                    <a:p>
-                      <a:pPr algn="ctr">
-                        <a:spcAft>
-                          <a:spcPts val="0"/>
-                        </a:spcAft>
-                      </a:pPr>
-                      <a:r>
-                        <a:rPr lang="es-ES" sz="1000">
-                          <a:effectLst/>
-                        </a:rPr>
-                        <a:t>Nivel</a:t>
-                      </a:r>
-                      <a:endParaRPr lang="es-ES" sz="1000">
-                        <a:effectLst/>
-                        <a:latin typeface="Times New Roman" panose="02020603050405020304" pitchFamily="18" charset="0"/>
-                        <a:ea typeface="Times New Roman" panose="02020603050405020304" pitchFamily="18" charset="0"/>
-                      </a:endParaRPr>
-                    </a:p>
-                  </a:txBody>
-                  <a:tcPr marL="38660" marR="38660" marT="0" marB="0" anchor="ctr"/>
-                </a:tc>
-              </a:tr>
-              <a:tr h="322596">
-                <a:tc>
-                  <a:txBody>
-                    <a:bodyPr/>
-                    <a:lstStyle/>
-                    <a:p>
-                      <a:pPr>
-                        <a:spcAft>
-                          <a:spcPts val="0"/>
-                        </a:spcAft>
-                      </a:pPr>
-                      <a:r>
-                        <a:rPr lang="es-ES" sz="800">
-                          <a:effectLst/>
-                        </a:rPr>
-                        <a:t>Computadores mal funcionando atrasando el trabajo.</a:t>
-                      </a:r>
-                      <a:endParaRPr lang="es-ES" sz="1000">
-                        <a:effectLst/>
-                        <a:latin typeface="Times New Roman" panose="02020603050405020304" pitchFamily="18" charset="0"/>
-                        <a:ea typeface="Times New Roman" panose="02020603050405020304" pitchFamily="18" charset="0"/>
-                      </a:endParaRPr>
-                    </a:p>
-                  </a:txBody>
-                  <a:tcPr marL="38660" marR="38660" marT="0" marB="0" anchor="ctr"/>
-                </a:tc>
-                <a:tc>
-                  <a:txBody>
-                    <a:bodyPr/>
-                    <a:lstStyle/>
-                    <a:p>
-                      <a:pPr algn="ctr">
-                        <a:spcAft>
-                          <a:spcPts val="0"/>
-                        </a:spcAft>
-                      </a:pPr>
-                      <a:r>
-                        <a:rPr lang="es-ES" sz="1000">
-                          <a:effectLst/>
-                        </a:rPr>
-                        <a:t>5</a:t>
-                      </a:r>
-                      <a:endParaRPr lang="es-ES" sz="1000">
-                        <a:effectLst/>
-                        <a:latin typeface="Times New Roman" panose="02020603050405020304" pitchFamily="18" charset="0"/>
-                        <a:ea typeface="Times New Roman" panose="02020603050405020304" pitchFamily="18" charset="0"/>
-                      </a:endParaRPr>
-                    </a:p>
-                  </a:txBody>
-                  <a:tcPr marL="38660" marR="38660" marT="0" marB="0" anchor="ctr"/>
-                </a:tc>
-              </a:tr>
-              <a:tr h="148365">
-                <a:tc>
-                  <a:txBody>
-                    <a:bodyPr/>
-                    <a:lstStyle/>
-                    <a:p>
-                      <a:pPr>
-                        <a:spcAft>
-                          <a:spcPts val="0"/>
-                        </a:spcAft>
-                      </a:pPr>
-                      <a:r>
-                        <a:rPr lang="es-ES" sz="800">
-                          <a:effectLst/>
-                        </a:rPr>
-                        <a:t>Cables rotos  de redes y de computadores.</a:t>
-                      </a:r>
-                      <a:endParaRPr lang="es-ES" sz="1000">
-                        <a:effectLst/>
-                        <a:latin typeface="Times New Roman" panose="02020603050405020304" pitchFamily="18" charset="0"/>
-                        <a:ea typeface="Times New Roman" panose="02020603050405020304" pitchFamily="18" charset="0"/>
-                      </a:endParaRPr>
-                    </a:p>
-                  </a:txBody>
-                  <a:tcPr marL="38660" marR="38660" marT="0" marB="0" anchor="ctr"/>
-                </a:tc>
-                <a:tc>
-                  <a:txBody>
-                    <a:bodyPr/>
-                    <a:lstStyle/>
-                    <a:p>
-                      <a:pPr algn="ctr">
-                        <a:spcAft>
-                          <a:spcPts val="0"/>
-                        </a:spcAft>
-                      </a:pPr>
-                      <a:r>
-                        <a:rPr lang="es-ES" sz="800">
-                          <a:effectLst/>
-                        </a:rPr>
-                        <a:t>4</a:t>
-                      </a:r>
-                      <a:endParaRPr lang="es-ES" sz="1000">
-                        <a:effectLst/>
-                        <a:latin typeface="Times New Roman" panose="02020603050405020304" pitchFamily="18" charset="0"/>
-                        <a:ea typeface="Times New Roman" panose="02020603050405020304" pitchFamily="18" charset="0"/>
-                      </a:endParaRPr>
-                    </a:p>
-                  </a:txBody>
-                  <a:tcPr marL="38660" marR="38660" marT="0" marB="0" anchor="ctr"/>
-                </a:tc>
-              </a:tr>
-              <a:tr h="186165">
-                <a:tc>
-                  <a:txBody>
-                    <a:bodyPr/>
-                    <a:lstStyle/>
-                    <a:p>
-                      <a:pPr>
-                        <a:spcAft>
-                          <a:spcPts val="0"/>
-                        </a:spcAft>
-                      </a:pPr>
-                      <a:r>
-                        <a:rPr lang="es-ES" sz="800">
-                          <a:effectLst/>
-                        </a:rPr>
-                        <a:t>Mal construcción de la sede de trabajo.</a:t>
-                      </a:r>
-                      <a:endParaRPr lang="es-ES" sz="1000">
-                        <a:effectLst/>
-                        <a:latin typeface="Times New Roman" panose="02020603050405020304" pitchFamily="18" charset="0"/>
-                        <a:ea typeface="Times New Roman" panose="02020603050405020304" pitchFamily="18" charset="0"/>
-                      </a:endParaRPr>
-                    </a:p>
-                  </a:txBody>
-                  <a:tcPr marL="38660" marR="38660" marT="0" marB="0" anchor="ctr"/>
-                </a:tc>
-                <a:tc>
-                  <a:txBody>
-                    <a:bodyPr/>
-                    <a:lstStyle/>
-                    <a:p>
-                      <a:pPr algn="ctr">
-                        <a:spcAft>
-                          <a:spcPts val="0"/>
-                        </a:spcAft>
-                      </a:pPr>
-                      <a:r>
-                        <a:rPr lang="es-ES" sz="800">
-                          <a:effectLst/>
-                        </a:rPr>
-                        <a:t>3</a:t>
-                      </a:r>
-                      <a:endParaRPr lang="es-ES" sz="1000">
-                        <a:effectLst/>
-                        <a:latin typeface="Times New Roman" panose="02020603050405020304" pitchFamily="18" charset="0"/>
-                        <a:ea typeface="Times New Roman" panose="02020603050405020304" pitchFamily="18" charset="0"/>
-                      </a:endParaRPr>
-                    </a:p>
-                  </a:txBody>
-                  <a:tcPr marL="38660" marR="38660" marT="0" marB="0" anchor="ctr"/>
-                </a:tc>
-              </a:tr>
-              <a:tr h="187509">
-                <a:tc>
-                  <a:txBody>
-                    <a:bodyPr/>
-                    <a:lstStyle/>
-                    <a:p>
-                      <a:pPr>
-                        <a:spcAft>
-                          <a:spcPts val="0"/>
-                        </a:spcAft>
-                      </a:pPr>
-                      <a:r>
-                        <a:rPr lang="es-ES" sz="800">
-                          <a:effectLst/>
-                        </a:rPr>
-                        <a:t>Corte del suministro eléctrico</a:t>
-                      </a:r>
-                      <a:endParaRPr lang="es-ES" sz="1000">
-                        <a:effectLst/>
-                        <a:latin typeface="Times New Roman" panose="02020603050405020304" pitchFamily="18" charset="0"/>
-                        <a:ea typeface="Times New Roman" panose="02020603050405020304" pitchFamily="18" charset="0"/>
-                      </a:endParaRPr>
-                    </a:p>
-                  </a:txBody>
-                  <a:tcPr marL="38660" marR="38660" marT="0" marB="0" anchor="ctr"/>
-                </a:tc>
-                <a:tc>
-                  <a:txBody>
-                    <a:bodyPr/>
-                    <a:lstStyle/>
-                    <a:p>
-                      <a:pPr algn="ctr">
-                        <a:spcAft>
-                          <a:spcPts val="0"/>
-                        </a:spcAft>
-                      </a:pPr>
-                      <a:r>
-                        <a:rPr lang="es-ES" sz="800">
-                          <a:effectLst/>
-                        </a:rPr>
-                        <a:t>7</a:t>
-                      </a:r>
-                      <a:endParaRPr lang="es-ES" sz="1000">
-                        <a:effectLst/>
-                        <a:latin typeface="Times New Roman" panose="02020603050405020304" pitchFamily="18" charset="0"/>
-                        <a:ea typeface="Times New Roman" panose="02020603050405020304" pitchFamily="18" charset="0"/>
-                      </a:endParaRPr>
-                    </a:p>
-                  </a:txBody>
-                  <a:tcPr marL="38660" marR="38660" marT="0" marB="0" anchor="ctr"/>
-                </a:tc>
-              </a:tr>
-              <a:tr h="180789">
-                <a:tc>
-                  <a:txBody>
-                    <a:bodyPr/>
-                    <a:lstStyle/>
-                    <a:p>
-                      <a:pPr>
-                        <a:spcAft>
-                          <a:spcPts val="0"/>
-                        </a:spcAft>
-                      </a:pPr>
-                      <a:r>
-                        <a:rPr lang="es-ES" sz="800">
-                          <a:effectLst/>
-                        </a:rPr>
-                        <a:t>Falta de pago de factura del teléfono y internet.</a:t>
-                      </a:r>
-                      <a:endParaRPr lang="es-ES" sz="1000">
-                        <a:effectLst/>
-                        <a:latin typeface="Times New Roman" panose="02020603050405020304" pitchFamily="18" charset="0"/>
-                        <a:ea typeface="Times New Roman" panose="02020603050405020304" pitchFamily="18" charset="0"/>
-                      </a:endParaRPr>
-                    </a:p>
-                  </a:txBody>
-                  <a:tcPr marL="38660" marR="38660" marT="0" marB="0" anchor="ctr"/>
-                </a:tc>
-                <a:tc>
-                  <a:txBody>
-                    <a:bodyPr/>
-                    <a:lstStyle/>
-                    <a:p>
-                      <a:pPr algn="ctr">
-                        <a:spcAft>
-                          <a:spcPts val="0"/>
-                        </a:spcAft>
-                      </a:pPr>
-                      <a:r>
-                        <a:rPr lang="es-ES" sz="800">
-                          <a:effectLst/>
-                        </a:rPr>
-                        <a:t>8</a:t>
-                      </a:r>
-                      <a:endParaRPr lang="es-ES" sz="1000">
-                        <a:effectLst/>
-                        <a:latin typeface="Times New Roman" panose="02020603050405020304" pitchFamily="18" charset="0"/>
-                        <a:ea typeface="Times New Roman" panose="02020603050405020304" pitchFamily="18" charset="0"/>
-                      </a:endParaRPr>
-                    </a:p>
-                  </a:txBody>
-                  <a:tcPr marL="38660" marR="38660" marT="0" marB="0" anchor="ctr"/>
-                </a:tc>
-              </a:tr>
-              <a:tr h="183477">
-                <a:tc>
-                  <a:txBody>
-                    <a:bodyPr/>
-                    <a:lstStyle/>
-                    <a:p>
-                      <a:pPr>
-                        <a:spcAft>
-                          <a:spcPts val="0"/>
-                        </a:spcAft>
-                      </a:pPr>
-                      <a:r>
-                        <a:rPr lang="es-ES" sz="800">
-                          <a:effectLst/>
-                        </a:rPr>
-                        <a:t>Problemas del proveedor de internet.</a:t>
-                      </a:r>
-                      <a:endParaRPr lang="es-ES" sz="1000">
-                        <a:effectLst/>
-                        <a:latin typeface="Times New Roman" panose="02020603050405020304" pitchFamily="18" charset="0"/>
-                        <a:ea typeface="Times New Roman" panose="02020603050405020304" pitchFamily="18" charset="0"/>
-                      </a:endParaRPr>
-                    </a:p>
-                  </a:txBody>
-                  <a:tcPr marL="38660" marR="38660" marT="0" marB="0" anchor="ctr"/>
-                </a:tc>
-                <a:tc>
-                  <a:txBody>
-                    <a:bodyPr/>
-                    <a:lstStyle/>
-                    <a:p>
-                      <a:pPr algn="ctr">
-                        <a:spcAft>
-                          <a:spcPts val="0"/>
-                        </a:spcAft>
-                      </a:pPr>
-                      <a:r>
-                        <a:rPr lang="es-ES" sz="800">
-                          <a:effectLst/>
-                        </a:rPr>
-                        <a:t>4</a:t>
-                      </a:r>
-                      <a:endParaRPr lang="es-ES" sz="1000">
-                        <a:effectLst/>
-                        <a:latin typeface="Times New Roman" panose="02020603050405020304" pitchFamily="18" charset="0"/>
-                        <a:ea typeface="Times New Roman" panose="02020603050405020304" pitchFamily="18" charset="0"/>
-                      </a:endParaRPr>
-                    </a:p>
-                  </a:txBody>
-                  <a:tcPr marL="38660" marR="38660" marT="0" marB="0" anchor="ctr"/>
-                </a:tc>
-              </a:tr>
-              <a:tr h="290337">
-                <a:tc>
-                  <a:txBody>
-                    <a:bodyPr/>
-                    <a:lstStyle/>
-                    <a:p>
-                      <a:pPr>
-                        <a:spcAft>
-                          <a:spcPts val="0"/>
-                        </a:spcAft>
-                      </a:pPr>
-                      <a:r>
-                        <a:rPr lang="es-ES" sz="800">
-                          <a:effectLst/>
-                        </a:rPr>
-                        <a:t>Interrupción de otros servicios y suministros esenciales</a:t>
-                      </a:r>
-                      <a:endParaRPr lang="es-ES" sz="1000">
-                        <a:effectLst/>
-                        <a:latin typeface="Times New Roman" panose="02020603050405020304" pitchFamily="18" charset="0"/>
-                        <a:ea typeface="Times New Roman" panose="02020603050405020304" pitchFamily="18" charset="0"/>
-                      </a:endParaRPr>
-                    </a:p>
-                  </a:txBody>
-                  <a:tcPr marL="38660" marR="38660" marT="0" marB="0" anchor="ctr"/>
-                </a:tc>
-                <a:tc>
-                  <a:txBody>
-                    <a:bodyPr/>
-                    <a:lstStyle/>
-                    <a:p>
-                      <a:pPr algn="ctr">
-                        <a:spcAft>
-                          <a:spcPts val="0"/>
-                        </a:spcAft>
-                      </a:pPr>
-                      <a:r>
-                        <a:rPr lang="es-ES" sz="800">
-                          <a:effectLst/>
-                        </a:rPr>
-                        <a:t>4</a:t>
-                      </a:r>
-                      <a:endParaRPr lang="es-ES" sz="1000">
-                        <a:effectLst/>
-                        <a:latin typeface="Times New Roman" panose="02020603050405020304" pitchFamily="18" charset="0"/>
-                        <a:ea typeface="Times New Roman" panose="02020603050405020304" pitchFamily="18" charset="0"/>
-                      </a:endParaRPr>
-                    </a:p>
-                  </a:txBody>
-                  <a:tcPr marL="38660" marR="38660" marT="0" marB="0" anchor="ctr"/>
-                </a:tc>
-              </a:tr>
-              <a:tr h="290337">
-                <a:tc>
-                  <a:txBody>
-                    <a:bodyPr/>
-                    <a:lstStyle/>
-                    <a:p>
-                      <a:pPr>
-                        <a:spcAft>
-                          <a:spcPts val="0"/>
-                        </a:spcAft>
-                      </a:pPr>
-                      <a:r>
-                        <a:rPr lang="es-ES" sz="800">
-                          <a:effectLst/>
-                        </a:rPr>
-                        <a:t>Avería de discos duros de información importante.</a:t>
-                      </a:r>
-                      <a:endParaRPr lang="es-ES" sz="1000">
-                        <a:effectLst/>
-                        <a:latin typeface="Times New Roman" panose="02020603050405020304" pitchFamily="18" charset="0"/>
-                        <a:ea typeface="Times New Roman" panose="02020603050405020304" pitchFamily="18" charset="0"/>
-                      </a:endParaRPr>
-                    </a:p>
-                  </a:txBody>
-                  <a:tcPr marL="38660" marR="38660" marT="0" marB="0" anchor="ctr"/>
-                </a:tc>
-                <a:tc>
-                  <a:txBody>
-                    <a:bodyPr/>
-                    <a:lstStyle/>
-                    <a:p>
-                      <a:pPr algn="ctr">
-                        <a:spcAft>
-                          <a:spcPts val="0"/>
-                        </a:spcAft>
-                      </a:pPr>
-                      <a:r>
-                        <a:rPr lang="es-ES" sz="800">
-                          <a:effectLst/>
-                        </a:rPr>
-                        <a:t>7</a:t>
-                      </a:r>
-                      <a:endParaRPr lang="es-ES" sz="1000">
-                        <a:effectLst/>
-                        <a:latin typeface="Times New Roman" panose="02020603050405020304" pitchFamily="18" charset="0"/>
-                        <a:ea typeface="Times New Roman" panose="02020603050405020304" pitchFamily="18" charset="0"/>
-                      </a:endParaRPr>
-                    </a:p>
-                  </a:txBody>
-                  <a:tcPr marL="38660" marR="38660" marT="0" marB="0" anchor="ctr"/>
-                </a:tc>
-              </a:tr>
-              <a:tr h="184820">
-                <a:tc>
-                  <a:txBody>
-                    <a:bodyPr/>
-                    <a:lstStyle/>
-                    <a:p>
-                      <a:pPr>
-                        <a:spcAft>
-                          <a:spcPts val="0"/>
-                        </a:spcAft>
-                      </a:pPr>
-                      <a:r>
-                        <a:rPr lang="es-ES" sz="800">
-                          <a:effectLst/>
-                        </a:rPr>
-                        <a:t>Falta de mantenimiento constante de equipos.</a:t>
-                      </a:r>
-                      <a:endParaRPr lang="es-ES" sz="1000">
-                        <a:effectLst/>
-                        <a:latin typeface="Times New Roman" panose="02020603050405020304" pitchFamily="18" charset="0"/>
-                        <a:ea typeface="Times New Roman" panose="02020603050405020304" pitchFamily="18" charset="0"/>
-                      </a:endParaRPr>
-                    </a:p>
-                  </a:txBody>
-                  <a:tcPr marL="38660" marR="38660" marT="0" marB="0" anchor="ctr"/>
-                </a:tc>
-                <a:tc>
-                  <a:txBody>
-                    <a:bodyPr/>
-                    <a:lstStyle/>
-                    <a:p>
-                      <a:pPr algn="ctr">
-                        <a:spcAft>
-                          <a:spcPts val="0"/>
-                        </a:spcAft>
-                      </a:pPr>
-                      <a:r>
-                        <a:rPr lang="es-ES" sz="800">
-                          <a:effectLst/>
-                        </a:rPr>
-                        <a:t>8</a:t>
-                      </a:r>
-                      <a:endParaRPr lang="es-ES" sz="1000">
-                        <a:effectLst/>
-                        <a:latin typeface="Times New Roman" panose="02020603050405020304" pitchFamily="18" charset="0"/>
-                        <a:ea typeface="Times New Roman" panose="02020603050405020304" pitchFamily="18" charset="0"/>
-                      </a:endParaRPr>
-                    </a:p>
-                  </a:txBody>
-                  <a:tcPr marL="38660" marR="38660" marT="0" marB="0" anchor="ctr"/>
-                </a:tc>
-              </a:tr>
-              <a:tr h="290337">
-                <a:tc>
-                  <a:txBody>
-                    <a:bodyPr/>
-                    <a:lstStyle/>
-                    <a:p>
-                      <a:pPr>
-                        <a:spcAft>
-                          <a:spcPts val="0"/>
-                        </a:spcAft>
-                      </a:pPr>
-                      <a:r>
-                        <a:rPr lang="es-ES" sz="800">
-                          <a:effectLst/>
-                        </a:rPr>
-                        <a:t>Fallos no detectados que pueden volverse peores.</a:t>
-                      </a:r>
-                      <a:endParaRPr lang="es-ES" sz="1000">
-                        <a:effectLst/>
-                        <a:latin typeface="Times New Roman" panose="02020603050405020304" pitchFamily="18" charset="0"/>
-                        <a:ea typeface="Times New Roman" panose="02020603050405020304" pitchFamily="18" charset="0"/>
-                      </a:endParaRPr>
-                    </a:p>
-                  </a:txBody>
-                  <a:tcPr marL="38660" marR="38660" marT="0" marB="0" anchor="ctr"/>
-                </a:tc>
-                <a:tc>
-                  <a:txBody>
-                    <a:bodyPr/>
-                    <a:lstStyle/>
-                    <a:p>
-                      <a:pPr algn="ctr">
-                        <a:spcAft>
-                          <a:spcPts val="0"/>
-                        </a:spcAft>
-                      </a:pPr>
-                      <a:r>
-                        <a:rPr lang="es-ES" sz="800">
-                          <a:effectLst/>
-                        </a:rPr>
-                        <a:t>11</a:t>
-                      </a:r>
-                      <a:endParaRPr lang="es-ES" sz="1000">
-                        <a:effectLst/>
-                        <a:latin typeface="Times New Roman" panose="02020603050405020304" pitchFamily="18" charset="0"/>
-                        <a:ea typeface="Times New Roman" panose="02020603050405020304" pitchFamily="18" charset="0"/>
-                      </a:endParaRPr>
-                    </a:p>
-                  </a:txBody>
-                  <a:tcPr marL="38660" marR="38660" marT="0" marB="0" anchor="ctr"/>
-                </a:tc>
-              </a:tr>
-              <a:tr h="322596">
-                <a:tc>
-                  <a:txBody>
-                    <a:bodyPr/>
-                    <a:lstStyle/>
-                    <a:p>
-                      <a:pPr>
-                        <a:spcAft>
-                          <a:spcPts val="0"/>
-                        </a:spcAft>
-                      </a:pPr>
-                      <a:r>
-                        <a:rPr lang="es-ES" sz="800">
-                          <a:effectLst/>
-                        </a:rPr>
-                        <a:t>Configuración poco conveniente para el sistema actual.</a:t>
-                      </a:r>
-                      <a:endParaRPr lang="es-ES" sz="1000">
-                        <a:effectLst/>
-                        <a:latin typeface="Times New Roman" panose="02020603050405020304" pitchFamily="18" charset="0"/>
-                        <a:ea typeface="Times New Roman" panose="02020603050405020304" pitchFamily="18" charset="0"/>
-                      </a:endParaRPr>
-                    </a:p>
-                  </a:txBody>
-                  <a:tcPr marL="38660" marR="38660" marT="0" marB="0" anchor="ctr"/>
-                </a:tc>
-                <a:tc>
-                  <a:txBody>
-                    <a:bodyPr/>
-                    <a:lstStyle/>
-                    <a:p>
-                      <a:pPr algn="ctr">
-                        <a:spcAft>
-                          <a:spcPts val="0"/>
-                        </a:spcAft>
-                      </a:pPr>
-                      <a:r>
-                        <a:rPr lang="es-ES" sz="800">
-                          <a:effectLst/>
-                        </a:rPr>
-                        <a:t>13</a:t>
-                      </a:r>
-                      <a:endParaRPr lang="es-ES" sz="1000">
-                        <a:effectLst/>
-                        <a:latin typeface="Times New Roman" panose="02020603050405020304" pitchFamily="18" charset="0"/>
-                        <a:ea typeface="Times New Roman" panose="02020603050405020304" pitchFamily="18" charset="0"/>
-                      </a:endParaRPr>
-                    </a:p>
-                  </a:txBody>
-                  <a:tcPr marL="38660" marR="38660" marT="0" marB="0" anchor="ctr"/>
-                </a:tc>
-              </a:tr>
-              <a:tr h="322596">
-                <a:tc>
-                  <a:txBody>
-                    <a:bodyPr/>
-                    <a:lstStyle/>
-                    <a:p>
-                      <a:pPr>
-                        <a:spcAft>
-                          <a:spcPts val="0"/>
-                        </a:spcAft>
-                      </a:pPr>
-                      <a:r>
-                        <a:rPr lang="es-ES" sz="800">
-                          <a:effectLst/>
-                        </a:rPr>
-                        <a:t>Constante personal nuevo por falta de tolerancia de gerentes.</a:t>
-                      </a:r>
-                      <a:endParaRPr lang="es-ES" sz="1000">
-                        <a:effectLst/>
-                        <a:latin typeface="Times New Roman" panose="02020603050405020304" pitchFamily="18" charset="0"/>
-                        <a:ea typeface="Times New Roman" panose="02020603050405020304" pitchFamily="18" charset="0"/>
-                      </a:endParaRPr>
-                    </a:p>
-                  </a:txBody>
-                  <a:tcPr marL="38660" marR="38660" marT="0" marB="0" anchor="ctr"/>
-                </a:tc>
-                <a:tc>
-                  <a:txBody>
-                    <a:bodyPr/>
-                    <a:lstStyle/>
-                    <a:p>
-                      <a:pPr algn="ctr">
-                        <a:spcAft>
-                          <a:spcPts val="0"/>
-                        </a:spcAft>
-                      </a:pPr>
-                      <a:r>
-                        <a:rPr lang="es-ES" sz="800">
-                          <a:effectLst/>
-                        </a:rPr>
-                        <a:t>13</a:t>
-                      </a:r>
-                      <a:endParaRPr lang="es-ES" sz="1000">
-                        <a:effectLst/>
-                        <a:latin typeface="Times New Roman" panose="02020603050405020304" pitchFamily="18" charset="0"/>
-                        <a:ea typeface="Times New Roman" panose="02020603050405020304" pitchFamily="18" charset="0"/>
-                      </a:endParaRPr>
-                    </a:p>
-                  </a:txBody>
-                  <a:tcPr marL="38660" marR="38660" marT="0" marB="0" anchor="ctr"/>
-                </a:tc>
-              </a:tr>
-              <a:tr h="201623">
-                <a:tc>
-                  <a:txBody>
-                    <a:bodyPr/>
-                    <a:lstStyle/>
-                    <a:p>
-                      <a:pPr>
-                        <a:spcAft>
-                          <a:spcPts val="0"/>
-                        </a:spcAft>
-                      </a:pPr>
-                      <a:r>
-                        <a:rPr lang="es-ES" sz="800">
-                          <a:effectLst/>
-                        </a:rPr>
-                        <a:t>Virus sin detectar.</a:t>
-                      </a:r>
-                      <a:endParaRPr lang="es-ES" sz="1000">
-                        <a:effectLst/>
-                        <a:latin typeface="Times New Roman" panose="02020603050405020304" pitchFamily="18" charset="0"/>
-                        <a:ea typeface="Times New Roman" panose="02020603050405020304" pitchFamily="18" charset="0"/>
-                      </a:endParaRPr>
-                    </a:p>
-                  </a:txBody>
-                  <a:tcPr marL="38660" marR="38660" marT="0" marB="0" anchor="ctr"/>
-                </a:tc>
-                <a:tc>
-                  <a:txBody>
-                    <a:bodyPr/>
-                    <a:lstStyle/>
-                    <a:p>
-                      <a:pPr algn="ctr">
-                        <a:spcAft>
-                          <a:spcPts val="0"/>
-                        </a:spcAft>
-                      </a:pPr>
-                      <a:r>
-                        <a:rPr lang="es-ES" sz="800">
-                          <a:effectLst/>
-                        </a:rPr>
-                        <a:t>16</a:t>
-                      </a:r>
-                      <a:endParaRPr lang="es-ES" sz="1000">
-                        <a:effectLst/>
-                        <a:latin typeface="Times New Roman" panose="02020603050405020304" pitchFamily="18" charset="0"/>
-                        <a:ea typeface="Times New Roman" panose="02020603050405020304" pitchFamily="18" charset="0"/>
-                      </a:endParaRPr>
-                    </a:p>
-                  </a:txBody>
-                  <a:tcPr marL="38660" marR="38660" marT="0" marB="0" anchor="ctr"/>
-                </a:tc>
-              </a:tr>
-              <a:tr h="201623">
-                <a:tc>
-                  <a:txBody>
-                    <a:bodyPr/>
-                    <a:lstStyle/>
-                    <a:p>
-                      <a:pPr>
-                        <a:spcAft>
-                          <a:spcPts val="0"/>
-                        </a:spcAft>
-                      </a:pPr>
-                      <a:r>
-                        <a:rPr lang="es-ES" sz="800">
-                          <a:effectLst/>
-                        </a:rPr>
-                        <a:t>Falta de control en el manejo de redes.</a:t>
-                      </a:r>
-                      <a:endParaRPr lang="es-ES" sz="1000">
-                        <a:effectLst/>
-                        <a:latin typeface="Times New Roman" panose="02020603050405020304" pitchFamily="18" charset="0"/>
-                        <a:ea typeface="Times New Roman" panose="02020603050405020304" pitchFamily="18" charset="0"/>
-                      </a:endParaRPr>
-                    </a:p>
-                  </a:txBody>
-                  <a:tcPr marL="38660" marR="38660" marT="0" marB="0" anchor="ctr"/>
-                </a:tc>
-                <a:tc>
-                  <a:txBody>
-                    <a:bodyPr/>
-                    <a:lstStyle/>
-                    <a:p>
-                      <a:pPr algn="ctr">
-                        <a:spcAft>
-                          <a:spcPts val="0"/>
-                        </a:spcAft>
-                      </a:pPr>
-                      <a:r>
-                        <a:rPr lang="es-ES" sz="800">
-                          <a:effectLst/>
-                        </a:rPr>
-                        <a:t>8</a:t>
-                      </a:r>
-                      <a:endParaRPr lang="es-ES" sz="1000">
-                        <a:effectLst/>
-                        <a:latin typeface="Times New Roman" panose="02020603050405020304" pitchFamily="18" charset="0"/>
-                        <a:ea typeface="Times New Roman" panose="02020603050405020304" pitchFamily="18" charset="0"/>
-                      </a:endParaRPr>
-                    </a:p>
-                  </a:txBody>
-                  <a:tcPr marL="38660" marR="38660" marT="0" marB="0" anchor="ctr"/>
-                </a:tc>
-              </a:tr>
-              <a:tr h="290337">
-                <a:tc>
-                  <a:txBody>
-                    <a:bodyPr/>
-                    <a:lstStyle/>
-                    <a:p>
-                      <a:pPr>
-                        <a:spcAft>
-                          <a:spcPts val="0"/>
-                        </a:spcAft>
-                      </a:pPr>
-                      <a:r>
-                        <a:rPr lang="es-ES" sz="800">
-                          <a:effectLst/>
-                        </a:rPr>
-                        <a:t>Falta de protocolos con el manejo de información.</a:t>
-                      </a:r>
-                      <a:endParaRPr lang="es-ES" sz="1000">
-                        <a:effectLst/>
-                        <a:latin typeface="Times New Roman" panose="02020603050405020304" pitchFamily="18" charset="0"/>
-                        <a:ea typeface="Times New Roman" panose="02020603050405020304" pitchFamily="18" charset="0"/>
-                      </a:endParaRPr>
-                    </a:p>
-                  </a:txBody>
-                  <a:tcPr marL="38660" marR="38660" marT="0" marB="0" anchor="ctr"/>
-                </a:tc>
-                <a:tc>
-                  <a:txBody>
-                    <a:bodyPr/>
-                    <a:lstStyle/>
-                    <a:p>
-                      <a:pPr algn="ctr">
-                        <a:spcAft>
-                          <a:spcPts val="0"/>
-                        </a:spcAft>
-                      </a:pPr>
-                      <a:r>
-                        <a:rPr lang="es-ES" sz="800">
-                          <a:effectLst/>
-                        </a:rPr>
-                        <a:t>9</a:t>
-                      </a:r>
-                      <a:endParaRPr lang="es-ES" sz="1000">
-                        <a:effectLst/>
-                        <a:latin typeface="Times New Roman" panose="02020603050405020304" pitchFamily="18" charset="0"/>
-                        <a:ea typeface="Times New Roman" panose="02020603050405020304" pitchFamily="18" charset="0"/>
-                      </a:endParaRPr>
-                    </a:p>
-                  </a:txBody>
-                  <a:tcPr marL="38660" marR="38660" marT="0" marB="0" anchor="ctr"/>
-                </a:tc>
-              </a:tr>
-              <a:tr h="211704">
-                <a:tc>
-                  <a:txBody>
-                    <a:bodyPr/>
-                    <a:lstStyle/>
-                    <a:p>
-                      <a:pPr>
-                        <a:spcAft>
-                          <a:spcPts val="0"/>
-                        </a:spcAft>
-                      </a:pPr>
-                      <a:r>
-                        <a:rPr lang="es-ES" sz="800">
-                          <a:effectLst/>
-                        </a:rPr>
-                        <a:t>Información sin protocolos de seguridad.</a:t>
-                      </a:r>
-                      <a:endParaRPr lang="es-ES" sz="1000">
-                        <a:effectLst/>
-                        <a:latin typeface="Times New Roman" panose="02020603050405020304" pitchFamily="18" charset="0"/>
-                        <a:ea typeface="Times New Roman" panose="02020603050405020304" pitchFamily="18" charset="0"/>
-                      </a:endParaRPr>
-                    </a:p>
-                  </a:txBody>
-                  <a:tcPr marL="38660" marR="38660" marT="0" marB="0" anchor="ctr"/>
-                </a:tc>
-                <a:tc>
-                  <a:txBody>
-                    <a:bodyPr/>
-                    <a:lstStyle/>
-                    <a:p>
-                      <a:pPr algn="ctr">
-                        <a:spcAft>
-                          <a:spcPts val="0"/>
-                        </a:spcAft>
-                      </a:pPr>
-                      <a:r>
-                        <a:rPr lang="es-ES" sz="800">
-                          <a:effectLst/>
-                        </a:rPr>
-                        <a:t>12</a:t>
-                      </a:r>
-                      <a:endParaRPr lang="es-ES" sz="1000">
-                        <a:effectLst/>
-                        <a:latin typeface="Times New Roman" panose="02020603050405020304" pitchFamily="18" charset="0"/>
-                        <a:ea typeface="Times New Roman" panose="02020603050405020304" pitchFamily="18" charset="0"/>
-                      </a:endParaRPr>
-                    </a:p>
-                  </a:txBody>
-                  <a:tcPr marL="38660" marR="38660" marT="0" marB="0" anchor="ctr"/>
-                </a:tc>
-              </a:tr>
-              <a:tr h="177428">
-                <a:tc>
-                  <a:txBody>
-                    <a:bodyPr/>
-                    <a:lstStyle/>
-                    <a:p>
-                      <a:pPr>
-                        <a:spcAft>
-                          <a:spcPts val="0"/>
-                        </a:spcAft>
-                      </a:pPr>
-                      <a:r>
-                        <a:rPr lang="es-ES" sz="800">
-                          <a:effectLst/>
-                        </a:rPr>
-                        <a:t>Emanaciones electromagnéticas</a:t>
-                      </a:r>
-                      <a:endParaRPr lang="es-ES" sz="1000">
-                        <a:effectLst/>
-                        <a:latin typeface="Times New Roman" panose="02020603050405020304" pitchFamily="18" charset="0"/>
-                        <a:ea typeface="Times New Roman" panose="02020603050405020304" pitchFamily="18" charset="0"/>
-                      </a:endParaRPr>
-                    </a:p>
-                  </a:txBody>
-                  <a:tcPr marL="38660" marR="38660" marT="0" marB="0" anchor="ctr"/>
-                </a:tc>
-                <a:tc>
-                  <a:txBody>
-                    <a:bodyPr/>
-                    <a:lstStyle/>
-                    <a:p>
-                      <a:pPr algn="ctr">
-                        <a:spcAft>
-                          <a:spcPts val="0"/>
-                        </a:spcAft>
-                      </a:pPr>
-                      <a:r>
-                        <a:rPr lang="es-ES" sz="800">
-                          <a:effectLst/>
-                        </a:rPr>
-                        <a:t>5</a:t>
-                      </a:r>
-                      <a:endParaRPr lang="es-ES" sz="1000">
-                        <a:effectLst/>
-                        <a:latin typeface="Times New Roman" panose="02020603050405020304" pitchFamily="18" charset="0"/>
-                        <a:ea typeface="Times New Roman" panose="02020603050405020304" pitchFamily="18" charset="0"/>
-                      </a:endParaRPr>
-                    </a:p>
-                  </a:txBody>
-                  <a:tcPr marL="38660" marR="38660" marT="0" marB="0" anchor="ctr"/>
-                </a:tc>
-              </a:tr>
-              <a:tr h="160625">
-                <a:tc>
-                  <a:txBody>
-                    <a:bodyPr/>
-                    <a:lstStyle/>
-                    <a:p>
-                      <a:pPr>
-                        <a:spcAft>
-                          <a:spcPts val="0"/>
-                        </a:spcAft>
-                      </a:pPr>
-                      <a:r>
-                        <a:rPr lang="es-ES" sz="800">
-                          <a:effectLst/>
-                        </a:rPr>
-                        <a:t>Información eliminada.</a:t>
-                      </a:r>
-                      <a:endParaRPr lang="es-ES" sz="1000">
-                        <a:effectLst/>
-                        <a:latin typeface="Times New Roman" panose="02020603050405020304" pitchFamily="18" charset="0"/>
-                        <a:ea typeface="Times New Roman" panose="02020603050405020304" pitchFamily="18" charset="0"/>
-                      </a:endParaRPr>
-                    </a:p>
-                  </a:txBody>
-                  <a:tcPr marL="38660" marR="38660" marT="0" marB="0" anchor="ctr"/>
-                </a:tc>
-                <a:tc>
-                  <a:txBody>
-                    <a:bodyPr/>
-                    <a:lstStyle/>
-                    <a:p>
-                      <a:pPr algn="ctr">
-                        <a:spcAft>
-                          <a:spcPts val="0"/>
-                        </a:spcAft>
-                      </a:pPr>
-                      <a:r>
-                        <a:rPr lang="es-ES" sz="800">
-                          <a:effectLst/>
-                        </a:rPr>
-                        <a:t>11</a:t>
-                      </a:r>
-                      <a:endParaRPr lang="es-ES" sz="1000">
-                        <a:effectLst/>
-                        <a:latin typeface="Times New Roman" panose="02020603050405020304" pitchFamily="18" charset="0"/>
-                        <a:ea typeface="Times New Roman" panose="02020603050405020304" pitchFamily="18" charset="0"/>
-                      </a:endParaRPr>
-                    </a:p>
-                  </a:txBody>
-                  <a:tcPr marL="38660" marR="38660" marT="0" marB="0" anchor="ctr"/>
-                </a:tc>
-              </a:tr>
-              <a:tr h="198262">
-                <a:tc>
-                  <a:txBody>
-                    <a:bodyPr/>
-                    <a:lstStyle/>
-                    <a:p>
-                      <a:pPr>
-                        <a:spcAft>
-                          <a:spcPts val="0"/>
-                        </a:spcAft>
-                      </a:pPr>
-                      <a:r>
-                        <a:rPr lang="es-ES" sz="800">
-                          <a:effectLst/>
-                        </a:rPr>
-                        <a:t>Información sin controles en software.</a:t>
-                      </a:r>
-                      <a:endParaRPr lang="es-ES" sz="1000">
-                        <a:effectLst/>
-                        <a:latin typeface="Times New Roman" panose="02020603050405020304" pitchFamily="18" charset="0"/>
-                        <a:ea typeface="Times New Roman" panose="02020603050405020304" pitchFamily="18" charset="0"/>
-                      </a:endParaRPr>
-                    </a:p>
-                  </a:txBody>
-                  <a:tcPr marL="38660" marR="38660" marT="0" marB="0" anchor="ctr"/>
-                </a:tc>
-                <a:tc>
-                  <a:txBody>
-                    <a:bodyPr/>
-                    <a:lstStyle/>
-                    <a:p>
-                      <a:pPr algn="ctr">
-                        <a:spcAft>
-                          <a:spcPts val="0"/>
-                        </a:spcAft>
-                      </a:pPr>
-                      <a:r>
-                        <a:rPr lang="es-ES" sz="800">
-                          <a:effectLst/>
-                        </a:rPr>
-                        <a:t>4</a:t>
-                      </a:r>
-                      <a:endParaRPr lang="es-ES" sz="1000">
-                        <a:effectLst/>
-                        <a:latin typeface="Times New Roman" panose="02020603050405020304" pitchFamily="18" charset="0"/>
-                        <a:ea typeface="Times New Roman" panose="02020603050405020304" pitchFamily="18" charset="0"/>
-                      </a:endParaRPr>
-                    </a:p>
-                  </a:txBody>
-                  <a:tcPr marL="38660" marR="38660" marT="0" marB="0" anchor="ctr"/>
-                </a:tc>
-              </a:tr>
-              <a:tr h="173395">
-                <a:tc>
-                  <a:txBody>
-                    <a:bodyPr/>
-                    <a:lstStyle/>
-                    <a:p>
-                      <a:pPr>
-                        <a:spcAft>
-                          <a:spcPts val="0"/>
-                        </a:spcAft>
-                      </a:pPr>
-                      <a:r>
-                        <a:rPr lang="es-ES" sz="800" dirty="0">
-                          <a:effectLst/>
-                        </a:rPr>
-                        <a:t>Programas sin seguridad de la información.</a:t>
-                      </a:r>
-                      <a:endParaRPr lang="es-ES" sz="1000" dirty="0">
-                        <a:effectLst/>
-                        <a:latin typeface="Times New Roman" panose="02020603050405020304" pitchFamily="18" charset="0"/>
-                        <a:ea typeface="Times New Roman" panose="02020603050405020304" pitchFamily="18" charset="0"/>
-                      </a:endParaRPr>
-                    </a:p>
-                  </a:txBody>
-                  <a:tcPr marL="38660" marR="38660" marT="0" marB="0" anchor="ctr"/>
-                </a:tc>
-                <a:tc>
-                  <a:txBody>
-                    <a:bodyPr/>
-                    <a:lstStyle/>
-                    <a:p>
-                      <a:pPr algn="ctr">
-                        <a:spcAft>
-                          <a:spcPts val="0"/>
-                        </a:spcAft>
-                      </a:pPr>
-                      <a:r>
-                        <a:rPr lang="es-ES" sz="800" dirty="0">
-                          <a:effectLst/>
-                        </a:rPr>
-                        <a:t>7</a:t>
-                      </a:r>
-                      <a:endParaRPr lang="es-ES" sz="1000" dirty="0">
-                        <a:effectLst/>
-                        <a:latin typeface="Times New Roman" panose="02020603050405020304" pitchFamily="18" charset="0"/>
-                        <a:ea typeface="Times New Roman" panose="02020603050405020304" pitchFamily="18" charset="0"/>
-                      </a:endParaRPr>
-                    </a:p>
-                  </a:txBody>
-                  <a:tcPr marL="38660" marR="38660" marT="0" marB="0" anchor="ctr"/>
-                </a:tc>
-              </a:tr>
-            </a:tbl>
-          </a:graphicData>
-        </a:graphic>
-      </p:graphicFrame>
+      <p:sp>
+        <p:nvSpPr>
+          <p:cNvPr id="5" name="Marcador de contenido 2"/>
+          <p:cNvSpPr>
+            <a:spLocks noGrp="1"/>
+          </p:cNvSpPr>
+          <p:nvPr>
+            <p:ph idx="1"/>
+          </p:nvPr>
+        </p:nvSpPr>
+        <p:spPr>
+          <a:xfrm>
+            <a:off x="445514" y="1890133"/>
+            <a:ext cx="10656075" cy="4703850"/>
+          </a:xfrm>
+        </p:spPr>
+        <p:txBody>
+          <a:bodyPr>
+            <a:noAutofit/>
+          </a:bodyPr>
+          <a:lstStyle/>
+          <a:p>
+            <a:pPr marL="0" indent="0">
+              <a:buNone/>
+            </a:pPr>
+            <a:r>
+              <a:rPr lang="es-ES" sz="3200" dirty="0"/>
+              <a:t>El usuario se tiene que registrar para acceder a los servicios del programa junto con su núcleo familiar donde tiene las diferentes opciones de agregar tantas personas lo compongan con los datos personales como son fecha de nacimiento, nombre, edad y cedula.</a:t>
+            </a:r>
+            <a:endParaRPr lang="es-CO" sz="3200" dirty="0"/>
+          </a:p>
+          <a:p>
+            <a:pPr lvl="0"/>
+            <a:r>
+              <a:rPr lang="es-ES" sz="3200" dirty="0"/>
+              <a:t>Alterno 1: Se puede registrar otro usuario en el núcleo familiar durante el proceso.</a:t>
+            </a:r>
+            <a:endParaRPr lang="es-CO" sz="3200" dirty="0"/>
+          </a:p>
+        </p:txBody>
+      </p:sp>
     </p:spTree>
     <p:extLst>
       <p:ext uri="{BB962C8B-B14F-4D97-AF65-F5344CB8AC3E}">
-        <p14:creationId xmlns:p14="http://schemas.microsoft.com/office/powerpoint/2010/main" val="786047843"/>
+        <p14:creationId xmlns:p14="http://schemas.microsoft.com/office/powerpoint/2010/main" val="388069401"/>
       </p:ext>
     </p:extLst>
   </p:cSld>
@@ -10738,8 +9260,8 @@
         </p:nvSpPr>
         <p:spPr>
           <a:xfrm>
-            <a:off x="1048395" y="111244"/>
-            <a:ext cx="8596668" cy="1320800"/>
+            <a:off x="579549" y="188517"/>
+            <a:ext cx="9657942" cy="1320800"/>
           </a:xfrm>
         </p:spPr>
         <p:txBody>
@@ -10750,27 +9272,37 @@
           <a:p>
             <a:r>
               <a:rPr lang="es-ES" b="1" dirty="0" smtClean="0"/>
-              <a:t>DISEÑO </a:t>
-            </a:r>
-            <a:r>
-              <a:rPr lang="es-ES" b="1" dirty="0"/>
-              <a:t>DEL SERVICIO DE TECNOLOGIAS DE </a:t>
-            </a:r>
-            <a:r>
-              <a:rPr lang="es-ES" b="1" dirty="0" smtClean="0"/>
-              <a:t>INFORMACIÓN</a:t>
+              <a:t>DISEÑO DEL SERVICIO DE TECNOLOGIAS DE INFORMACIÓN</a:t>
             </a:r>
             <a:br>
               <a:rPr lang="es-ES" b="1" dirty="0" smtClean="0"/>
             </a:br>
             <a:r>
-              <a:rPr lang="es-ES" dirty="0"/>
-              <a:t>Riesgos </a:t>
-            </a:r>
+              <a:rPr lang="es-ES" b="1" dirty="0" smtClean="0"/>
+              <a:t> </a:t>
+            </a:r>
+            <a:r>
+              <a:rPr lang="es-ES" b="1" dirty="0"/>
+              <a:t>  </a:t>
+            </a:r>
+            <a:r>
+              <a:rPr lang="es-ES" b="1" dirty="0"/>
+              <a:t>Caso de uso “Registrar Evento Enfermedad”</a:t>
+            </a:r>
+            <a:r>
+              <a:rPr lang="es-CO" dirty="0"/>
+              <a:t/>
+            </a:r>
+            <a:br>
+              <a:rPr lang="es-CO" dirty="0"/>
+            </a:br>
             <a:r>
               <a:rPr lang="es-ES" dirty="0" smtClean="0"/>
-              <a:t>de Objetivos</a:t>
-            </a:r>
+              <a:t/>
+            </a:r>
+            <a:br>
+              <a:rPr lang="es-ES" dirty="0" smtClean="0"/>
+            </a:br>
             <a:r>
               <a:rPr lang="es-CO" dirty="0" smtClean="0"/>
               <a:t/>
@@ -10782,1134 +9314,61 @@
           </a:p>
         </p:txBody>
       </p:sp>
-      <p:graphicFrame>
-        <p:nvGraphicFramePr>
-          <p:cNvPr id="3" name="Tabla 2"/>
-          <p:cNvGraphicFramePr>
-            <a:graphicFrameLocks noGrp="1"/>
-          </p:cNvGraphicFramePr>
-          <p:nvPr>
-            <p:extLst>
-              <p:ext uri="{D42A27DB-BD31-4B8C-83A1-F6EECF244321}">
-                <p14:modId xmlns:p14="http://schemas.microsoft.com/office/powerpoint/2010/main" val="1700170052"/>
-              </p:ext>
-            </p:extLst>
-          </p:nvPr>
-        </p:nvGraphicFramePr>
-        <p:xfrm>
-          <a:off x="1048394" y="1777287"/>
-          <a:ext cx="9589555" cy="4726544"/>
-        </p:xfrm>
-        <a:graphic>
-          <a:graphicData uri="http://schemas.openxmlformats.org/drawingml/2006/table">
-            <a:tbl>
-              <a:tblPr firstRow="1" firstCol="1" bandRow="1">
-                <a:tableStyleId>{5C22544A-7EE6-4342-B048-85BDC9FD1C3A}</a:tableStyleId>
-              </a:tblPr>
-              <a:tblGrid>
-                <a:gridCol w="8204579"/>
-                <a:gridCol w="1384976"/>
-              </a:tblGrid>
-              <a:tr h="201623">
-                <a:tc>
-                  <a:txBody>
-                    <a:bodyPr/>
-                    <a:lstStyle/>
-                    <a:p>
-                      <a:pPr>
-                        <a:spcAft>
-                          <a:spcPts val="0"/>
-                        </a:spcAft>
-                      </a:pPr>
-                      <a:r>
-                        <a:rPr lang="es-ES" sz="1000" dirty="0">
-                          <a:effectLst/>
-                        </a:rPr>
-                        <a:t>Posible Riesgo</a:t>
-                      </a:r>
-                      <a:endParaRPr lang="es-ES" sz="1000" dirty="0">
-                        <a:effectLst/>
-                        <a:latin typeface="Times New Roman" panose="02020603050405020304" pitchFamily="18" charset="0"/>
-                        <a:ea typeface="Times New Roman" panose="02020603050405020304" pitchFamily="18" charset="0"/>
-                      </a:endParaRPr>
-                    </a:p>
-                  </a:txBody>
-                  <a:tcPr marL="38660" marR="38660" marT="0" marB="0" anchor="ctr"/>
-                </a:tc>
-                <a:tc>
-                  <a:txBody>
-                    <a:bodyPr/>
-                    <a:lstStyle/>
-                    <a:p>
-                      <a:pPr algn="ctr">
-                        <a:spcAft>
-                          <a:spcPts val="0"/>
-                        </a:spcAft>
-                      </a:pPr>
-                      <a:r>
-                        <a:rPr lang="es-ES" sz="1000">
-                          <a:effectLst/>
-                        </a:rPr>
-                        <a:t>Nivel</a:t>
-                      </a:r>
-                      <a:endParaRPr lang="es-ES" sz="1000">
-                        <a:effectLst/>
-                        <a:latin typeface="Times New Roman" panose="02020603050405020304" pitchFamily="18" charset="0"/>
-                        <a:ea typeface="Times New Roman" panose="02020603050405020304" pitchFamily="18" charset="0"/>
-                      </a:endParaRPr>
-                    </a:p>
-                  </a:txBody>
-                  <a:tcPr marL="38660" marR="38660" marT="0" marB="0" anchor="ctr"/>
-                </a:tc>
-              </a:tr>
-              <a:tr h="322596">
-                <a:tc>
-                  <a:txBody>
-                    <a:bodyPr/>
-                    <a:lstStyle/>
-                    <a:p>
-                      <a:pPr>
-                        <a:spcAft>
-                          <a:spcPts val="0"/>
-                        </a:spcAft>
-                      </a:pPr>
-                      <a:r>
-                        <a:rPr lang="es-ES" sz="800">
-                          <a:effectLst/>
-                        </a:rPr>
-                        <a:t>Computadores mal funcionando atrasando el trabajo.</a:t>
-                      </a:r>
-                      <a:endParaRPr lang="es-ES" sz="1000">
-                        <a:effectLst/>
-                        <a:latin typeface="Times New Roman" panose="02020603050405020304" pitchFamily="18" charset="0"/>
-                        <a:ea typeface="Times New Roman" panose="02020603050405020304" pitchFamily="18" charset="0"/>
-                      </a:endParaRPr>
-                    </a:p>
-                  </a:txBody>
-                  <a:tcPr marL="38660" marR="38660" marT="0" marB="0" anchor="ctr"/>
-                </a:tc>
-                <a:tc>
-                  <a:txBody>
-                    <a:bodyPr/>
-                    <a:lstStyle/>
-                    <a:p>
-                      <a:pPr algn="ctr">
-                        <a:spcAft>
-                          <a:spcPts val="0"/>
-                        </a:spcAft>
-                      </a:pPr>
-                      <a:r>
-                        <a:rPr lang="es-ES" sz="1000">
-                          <a:effectLst/>
-                        </a:rPr>
-                        <a:t>5</a:t>
-                      </a:r>
-                      <a:endParaRPr lang="es-ES" sz="1000">
-                        <a:effectLst/>
-                        <a:latin typeface="Times New Roman" panose="02020603050405020304" pitchFamily="18" charset="0"/>
-                        <a:ea typeface="Times New Roman" panose="02020603050405020304" pitchFamily="18" charset="0"/>
-                      </a:endParaRPr>
-                    </a:p>
-                  </a:txBody>
-                  <a:tcPr marL="38660" marR="38660" marT="0" marB="0" anchor="ctr"/>
-                </a:tc>
-              </a:tr>
-              <a:tr h="148365">
-                <a:tc>
-                  <a:txBody>
-                    <a:bodyPr/>
-                    <a:lstStyle/>
-                    <a:p>
-                      <a:pPr>
-                        <a:spcAft>
-                          <a:spcPts val="0"/>
-                        </a:spcAft>
-                      </a:pPr>
-                      <a:r>
-                        <a:rPr lang="es-ES" sz="800">
-                          <a:effectLst/>
-                        </a:rPr>
-                        <a:t>Cables rotos  de redes y de computadores.</a:t>
-                      </a:r>
-                      <a:endParaRPr lang="es-ES" sz="1000">
-                        <a:effectLst/>
-                        <a:latin typeface="Times New Roman" panose="02020603050405020304" pitchFamily="18" charset="0"/>
-                        <a:ea typeface="Times New Roman" panose="02020603050405020304" pitchFamily="18" charset="0"/>
-                      </a:endParaRPr>
-                    </a:p>
-                  </a:txBody>
-                  <a:tcPr marL="38660" marR="38660" marT="0" marB="0" anchor="ctr"/>
-                </a:tc>
-                <a:tc>
-                  <a:txBody>
-                    <a:bodyPr/>
-                    <a:lstStyle/>
-                    <a:p>
-                      <a:pPr algn="ctr">
-                        <a:spcAft>
-                          <a:spcPts val="0"/>
-                        </a:spcAft>
-                      </a:pPr>
-                      <a:r>
-                        <a:rPr lang="es-ES" sz="800">
-                          <a:effectLst/>
-                        </a:rPr>
-                        <a:t>4</a:t>
-                      </a:r>
-                      <a:endParaRPr lang="es-ES" sz="1000">
-                        <a:effectLst/>
-                        <a:latin typeface="Times New Roman" panose="02020603050405020304" pitchFamily="18" charset="0"/>
-                        <a:ea typeface="Times New Roman" panose="02020603050405020304" pitchFamily="18" charset="0"/>
-                      </a:endParaRPr>
-                    </a:p>
-                  </a:txBody>
-                  <a:tcPr marL="38660" marR="38660" marT="0" marB="0" anchor="ctr"/>
-                </a:tc>
-              </a:tr>
-              <a:tr h="186165">
-                <a:tc>
-                  <a:txBody>
-                    <a:bodyPr/>
-                    <a:lstStyle/>
-                    <a:p>
-                      <a:pPr>
-                        <a:spcAft>
-                          <a:spcPts val="0"/>
-                        </a:spcAft>
-                      </a:pPr>
-                      <a:r>
-                        <a:rPr lang="es-ES" sz="800">
-                          <a:effectLst/>
-                        </a:rPr>
-                        <a:t>Mal construcción de la sede de trabajo.</a:t>
-                      </a:r>
-                      <a:endParaRPr lang="es-ES" sz="1000">
-                        <a:effectLst/>
-                        <a:latin typeface="Times New Roman" panose="02020603050405020304" pitchFamily="18" charset="0"/>
-                        <a:ea typeface="Times New Roman" panose="02020603050405020304" pitchFamily="18" charset="0"/>
-                      </a:endParaRPr>
-                    </a:p>
-                  </a:txBody>
-                  <a:tcPr marL="38660" marR="38660" marT="0" marB="0" anchor="ctr"/>
-                </a:tc>
-                <a:tc>
-                  <a:txBody>
-                    <a:bodyPr/>
-                    <a:lstStyle/>
-                    <a:p>
-                      <a:pPr algn="ctr">
-                        <a:spcAft>
-                          <a:spcPts val="0"/>
-                        </a:spcAft>
-                      </a:pPr>
-                      <a:r>
-                        <a:rPr lang="es-ES" sz="800">
-                          <a:effectLst/>
-                        </a:rPr>
-                        <a:t>3</a:t>
-                      </a:r>
-                      <a:endParaRPr lang="es-ES" sz="1000">
-                        <a:effectLst/>
-                        <a:latin typeface="Times New Roman" panose="02020603050405020304" pitchFamily="18" charset="0"/>
-                        <a:ea typeface="Times New Roman" panose="02020603050405020304" pitchFamily="18" charset="0"/>
-                      </a:endParaRPr>
-                    </a:p>
-                  </a:txBody>
-                  <a:tcPr marL="38660" marR="38660" marT="0" marB="0" anchor="ctr"/>
-                </a:tc>
-              </a:tr>
-              <a:tr h="187509">
-                <a:tc>
-                  <a:txBody>
-                    <a:bodyPr/>
-                    <a:lstStyle/>
-                    <a:p>
-                      <a:pPr>
-                        <a:spcAft>
-                          <a:spcPts val="0"/>
-                        </a:spcAft>
-                      </a:pPr>
-                      <a:r>
-                        <a:rPr lang="es-ES" sz="800">
-                          <a:effectLst/>
-                        </a:rPr>
-                        <a:t>Corte del suministro eléctrico</a:t>
-                      </a:r>
-                      <a:endParaRPr lang="es-ES" sz="1000">
-                        <a:effectLst/>
-                        <a:latin typeface="Times New Roman" panose="02020603050405020304" pitchFamily="18" charset="0"/>
-                        <a:ea typeface="Times New Roman" panose="02020603050405020304" pitchFamily="18" charset="0"/>
-                      </a:endParaRPr>
-                    </a:p>
-                  </a:txBody>
-                  <a:tcPr marL="38660" marR="38660" marT="0" marB="0" anchor="ctr"/>
-                </a:tc>
-                <a:tc>
-                  <a:txBody>
-                    <a:bodyPr/>
-                    <a:lstStyle/>
-                    <a:p>
-                      <a:pPr algn="ctr">
-                        <a:spcAft>
-                          <a:spcPts val="0"/>
-                        </a:spcAft>
-                      </a:pPr>
-                      <a:r>
-                        <a:rPr lang="es-ES" sz="800">
-                          <a:effectLst/>
-                        </a:rPr>
-                        <a:t>7</a:t>
-                      </a:r>
-                      <a:endParaRPr lang="es-ES" sz="1000">
-                        <a:effectLst/>
-                        <a:latin typeface="Times New Roman" panose="02020603050405020304" pitchFamily="18" charset="0"/>
-                        <a:ea typeface="Times New Roman" panose="02020603050405020304" pitchFamily="18" charset="0"/>
-                      </a:endParaRPr>
-                    </a:p>
-                  </a:txBody>
-                  <a:tcPr marL="38660" marR="38660" marT="0" marB="0" anchor="ctr"/>
-                </a:tc>
-              </a:tr>
-              <a:tr h="180789">
-                <a:tc>
-                  <a:txBody>
-                    <a:bodyPr/>
-                    <a:lstStyle/>
-                    <a:p>
-                      <a:pPr>
-                        <a:spcAft>
-                          <a:spcPts val="0"/>
-                        </a:spcAft>
-                      </a:pPr>
-                      <a:r>
-                        <a:rPr lang="es-ES" sz="800">
-                          <a:effectLst/>
-                        </a:rPr>
-                        <a:t>Falta de pago de factura del teléfono y internet.</a:t>
-                      </a:r>
-                      <a:endParaRPr lang="es-ES" sz="1000">
-                        <a:effectLst/>
-                        <a:latin typeface="Times New Roman" panose="02020603050405020304" pitchFamily="18" charset="0"/>
-                        <a:ea typeface="Times New Roman" panose="02020603050405020304" pitchFamily="18" charset="0"/>
-                      </a:endParaRPr>
-                    </a:p>
-                  </a:txBody>
-                  <a:tcPr marL="38660" marR="38660" marT="0" marB="0" anchor="ctr"/>
-                </a:tc>
-                <a:tc>
-                  <a:txBody>
-                    <a:bodyPr/>
-                    <a:lstStyle/>
-                    <a:p>
-                      <a:pPr algn="ctr">
-                        <a:spcAft>
-                          <a:spcPts val="0"/>
-                        </a:spcAft>
-                      </a:pPr>
-                      <a:r>
-                        <a:rPr lang="es-ES" sz="800">
-                          <a:effectLst/>
-                        </a:rPr>
-                        <a:t>8</a:t>
-                      </a:r>
-                      <a:endParaRPr lang="es-ES" sz="1000">
-                        <a:effectLst/>
-                        <a:latin typeface="Times New Roman" panose="02020603050405020304" pitchFamily="18" charset="0"/>
-                        <a:ea typeface="Times New Roman" panose="02020603050405020304" pitchFamily="18" charset="0"/>
-                      </a:endParaRPr>
-                    </a:p>
-                  </a:txBody>
-                  <a:tcPr marL="38660" marR="38660" marT="0" marB="0" anchor="ctr"/>
-                </a:tc>
-              </a:tr>
-              <a:tr h="183477">
-                <a:tc>
-                  <a:txBody>
-                    <a:bodyPr/>
-                    <a:lstStyle/>
-                    <a:p>
-                      <a:pPr>
-                        <a:spcAft>
-                          <a:spcPts val="0"/>
-                        </a:spcAft>
-                      </a:pPr>
-                      <a:r>
-                        <a:rPr lang="es-ES" sz="800">
-                          <a:effectLst/>
-                        </a:rPr>
-                        <a:t>Problemas del proveedor de internet.</a:t>
-                      </a:r>
-                      <a:endParaRPr lang="es-ES" sz="1000">
-                        <a:effectLst/>
-                        <a:latin typeface="Times New Roman" panose="02020603050405020304" pitchFamily="18" charset="0"/>
-                        <a:ea typeface="Times New Roman" panose="02020603050405020304" pitchFamily="18" charset="0"/>
-                      </a:endParaRPr>
-                    </a:p>
-                  </a:txBody>
-                  <a:tcPr marL="38660" marR="38660" marT="0" marB="0" anchor="ctr"/>
-                </a:tc>
-                <a:tc>
-                  <a:txBody>
-                    <a:bodyPr/>
-                    <a:lstStyle/>
-                    <a:p>
-                      <a:pPr algn="ctr">
-                        <a:spcAft>
-                          <a:spcPts val="0"/>
-                        </a:spcAft>
-                      </a:pPr>
-                      <a:r>
-                        <a:rPr lang="es-ES" sz="800">
-                          <a:effectLst/>
-                        </a:rPr>
-                        <a:t>4</a:t>
-                      </a:r>
-                      <a:endParaRPr lang="es-ES" sz="1000">
-                        <a:effectLst/>
-                        <a:latin typeface="Times New Roman" panose="02020603050405020304" pitchFamily="18" charset="0"/>
-                        <a:ea typeface="Times New Roman" panose="02020603050405020304" pitchFamily="18" charset="0"/>
-                      </a:endParaRPr>
-                    </a:p>
-                  </a:txBody>
-                  <a:tcPr marL="38660" marR="38660" marT="0" marB="0" anchor="ctr"/>
-                </a:tc>
-              </a:tr>
-              <a:tr h="290337">
-                <a:tc>
-                  <a:txBody>
-                    <a:bodyPr/>
-                    <a:lstStyle/>
-                    <a:p>
-                      <a:pPr>
-                        <a:spcAft>
-                          <a:spcPts val="0"/>
-                        </a:spcAft>
-                      </a:pPr>
-                      <a:r>
-                        <a:rPr lang="es-ES" sz="800">
-                          <a:effectLst/>
-                        </a:rPr>
-                        <a:t>Interrupción de otros servicios y suministros esenciales</a:t>
-                      </a:r>
-                      <a:endParaRPr lang="es-ES" sz="1000">
-                        <a:effectLst/>
-                        <a:latin typeface="Times New Roman" panose="02020603050405020304" pitchFamily="18" charset="0"/>
-                        <a:ea typeface="Times New Roman" panose="02020603050405020304" pitchFamily="18" charset="0"/>
-                      </a:endParaRPr>
-                    </a:p>
-                  </a:txBody>
-                  <a:tcPr marL="38660" marR="38660" marT="0" marB="0" anchor="ctr"/>
-                </a:tc>
-                <a:tc>
-                  <a:txBody>
-                    <a:bodyPr/>
-                    <a:lstStyle/>
-                    <a:p>
-                      <a:pPr algn="ctr">
-                        <a:spcAft>
-                          <a:spcPts val="0"/>
-                        </a:spcAft>
-                      </a:pPr>
-                      <a:r>
-                        <a:rPr lang="es-ES" sz="800">
-                          <a:effectLst/>
-                        </a:rPr>
-                        <a:t>4</a:t>
-                      </a:r>
-                      <a:endParaRPr lang="es-ES" sz="1000">
-                        <a:effectLst/>
-                        <a:latin typeface="Times New Roman" panose="02020603050405020304" pitchFamily="18" charset="0"/>
-                        <a:ea typeface="Times New Roman" panose="02020603050405020304" pitchFamily="18" charset="0"/>
-                      </a:endParaRPr>
-                    </a:p>
-                  </a:txBody>
-                  <a:tcPr marL="38660" marR="38660" marT="0" marB="0" anchor="ctr"/>
-                </a:tc>
-              </a:tr>
-              <a:tr h="290337">
-                <a:tc>
-                  <a:txBody>
-                    <a:bodyPr/>
-                    <a:lstStyle/>
-                    <a:p>
-                      <a:pPr>
-                        <a:spcAft>
-                          <a:spcPts val="0"/>
-                        </a:spcAft>
-                      </a:pPr>
-                      <a:r>
-                        <a:rPr lang="es-ES" sz="800">
-                          <a:effectLst/>
-                        </a:rPr>
-                        <a:t>Avería de discos duros de información importante.</a:t>
-                      </a:r>
-                      <a:endParaRPr lang="es-ES" sz="1000">
-                        <a:effectLst/>
-                        <a:latin typeface="Times New Roman" panose="02020603050405020304" pitchFamily="18" charset="0"/>
-                        <a:ea typeface="Times New Roman" panose="02020603050405020304" pitchFamily="18" charset="0"/>
-                      </a:endParaRPr>
-                    </a:p>
-                  </a:txBody>
-                  <a:tcPr marL="38660" marR="38660" marT="0" marB="0" anchor="ctr"/>
-                </a:tc>
-                <a:tc>
-                  <a:txBody>
-                    <a:bodyPr/>
-                    <a:lstStyle/>
-                    <a:p>
-                      <a:pPr algn="ctr">
-                        <a:spcAft>
-                          <a:spcPts val="0"/>
-                        </a:spcAft>
-                      </a:pPr>
-                      <a:r>
-                        <a:rPr lang="es-ES" sz="800">
-                          <a:effectLst/>
-                        </a:rPr>
-                        <a:t>7</a:t>
-                      </a:r>
-                      <a:endParaRPr lang="es-ES" sz="1000">
-                        <a:effectLst/>
-                        <a:latin typeface="Times New Roman" panose="02020603050405020304" pitchFamily="18" charset="0"/>
-                        <a:ea typeface="Times New Roman" panose="02020603050405020304" pitchFamily="18" charset="0"/>
-                      </a:endParaRPr>
-                    </a:p>
-                  </a:txBody>
-                  <a:tcPr marL="38660" marR="38660" marT="0" marB="0" anchor="ctr"/>
-                </a:tc>
-              </a:tr>
-              <a:tr h="184820">
-                <a:tc>
-                  <a:txBody>
-                    <a:bodyPr/>
-                    <a:lstStyle/>
-                    <a:p>
-                      <a:pPr>
-                        <a:spcAft>
-                          <a:spcPts val="0"/>
-                        </a:spcAft>
-                      </a:pPr>
-                      <a:r>
-                        <a:rPr lang="es-ES" sz="800">
-                          <a:effectLst/>
-                        </a:rPr>
-                        <a:t>Falta de mantenimiento constante de equipos.</a:t>
-                      </a:r>
-                      <a:endParaRPr lang="es-ES" sz="1000">
-                        <a:effectLst/>
-                        <a:latin typeface="Times New Roman" panose="02020603050405020304" pitchFamily="18" charset="0"/>
-                        <a:ea typeface="Times New Roman" panose="02020603050405020304" pitchFamily="18" charset="0"/>
-                      </a:endParaRPr>
-                    </a:p>
-                  </a:txBody>
-                  <a:tcPr marL="38660" marR="38660" marT="0" marB="0" anchor="ctr"/>
-                </a:tc>
-                <a:tc>
-                  <a:txBody>
-                    <a:bodyPr/>
-                    <a:lstStyle/>
-                    <a:p>
-                      <a:pPr algn="ctr">
-                        <a:spcAft>
-                          <a:spcPts val="0"/>
-                        </a:spcAft>
-                      </a:pPr>
-                      <a:r>
-                        <a:rPr lang="es-ES" sz="800">
-                          <a:effectLst/>
-                        </a:rPr>
-                        <a:t>8</a:t>
-                      </a:r>
-                      <a:endParaRPr lang="es-ES" sz="1000">
-                        <a:effectLst/>
-                        <a:latin typeface="Times New Roman" panose="02020603050405020304" pitchFamily="18" charset="0"/>
-                        <a:ea typeface="Times New Roman" panose="02020603050405020304" pitchFamily="18" charset="0"/>
-                      </a:endParaRPr>
-                    </a:p>
-                  </a:txBody>
-                  <a:tcPr marL="38660" marR="38660" marT="0" marB="0" anchor="ctr"/>
-                </a:tc>
-              </a:tr>
-              <a:tr h="290337">
-                <a:tc>
-                  <a:txBody>
-                    <a:bodyPr/>
-                    <a:lstStyle/>
-                    <a:p>
-                      <a:pPr>
-                        <a:spcAft>
-                          <a:spcPts val="0"/>
-                        </a:spcAft>
-                      </a:pPr>
-                      <a:r>
-                        <a:rPr lang="es-ES" sz="800">
-                          <a:effectLst/>
-                        </a:rPr>
-                        <a:t>Fallos no detectados que pueden volverse peores.</a:t>
-                      </a:r>
-                      <a:endParaRPr lang="es-ES" sz="1000">
-                        <a:effectLst/>
-                        <a:latin typeface="Times New Roman" panose="02020603050405020304" pitchFamily="18" charset="0"/>
-                        <a:ea typeface="Times New Roman" panose="02020603050405020304" pitchFamily="18" charset="0"/>
-                      </a:endParaRPr>
-                    </a:p>
-                  </a:txBody>
-                  <a:tcPr marL="38660" marR="38660" marT="0" marB="0" anchor="ctr"/>
-                </a:tc>
-                <a:tc>
-                  <a:txBody>
-                    <a:bodyPr/>
-                    <a:lstStyle/>
-                    <a:p>
-                      <a:pPr algn="ctr">
-                        <a:spcAft>
-                          <a:spcPts val="0"/>
-                        </a:spcAft>
-                      </a:pPr>
-                      <a:r>
-                        <a:rPr lang="es-ES" sz="800">
-                          <a:effectLst/>
-                        </a:rPr>
-                        <a:t>11</a:t>
-                      </a:r>
-                      <a:endParaRPr lang="es-ES" sz="1000">
-                        <a:effectLst/>
-                        <a:latin typeface="Times New Roman" panose="02020603050405020304" pitchFamily="18" charset="0"/>
-                        <a:ea typeface="Times New Roman" panose="02020603050405020304" pitchFamily="18" charset="0"/>
-                      </a:endParaRPr>
-                    </a:p>
-                  </a:txBody>
-                  <a:tcPr marL="38660" marR="38660" marT="0" marB="0" anchor="ctr"/>
-                </a:tc>
-              </a:tr>
-              <a:tr h="322596">
-                <a:tc>
-                  <a:txBody>
-                    <a:bodyPr/>
-                    <a:lstStyle/>
-                    <a:p>
-                      <a:pPr>
-                        <a:spcAft>
-                          <a:spcPts val="0"/>
-                        </a:spcAft>
-                      </a:pPr>
-                      <a:r>
-                        <a:rPr lang="es-ES" sz="800">
-                          <a:effectLst/>
-                        </a:rPr>
-                        <a:t>Configuración poco conveniente para el sistema actual.</a:t>
-                      </a:r>
-                      <a:endParaRPr lang="es-ES" sz="1000">
-                        <a:effectLst/>
-                        <a:latin typeface="Times New Roman" panose="02020603050405020304" pitchFamily="18" charset="0"/>
-                        <a:ea typeface="Times New Roman" panose="02020603050405020304" pitchFamily="18" charset="0"/>
-                      </a:endParaRPr>
-                    </a:p>
-                  </a:txBody>
-                  <a:tcPr marL="38660" marR="38660" marT="0" marB="0" anchor="ctr"/>
-                </a:tc>
-                <a:tc>
-                  <a:txBody>
-                    <a:bodyPr/>
-                    <a:lstStyle/>
-                    <a:p>
-                      <a:pPr algn="ctr">
-                        <a:spcAft>
-                          <a:spcPts val="0"/>
-                        </a:spcAft>
-                      </a:pPr>
-                      <a:r>
-                        <a:rPr lang="es-ES" sz="800">
-                          <a:effectLst/>
-                        </a:rPr>
-                        <a:t>13</a:t>
-                      </a:r>
-                      <a:endParaRPr lang="es-ES" sz="1000">
-                        <a:effectLst/>
-                        <a:latin typeface="Times New Roman" panose="02020603050405020304" pitchFamily="18" charset="0"/>
-                        <a:ea typeface="Times New Roman" panose="02020603050405020304" pitchFamily="18" charset="0"/>
-                      </a:endParaRPr>
-                    </a:p>
-                  </a:txBody>
-                  <a:tcPr marL="38660" marR="38660" marT="0" marB="0" anchor="ctr"/>
-                </a:tc>
-              </a:tr>
-              <a:tr h="322596">
-                <a:tc>
-                  <a:txBody>
-                    <a:bodyPr/>
-                    <a:lstStyle/>
-                    <a:p>
-                      <a:pPr>
-                        <a:spcAft>
-                          <a:spcPts val="0"/>
-                        </a:spcAft>
-                      </a:pPr>
-                      <a:r>
-                        <a:rPr lang="es-ES" sz="800">
-                          <a:effectLst/>
-                        </a:rPr>
-                        <a:t>Constante personal nuevo por falta de tolerancia de gerentes.</a:t>
-                      </a:r>
-                      <a:endParaRPr lang="es-ES" sz="1000">
-                        <a:effectLst/>
-                        <a:latin typeface="Times New Roman" panose="02020603050405020304" pitchFamily="18" charset="0"/>
-                        <a:ea typeface="Times New Roman" panose="02020603050405020304" pitchFamily="18" charset="0"/>
-                      </a:endParaRPr>
-                    </a:p>
-                  </a:txBody>
-                  <a:tcPr marL="38660" marR="38660" marT="0" marB="0" anchor="ctr"/>
-                </a:tc>
-                <a:tc>
-                  <a:txBody>
-                    <a:bodyPr/>
-                    <a:lstStyle/>
-                    <a:p>
-                      <a:pPr algn="ctr">
-                        <a:spcAft>
-                          <a:spcPts val="0"/>
-                        </a:spcAft>
-                      </a:pPr>
-                      <a:r>
-                        <a:rPr lang="es-ES" sz="800">
-                          <a:effectLst/>
-                        </a:rPr>
-                        <a:t>13</a:t>
-                      </a:r>
-                      <a:endParaRPr lang="es-ES" sz="1000">
-                        <a:effectLst/>
-                        <a:latin typeface="Times New Roman" panose="02020603050405020304" pitchFamily="18" charset="0"/>
-                        <a:ea typeface="Times New Roman" panose="02020603050405020304" pitchFamily="18" charset="0"/>
-                      </a:endParaRPr>
-                    </a:p>
-                  </a:txBody>
-                  <a:tcPr marL="38660" marR="38660" marT="0" marB="0" anchor="ctr"/>
-                </a:tc>
-              </a:tr>
-              <a:tr h="201623">
-                <a:tc>
-                  <a:txBody>
-                    <a:bodyPr/>
-                    <a:lstStyle/>
-                    <a:p>
-                      <a:pPr>
-                        <a:spcAft>
-                          <a:spcPts val="0"/>
-                        </a:spcAft>
-                      </a:pPr>
-                      <a:r>
-                        <a:rPr lang="es-ES" sz="800">
-                          <a:effectLst/>
-                        </a:rPr>
-                        <a:t>Virus sin detectar.</a:t>
-                      </a:r>
-                      <a:endParaRPr lang="es-ES" sz="1000">
-                        <a:effectLst/>
-                        <a:latin typeface="Times New Roman" panose="02020603050405020304" pitchFamily="18" charset="0"/>
-                        <a:ea typeface="Times New Roman" panose="02020603050405020304" pitchFamily="18" charset="0"/>
-                      </a:endParaRPr>
-                    </a:p>
-                  </a:txBody>
-                  <a:tcPr marL="38660" marR="38660" marT="0" marB="0" anchor="ctr"/>
-                </a:tc>
-                <a:tc>
-                  <a:txBody>
-                    <a:bodyPr/>
-                    <a:lstStyle/>
-                    <a:p>
-                      <a:pPr algn="ctr">
-                        <a:spcAft>
-                          <a:spcPts val="0"/>
-                        </a:spcAft>
-                      </a:pPr>
-                      <a:r>
-                        <a:rPr lang="es-ES" sz="800">
-                          <a:effectLst/>
-                        </a:rPr>
-                        <a:t>16</a:t>
-                      </a:r>
-                      <a:endParaRPr lang="es-ES" sz="1000">
-                        <a:effectLst/>
-                        <a:latin typeface="Times New Roman" panose="02020603050405020304" pitchFamily="18" charset="0"/>
-                        <a:ea typeface="Times New Roman" panose="02020603050405020304" pitchFamily="18" charset="0"/>
-                      </a:endParaRPr>
-                    </a:p>
-                  </a:txBody>
-                  <a:tcPr marL="38660" marR="38660" marT="0" marB="0" anchor="ctr"/>
-                </a:tc>
-              </a:tr>
-              <a:tr h="201623">
-                <a:tc>
-                  <a:txBody>
-                    <a:bodyPr/>
-                    <a:lstStyle/>
-                    <a:p>
-                      <a:pPr>
-                        <a:spcAft>
-                          <a:spcPts val="0"/>
-                        </a:spcAft>
-                      </a:pPr>
-                      <a:r>
-                        <a:rPr lang="es-ES" sz="800">
-                          <a:effectLst/>
-                        </a:rPr>
-                        <a:t>Falta de control en el manejo de redes.</a:t>
-                      </a:r>
-                      <a:endParaRPr lang="es-ES" sz="1000">
-                        <a:effectLst/>
-                        <a:latin typeface="Times New Roman" panose="02020603050405020304" pitchFamily="18" charset="0"/>
-                        <a:ea typeface="Times New Roman" panose="02020603050405020304" pitchFamily="18" charset="0"/>
-                      </a:endParaRPr>
-                    </a:p>
-                  </a:txBody>
-                  <a:tcPr marL="38660" marR="38660" marT="0" marB="0" anchor="ctr"/>
-                </a:tc>
-                <a:tc>
-                  <a:txBody>
-                    <a:bodyPr/>
-                    <a:lstStyle/>
-                    <a:p>
-                      <a:pPr algn="ctr">
-                        <a:spcAft>
-                          <a:spcPts val="0"/>
-                        </a:spcAft>
-                      </a:pPr>
-                      <a:r>
-                        <a:rPr lang="es-ES" sz="800">
-                          <a:effectLst/>
-                        </a:rPr>
-                        <a:t>8</a:t>
-                      </a:r>
-                      <a:endParaRPr lang="es-ES" sz="1000">
-                        <a:effectLst/>
-                        <a:latin typeface="Times New Roman" panose="02020603050405020304" pitchFamily="18" charset="0"/>
-                        <a:ea typeface="Times New Roman" panose="02020603050405020304" pitchFamily="18" charset="0"/>
-                      </a:endParaRPr>
-                    </a:p>
-                  </a:txBody>
-                  <a:tcPr marL="38660" marR="38660" marT="0" marB="0" anchor="ctr"/>
-                </a:tc>
-              </a:tr>
-              <a:tr h="290337">
-                <a:tc>
-                  <a:txBody>
-                    <a:bodyPr/>
-                    <a:lstStyle/>
-                    <a:p>
-                      <a:pPr>
-                        <a:spcAft>
-                          <a:spcPts val="0"/>
-                        </a:spcAft>
-                      </a:pPr>
-                      <a:r>
-                        <a:rPr lang="es-ES" sz="800">
-                          <a:effectLst/>
-                        </a:rPr>
-                        <a:t>Falta de protocolos con el manejo de información.</a:t>
-                      </a:r>
-                      <a:endParaRPr lang="es-ES" sz="1000">
-                        <a:effectLst/>
-                        <a:latin typeface="Times New Roman" panose="02020603050405020304" pitchFamily="18" charset="0"/>
-                        <a:ea typeface="Times New Roman" panose="02020603050405020304" pitchFamily="18" charset="0"/>
-                      </a:endParaRPr>
-                    </a:p>
-                  </a:txBody>
-                  <a:tcPr marL="38660" marR="38660" marT="0" marB="0" anchor="ctr"/>
-                </a:tc>
-                <a:tc>
-                  <a:txBody>
-                    <a:bodyPr/>
-                    <a:lstStyle/>
-                    <a:p>
-                      <a:pPr algn="ctr">
-                        <a:spcAft>
-                          <a:spcPts val="0"/>
-                        </a:spcAft>
-                      </a:pPr>
-                      <a:r>
-                        <a:rPr lang="es-ES" sz="800">
-                          <a:effectLst/>
-                        </a:rPr>
-                        <a:t>9</a:t>
-                      </a:r>
-                      <a:endParaRPr lang="es-ES" sz="1000">
-                        <a:effectLst/>
-                        <a:latin typeface="Times New Roman" panose="02020603050405020304" pitchFamily="18" charset="0"/>
-                        <a:ea typeface="Times New Roman" panose="02020603050405020304" pitchFamily="18" charset="0"/>
-                      </a:endParaRPr>
-                    </a:p>
-                  </a:txBody>
-                  <a:tcPr marL="38660" marR="38660" marT="0" marB="0" anchor="ctr"/>
-                </a:tc>
-              </a:tr>
-              <a:tr h="211704">
-                <a:tc>
-                  <a:txBody>
-                    <a:bodyPr/>
-                    <a:lstStyle/>
-                    <a:p>
-                      <a:pPr>
-                        <a:spcAft>
-                          <a:spcPts val="0"/>
-                        </a:spcAft>
-                      </a:pPr>
-                      <a:r>
-                        <a:rPr lang="es-ES" sz="800">
-                          <a:effectLst/>
-                        </a:rPr>
-                        <a:t>Información sin protocolos de seguridad.</a:t>
-                      </a:r>
-                      <a:endParaRPr lang="es-ES" sz="1000">
-                        <a:effectLst/>
-                        <a:latin typeface="Times New Roman" panose="02020603050405020304" pitchFamily="18" charset="0"/>
-                        <a:ea typeface="Times New Roman" panose="02020603050405020304" pitchFamily="18" charset="0"/>
-                      </a:endParaRPr>
-                    </a:p>
-                  </a:txBody>
-                  <a:tcPr marL="38660" marR="38660" marT="0" marB="0" anchor="ctr"/>
-                </a:tc>
-                <a:tc>
-                  <a:txBody>
-                    <a:bodyPr/>
-                    <a:lstStyle/>
-                    <a:p>
-                      <a:pPr algn="ctr">
-                        <a:spcAft>
-                          <a:spcPts val="0"/>
-                        </a:spcAft>
-                      </a:pPr>
-                      <a:r>
-                        <a:rPr lang="es-ES" sz="800">
-                          <a:effectLst/>
-                        </a:rPr>
-                        <a:t>12</a:t>
-                      </a:r>
-                      <a:endParaRPr lang="es-ES" sz="1000">
-                        <a:effectLst/>
-                        <a:latin typeface="Times New Roman" panose="02020603050405020304" pitchFamily="18" charset="0"/>
-                        <a:ea typeface="Times New Roman" panose="02020603050405020304" pitchFamily="18" charset="0"/>
-                      </a:endParaRPr>
-                    </a:p>
-                  </a:txBody>
-                  <a:tcPr marL="38660" marR="38660" marT="0" marB="0" anchor="ctr"/>
-                </a:tc>
-              </a:tr>
-              <a:tr h="177428">
-                <a:tc>
-                  <a:txBody>
-                    <a:bodyPr/>
-                    <a:lstStyle/>
-                    <a:p>
-                      <a:pPr>
-                        <a:spcAft>
-                          <a:spcPts val="0"/>
-                        </a:spcAft>
-                      </a:pPr>
-                      <a:r>
-                        <a:rPr lang="es-ES" sz="800">
-                          <a:effectLst/>
-                        </a:rPr>
-                        <a:t>Emanaciones electromagnéticas</a:t>
-                      </a:r>
-                      <a:endParaRPr lang="es-ES" sz="1000">
-                        <a:effectLst/>
-                        <a:latin typeface="Times New Roman" panose="02020603050405020304" pitchFamily="18" charset="0"/>
-                        <a:ea typeface="Times New Roman" panose="02020603050405020304" pitchFamily="18" charset="0"/>
-                      </a:endParaRPr>
-                    </a:p>
-                  </a:txBody>
-                  <a:tcPr marL="38660" marR="38660" marT="0" marB="0" anchor="ctr"/>
-                </a:tc>
-                <a:tc>
-                  <a:txBody>
-                    <a:bodyPr/>
-                    <a:lstStyle/>
-                    <a:p>
-                      <a:pPr algn="ctr">
-                        <a:spcAft>
-                          <a:spcPts val="0"/>
-                        </a:spcAft>
-                      </a:pPr>
-                      <a:r>
-                        <a:rPr lang="es-ES" sz="800">
-                          <a:effectLst/>
-                        </a:rPr>
-                        <a:t>5</a:t>
-                      </a:r>
-                      <a:endParaRPr lang="es-ES" sz="1000">
-                        <a:effectLst/>
-                        <a:latin typeface="Times New Roman" panose="02020603050405020304" pitchFamily="18" charset="0"/>
-                        <a:ea typeface="Times New Roman" panose="02020603050405020304" pitchFamily="18" charset="0"/>
-                      </a:endParaRPr>
-                    </a:p>
-                  </a:txBody>
-                  <a:tcPr marL="38660" marR="38660" marT="0" marB="0" anchor="ctr"/>
-                </a:tc>
-              </a:tr>
-              <a:tr h="160625">
-                <a:tc>
-                  <a:txBody>
-                    <a:bodyPr/>
-                    <a:lstStyle/>
-                    <a:p>
-                      <a:pPr>
-                        <a:spcAft>
-                          <a:spcPts val="0"/>
-                        </a:spcAft>
-                      </a:pPr>
-                      <a:r>
-                        <a:rPr lang="es-ES" sz="800">
-                          <a:effectLst/>
-                        </a:rPr>
-                        <a:t>Información eliminada.</a:t>
-                      </a:r>
-                      <a:endParaRPr lang="es-ES" sz="1000">
-                        <a:effectLst/>
-                        <a:latin typeface="Times New Roman" panose="02020603050405020304" pitchFamily="18" charset="0"/>
-                        <a:ea typeface="Times New Roman" panose="02020603050405020304" pitchFamily="18" charset="0"/>
-                      </a:endParaRPr>
-                    </a:p>
-                  </a:txBody>
-                  <a:tcPr marL="38660" marR="38660" marT="0" marB="0" anchor="ctr"/>
-                </a:tc>
-                <a:tc>
-                  <a:txBody>
-                    <a:bodyPr/>
-                    <a:lstStyle/>
-                    <a:p>
-                      <a:pPr algn="ctr">
-                        <a:spcAft>
-                          <a:spcPts val="0"/>
-                        </a:spcAft>
-                      </a:pPr>
-                      <a:r>
-                        <a:rPr lang="es-ES" sz="800">
-                          <a:effectLst/>
-                        </a:rPr>
-                        <a:t>11</a:t>
-                      </a:r>
-                      <a:endParaRPr lang="es-ES" sz="1000">
-                        <a:effectLst/>
-                        <a:latin typeface="Times New Roman" panose="02020603050405020304" pitchFamily="18" charset="0"/>
-                        <a:ea typeface="Times New Roman" panose="02020603050405020304" pitchFamily="18" charset="0"/>
-                      </a:endParaRPr>
-                    </a:p>
-                  </a:txBody>
-                  <a:tcPr marL="38660" marR="38660" marT="0" marB="0" anchor="ctr"/>
-                </a:tc>
-              </a:tr>
-              <a:tr h="198262">
-                <a:tc>
-                  <a:txBody>
-                    <a:bodyPr/>
-                    <a:lstStyle/>
-                    <a:p>
-                      <a:pPr>
-                        <a:spcAft>
-                          <a:spcPts val="0"/>
-                        </a:spcAft>
-                      </a:pPr>
-                      <a:r>
-                        <a:rPr lang="es-ES" sz="800">
-                          <a:effectLst/>
-                        </a:rPr>
-                        <a:t>Información sin controles en software.</a:t>
-                      </a:r>
-                      <a:endParaRPr lang="es-ES" sz="1000">
-                        <a:effectLst/>
-                        <a:latin typeface="Times New Roman" panose="02020603050405020304" pitchFamily="18" charset="0"/>
-                        <a:ea typeface="Times New Roman" panose="02020603050405020304" pitchFamily="18" charset="0"/>
-                      </a:endParaRPr>
-                    </a:p>
-                  </a:txBody>
-                  <a:tcPr marL="38660" marR="38660" marT="0" marB="0" anchor="ctr"/>
-                </a:tc>
-                <a:tc>
-                  <a:txBody>
-                    <a:bodyPr/>
-                    <a:lstStyle/>
-                    <a:p>
-                      <a:pPr algn="ctr">
-                        <a:spcAft>
-                          <a:spcPts val="0"/>
-                        </a:spcAft>
-                      </a:pPr>
-                      <a:r>
-                        <a:rPr lang="es-ES" sz="800">
-                          <a:effectLst/>
-                        </a:rPr>
-                        <a:t>4</a:t>
-                      </a:r>
-                      <a:endParaRPr lang="es-ES" sz="1000">
-                        <a:effectLst/>
-                        <a:latin typeface="Times New Roman" panose="02020603050405020304" pitchFamily="18" charset="0"/>
-                        <a:ea typeface="Times New Roman" panose="02020603050405020304" pitchFamily="18" charset="0"/>
-                      </a:endParaRPr>
-                    </a:p>
-                  </a:txBody>
-                  <a:tcPr marL="38660" marR="38660" marT="0" marB="0" anchor="ctr"/>
-                </a:tc>
-              </a:tr>
-              <a:tr h="173395">
-                <a:tc>
-                  <a:txBody>
-                    <a:bodyPr/>
-                    <a:lstStyle/>
-                    <a:p>
-                      <a:pPr>
-                        <a:spcAft>
-                          <a:spcPts val="0"/>
-                        </a:spcAft>
-                      </a:pPr>
-                      <a:r>
-                        <a:rPr lang="es-ES" sz="800" dirty="0">
-                          <a:effectLst/>
-                        </a:rPr>
-                        <a:t>Programas sin seguridad de la información.</a:t>
-                      </a:r>
-                      <a:endParaRPr lang="es-ES" sz="1000" dirty="0">
-                        <a:effectLst/>
-                        <a:latin typeface="Times New Roman" panose="02020603050405020304" pitchFamily="18" charset="0"/>
-                        <a:ea typeface="Times New Roman" panose="02020603050405020304" pitchFamily="18" charset="0"/>
-                      </a:endParaRPr>
-                    </a:p>
-                  </a:txBody>
-                  <a:tcPr marL="38660" marR="38660" marT="0" marB="0" anchor="ctr"/>
-                </a:tc>
-                <a:tc>
-                  <a:txBody>
-                    <a:bodyPr/>
-                    <a:lstStyle/>
-                    <a:p>
-                      <a:pPr algn="ctr">
-                        <a:spcAft>
-                          <a:spcPts val="0"/>
-                        </a:spcAft>
-                      </a:pPr>
-                      <a:r>
-                        <a:rPr lang="es-ES" sz="800" dirty="0">
-                          <a:effectLst/>
-                        </a:rPr>
-                        <a:t>7</a:t>
-                      </a:r>
-                      <a:endParaRPr lang="es-ES" sz="1000" dirty="0">
-                        <a:effectLst/>
-                        <a:latin typeface="Times New Roman" panose="02020603050405020304" pitchFamily="18" charset="0"/>
-                        <a:ea typeface="Times New Roman" panose="02020603050405020304" pitchFamily="18" charset="0"/>
-                      </a:endParaRPr>
-                    </a:p>
-                  </a:txBody>
-                  <a:tcPr marL="38660" marR="38660" marT="0" marB="0" anchor="ctr"/>
-                </a:tc>
-              </a:tr>
-            </a:tbl>
-          </a:graphicData>
-        </a:graphic>
-      </p:graphicFrame>
+      <p:sp>
+        <p:nvSpPr>
+          <p:cNvPr id="5" name="Marcador de contenido 2"/>
+          <p:cNvSpPr>
+            <a:spLocks noGrp="1"/>
+          </p:cNvSpPr>
+          <p:nvPr>
+            <p:ph idx="1"/>
+          </p:nvPr>
+        </p:nvSpPr>
+        <p:spPr>
+          <a:xfrm>
+            <a:off x="445514" y="1890133"/>
+            <a:ext cx="10656075" cy="4703850"/>
+          </a:xfrm>
+        </p:spPr>
+        <p:txBody>
+          <a:bodyPr>
+            <a:noAutofit/>
+          </a:bodyPr>
+          <a:lstStyle/>
+          <a:p>
+            <a:pPr marL="0" indent="0">
+              <a:buNone/>
+            </a:pPr>
+            <a:r>
+              <a:rPr lang="es-ES" sz="3200" dirty="0"/>
+              <a:t>El paciente puede registrar su enfermedad una vez ya registrado, puede ingresar sus diferentes síntomas. </a:t>
+            </a:r>
+            <a:endParaRPr lang="es-CO" sz="3200" dirty="0"/>
+          </a:p>
+          <a:p>
+            <a:r>
+              <a:rPr lang="es-ES" sz="3200" dirty="0"/>
+              <a:t>-	Alterno 1: El paciente debe haberse registrado antes de registrar una enfermedad.</a:t>
+            </a:r>
+            <a:endParaRPr lang="es-CO" sz="3200" dirty="0"/>
+          </a:p>
+          <a:p>
+            <a:r>
+              <a:rPr lang="es-ES" sz="3200" b="1" dirty="0"/>
+              <a:t>-	</a:t>
+            </a:r>
+            <a:r>
+              <a:rPr lang="es-ES" sz="3200" dirty="0"/>
+              <a:t>Alterno 2: El paciente tiene que ingresar su usuario y contraseña.</a:t>
+            </a:r>
+            <a:endParaRPr lang="es-CO" sz="3200" dirty="0"/>
+          </a:p>
+        </p:txBody>
+      </p:sp>
     </p:spTree>
     <p:extLst>
       <p:ext uri="{BB962C8B-B14F-4D97-AF65-F5344CB8AC3E}">
-        <p14:creationId xmlns:p14="http://schemas.microsoft.com/office/powerpoint/2010/main" val="2775986472"/>
+        <p14:creationId xmlns:p14="http://schemas.microsoft.com/office/powerpoint/2010/main" val="1307854915"/>
       </p:ext>
     </p:extLst>
   </p:cSld>
@@ -11953,22 +9412,58 @@
             <p:ph type="title"/>
           </p:nvPr>
         </p:nvSpPr>
-        <p:spPr/>
-        <p:txBody>
-          <a:bodyPr/>
+        <p:spPr>
+          <a:xfrm>
+            <a:off x="579549" y="188517"/>
+            <a:ext cx="9657942" cy="1320800"/>
+          </a:xfrm>
+        </p:spPr>
+        <p:txBody>
+          <a:bodyPr>
+            <a:normAutofit fontScale="90000"/>
+          </a:bodyPr>
           <a:lstStyle/>
           <a:p>
             <a:r>
+              <a:rPr lang="es-ES" b="1" dirty="0" smtClean="0"/>
+              <a:t>DISEÑO DEL SERVICIO DE TECNOLOGIAS DE INFORMACIÓN</a:t>
+            </a:r>
+            <a:br>
+              <a:rPr lang="es-ES" b="1" dirty="0" smtClean="0"/>
+            </a:br>
+            <a:r>
+              <a:rPr lang="es-ES" b="1" dirty="0" smtClean="0"/>
+              <a:t> </a:t>
+            </a:r>
+            <a:r>
               <a:rPr lang="es-ES" b="1" dirty="0"/>
-              <a:t>RESUMEN</a:t>
-            </a:r>
+              <a:t>  </a:t>
+            </a:r>
+            <a:r>
+              <a:rPr lang="es-ES" b="1" dirty="0"/>
+              <a:t>Caso de uso “Consultar tratamiento”</a:t>
+            </a:r>
+            <a:r>
+              <a:rPr lang="es-ES" dirty="0" smtClean="0"/>
+              <a:t/>
+            </a:r>
+            <a:br>
+              <a:rPr lang="es-ES" dirty="0" smtClean="0"/>
+            </a:br>
+            <a:r>
+              <a:rPr lang="es-CO" dirty="0" smtClean="0"/>
+              <a:t/>
+            </a:r>
+            <a:br>
+              <a:rPr lang="es-CO" dirty="0" smtClean="0"/>
+            </a:br>
             <a:endParaRPr lang="es-CO" dirty="0"/>
           </a:p>
         </p:txBody>
       </p:sp>
       <p:sp>
         <p:nvSpPr>
-          <p:cNvPr id="3" name="Marcador de contenido 2"/>
+          <p:cNvPr id="5" name="Marcador de contenido 2"/>
           <p:cNvSpPr>
             <a:spLocks noGrp="1"/>
           </p:cNvSpPr>
@@ -11976,16 +9471,49 @@
             <p:ph idx="1"/>
           </p:nvPr>
         </p:nvSpPr>
-        <p:spPr/>
+        <p:spPr>
+          <a:xfrm>
+            <a:off x="445514" y="1890133"/>
+            <a:ext cx="10656075" cy="4703850"/>
+          </a:xfrm>
+        </p:spPr>
         <p:txBody>
           <a:bodyPr>
             <a:noAutofit/>
           </a:bodyPr>
           <a:lstStyle/>
           <a:p>
-            <a:r>
-              <a:rPr lang="es-ES" sz="2800" i="1" dirty="0"/>
-              <a:t>Este artículo plantea un problema muy común en los hospitales específicamente en la atención de los usuarios y la demanda interminable por un servicio rápido y efectivo. El problema se  traslada inopinadamente a una solución en base a las tecnologías de información, donde se alinean los procesos de un hospital, las políticas y los objetivos en las tecnologías de información a la resolución del problema con pautas basadas en ITIL.</a:t>
+            <a:pPr marL="0" indent="0">
+              <a:buNone/>
+            </a:pPr>
+            <a:r>
+              <a:rPr lang="es-ES" sz="2800" dirty="0" smtClean="0"/>
+              <a:t>El </a:t>
+            </a:r>
+            <a:r>
+              <a:rPr lang="es-ES" sz="2800" dirty="0"/>
+              <a:t>paciente puede ver si algún médico le dejo un tratamiento a sus síntomas una vez registrada su enfermedad e ingresado su usuario y contraseña y elegir entre las diferentes opciones. </a:t>
+            </a:r>
+            <a:endParaRPr lang="es-CO" sz="2800" dirty="0"/>
+          </a:p>
+          <a:p>
+            <a:r>
+              <a:rPr lang="es-ES" sz="2800" dirty="0"/>
+              <a:t>-	Alterno 1: Seguir el tratamiento dado por el médico.</a:t>
+            </a:r>
+            <a:endParaRPr lang="es-CO" sz="2800" dirty="0"/>
+          </a:p>
+          <a:p>
+            <a:r>
+              <a:rPr lang="es-ES" sz="2800" dirty="0"/>
+              <a:t>-	Alterno 2: Rechazar el tratamiento escribiendo sus razones.</a:t>
+            </a:r>
+            <a:endParaRPr lang="es-CO" sz="2800" dirty="0"/>
+          </a:p>
+          <a:p>
+            <a:r>
+              <a:rPr lang="es-ES" sz="2800" dirty="0"/>
+              <a:t>-	Alterno 3: El paciente tiene que ingresar su usuario y contraseña.</a:t>
             </a:r>
             <a:endParaRPr lang="es-CO" sz="2800" dirty="0"/>
           </a:p>
@@ -11994,7 +9522,7 @@
     </p:spTree>
     <p:extLst>
       <p:ext uri="{BB962C8B-B14F-4D97-AF65-F5344CB8AC3E}">
-        <p14:creationId xmlns:p14="http://schemas.microsoft.com/office/powerpoint/2010/main" val="898445090"/>
+        <p14:creationId xmlns:p14="http://schemas.microsoft.com/office/powerpoint/2010/main" val="3002378766"/>
       </p:ext>
     </p:extLst>
   </p:cSld>
@@ -12038,22 +9566,79 @@
             <p:ph type="title"/>
           </p:nvPr>
         </p:nvSpPr>
-        <p:spPr/>
-        <p:txBody>
-          <a:bodyPr/>
+        <p:spPr>
+          <a:xfrm>
+            <a:off x="579549" y="188517"/>
+            <a:ext cx="9657942" cy="1320800"/>
+          </a:xfrm>
+        </p:spPr>
+        <p:txBody>
+          <a:bodyPr>
+            <a:normAutofit fontScale="90000"/>
+          </a:bodyPr>
           <a:lstStyle/>
           <a:p>
             <a:r>
+              <a:rPr lang="es-ES" b="1" dirty="0" smtClean="0"/>
+              <a:t>DISEÑO DEL SERVICIO DE TECNOLOGIAS DE INFORMACIÓN</a:t>
+            </a:r>
+            <a:br>
+              <a:rPr lang="es-ES" b="1" dirty="0" smtClean="0"/>
+            </a:br>
+            <a:r>
+              <a:rPr lang="es-ES" b="1" dirty="0" smtClean="0"/>
+              <a:t> </a:t>
+            </a:r>
+            <a:r>
               <a:rPr lang="es-ES" b="1" dirty="0"/>
-              <a:t>RESUMEN</a:t>
-            </a:r>
+              <a:t>  </a:t>
+            </a:r>
+            <a:r>
+              <a:rPr lang="es-ES" b="1" dirty="0"/>
+              <a:t>Caso de uso “Consultar Enfermos”</a:t>
+            </a:r>
+            <a:r>
+              <a:rPr lang="es-CO" dirty="0"/>
+              <a:t/>
+            </a:r>
+            <a:br>
+              <a:rPr lang="es-CO" dirty="0"/>
+            </a:br>
+            <a:r>
+              <a:rPr lang="es-CO" dirty="0"/>
+              <a:t/>
+            </a:r>
+            <a:br>
+              <a:rPr lang="es-CO" dirty="0"/>
+            </a:br>
+            <a:r>
+              <a:rPr lang="es-ES" dirty="0"/>
+              <a:t/>
+            </a:r>
+            <a:br>
+              <a:rPr lang="es-ES" dirty="0"/>
+            </a:br>
+            <a:r>
+              <a:rPr lang="es-ES" dirty="0" smtClean="0"/>
+              <a:t/>
+            </a:r>
+            <a:br>
+              <a:rPr lang="es-ES" dirty="0" smtClean="0"/>
+            </a:br>
+            <a:r>
+              <a:rPr lang="es-CO" dirty="0" smtClean="0"/>
+              <a:t/>
+            </a:r>
+            <a:br>
+              <a:rPr lang="es-CO" dirty="0" smtClean="0"/>
+            </a:br>
             <a:endParaRPr lang="es-CO" dirty="0"/>
           </a:p>
         </p:txBody>
       </p:sp>
       <p:sp>
         <p:nvSpPr>
-          <p:cNvPr id="3" name="Marcador de contenido 2"/>
+          <p:cNvPr id="5" name="Marcador de contenido 2"/>
           <p:cNvSpPr>
             <a:spLocks noGrp="1"/>
           </p:cNvSpPr>
@@ -12061,25 +9646,65 @@
             <p:ph idx="1"/>
           </p:nvPr>
         </p:nvSpPr>
-        <p:spPr/>
+        <p:spPr>
+          <a:xfrm>
+            <a:off x="579549" y="1645434"/>
+            <a:ext cx="10836379" cy="4909912"/>
+          </a:xfrm>
+        </p:spPr>
         <p:txBody>
           <a:bodyPr>
             <a:noAutofit/>
           </a:bodyPr>
           <a:lstStyle/>
           <a:p>
-            <a:r>
-              <a:rPr lang="es-ES" sz="2800" i="1" dirty="0"/>
-              <a:t>Este artículo plantea un problema muy común en los hospitales específicamente en la atención de los usuarios y la demanda interminable por un servicio rápido y efectivo. El problema se  traslada inopinadamente a una solución en base a las tecnologías de información, donde se alinean los procesos de un hospital, las políticas y los objetivos en las tecnologías de información a la resolución del problema con pautas basadas en ITIL.</a:t>
-            </a:r>
-            <a:endParaRPr lang="es-CO" sz="2800" dirty="0"/>
+            <a:pPr marL="0" indent="0">
+              <a:buNone/>
+            </a:pPr>
+            <a:r>
+              <a:rPr lang="es-ES" sz="2400" dirty="0"/>
+              <a:t>El médico actor en los casos de usos del software puede consultar los diferentes pacientes teniendo en cuenta que se le debe ser dada la clave y usuario para ingresar al programa como médico donde puede realizar las actividades de medicar o simplemente revisar.</a:t>
+            </a:r>
+            <a:endParaRPr lang="es-CO" sz="2400" dirty="0"/>
+          </a:p>
+          <a:p>
+            <a:r>
+              <a:rPr lang="es-ES" sz="2400" dirty="0"/>
+              <a:t>-	Alterno 1: El medico tiene la posibilidad de dar un tratamiento o simplemente revisar los síntomas del paciente que quiera.</a:t>
+            </a:r>
+            <a:endParaRPr lang="es-CO" sz="2400" dirty="0"/>
+          </a:p>
+          <a:p>
+            <a:r>
+              <a:rPr lang="es-ES" sz="2400" dirty="0"/>
+              <a:t>-	Alterno 2: El medico puede dar un tratamiento ya existente o crear uno nuevo para el caso según los síntomas.</a:t>
+            </a:r>
+            <a:endParaRPr lang="es-CO" sz="2400" dirty="0"/>
+          </a:p>
+          <a:p>
+            <a:r>
+              <a:rPr lang="es-ES" sz="2400" dirty="0"/>
+              <a:t>-	Alterno 3: El medico tiene la opción de escribir en el historial de un paciente.</a:t>
+            </a:r>
+            <a:endParaRPr lang="es-CO" sz="2400" dirty="0"/>
+          </a:p>
+          <a:p>
+            <a:r>
+              <a:rPr lang="es-ES" sz="2400" dirty="0"/>
+              <a:t>-	Alterno 4: El medio debe ingresar el usuario y clave que le corresponde</a:t>
+            </a:r>
+            <a:r>
+              <a:rPr lang="es-ES" sz="2400" dirty="0" smtClean="0"/>
+              <a:t>.</a:t>
+            </a:r>
+            <a:endParaRPr lang="es-CO" sz="2400" dirty="0"/>
           </a:p>
         </p:txBody>
       </p:sp>
     </p:spTree>
     <p:extLst>
       <p:ext uri="{BB962C8B-B14F-4D97-AF65-F5344CB8AC3E}">
-        <p14:creationId xmlns:p14="http://schemas.microsoft.com/office/powerpoint/2010/main" val="2882640048"/>
+        <p14:creationId xmlns:p14="http://schemas.microsoft.com/office/powerpoint/2010/main" val="3881952313"/>
       </p:ext>
     </p:extLst>
   </p:cSld>
@@ -12123,16 +9748,328 @@
             <p:ph type="title"/>
           </p:nvPr>
         </p:nvSpPr>
+        <p:spPr>
+          <a:xfrm>
+            <a:off x="509908" y="124123"/>
+            <a:ext cx="9657942" cy="1320800"/>
+          </a:xfrm>
+        </p:spPr>
+        <p:txBody>
+          <a:bodyPr>
+            <a:normAutofit fontScale="90000"/>
+          </a:bodyPr>
+          <a:lstStyle/>
+          <a:p>
+            <a:r>
+              <a:rPr lang="es-ES" b="1" dirty="0" smtClean="0"/>
+              <a:t>DISEÑO DEL SERVICIO DE TECNOLOGIAS DE INFORMACIÓN</a:t>
+            </a:r>
+            <a:br>
+              <a:rPr lang="es-ES" b="1" dirty="0" smtClean="0"/>
+            </a:br>
+            <a:r>
+              <a:rPr lang="es-ES" b="1" dirty="0" smtClean="0"/>
+              <a:t> </a:t>
+            </a:r>
+            <a:r>
+              <a:rPr lang="es-ES" b="1" dirty="0"/>
+              <a:t>  </a:t>
+            </a:r>
+            <a:r>
+              <a:rPr lang="es-ES" b="1" dirty="0" smtClean="0"/>
+              <a:t>Diagrama de Casos de Uso</a:t>
+            </a:r>
+            <a:r>
+              <a:rPr lang="es-ES" dirty="0"/>
+              <a:t/>
+            </a:r>
+            <a:br>
+              <a:rPr lang="es-ES" dirty="0"/>
+            </a:br>
+            <a:r>
+              <a:rPr lang="es-ES" dirty="0" smtClean="0"/>
+              <a:t/>
+            </a:r>
+            <a:br>
+              <a:rPr lang="es-ES" dirty="0" smtClean="0"/>
+            </a:br>
+            <a:r>
+              <a:rPr lang="es-CO" dirty="0" smtClean="0"/>
+              <a:t/>
+            </a:r>
+            <a:br>
+              <a:rPr lang="es-CO" dirty="0" smtClean="0"/>
+            </a:br>
+            <a:endParaRPr lang="es-CO" dirty="0"/>
+          </a:p>
+        </p:txBody>
+      </p:sp>
+      <p:pic>
+        <p:nvPicPr>
+          <p:cNvPr id="2052" name="Image1" descr="C:\Users\NewLife\Desktop\Use Case Diagram1.jpg"/>
+          <p:cNvPicPr>
+            <a:picLocks noChangeAspect="1" noChangeArrowheads="1"/>
+          </p:cNvPicPr>
+          <p:nvPr/>
+        </p:nvPicPr>
+        <p:blipFill>
+          <a:blip r:embed="rId2">
+            <a:extLst>
+              <a:ext uri="{28A0092B-C50C-407E-A947-70E740481C1C}">
+                <a14:useLocalDpi xmlns:a14="http://schemas.microsoft.com/office/drawing/2010/main" val="0"/>
+              </a:ext>
+            </a:extLst>
+          </a:blip>
+          <a:srcRect/>
+          <a:stretch>
+            <a:fillRect/>
+          </a:stretch>
+        </p:blipFill>
+        <p:spPr bwMode="auto">
+          <a:xfrm>
+            <a:off x="1034712" y="1846441"/>
+            <a:ext cx="9435812" cy="4850573"/>
+          </a:xfrm>
+          <a:prstGeom prst="rect">
+            <a:avLst/>
+          </a:prstGeom>
+          <a:noFill/>
+          <a:ln>
+            <a:noFill/>
+          </a:ln>
+          <a:extLst>
+            <a:ext uri="{909E8E84-426E-40DD-AFC4-6F175D3DCCD1}">
+              <a14:hiddenFill xmlns:a14="http://schemas.microsoft.com/office/drawing/2010/main">
+                <a:solidFill>
+                  <a:srgbClr val="FFFFFF"/>
+                </a:solidFill>
+              </a14:hiddenFill>
+            </a:ext>
+            <a:ext uri="{91240B29-F687-4F45-9708-019B960494DF}">
+              <a14:hiddenLine xmlns:a14="http://schemas.microsoft.com/office/drawing/2010/main" w="9525">
+                <a:solidFill>
+                  <a:srgbClr val="000000"/>
+                </a:solidFill>
+                <a:miter lim="800000"/>
+                <a:headEnd/>
+                <a:tailEnd/>
+              </a14:hiddenLine>
+            </a:ext>
+          </a:extLst>
+        </p:spPr>
+      </p:pic>
+    </p:spTree>
+    <p:extLst>
+      <p:ext uri="{BB962C8B-B14F-4D97-AF65-F5344CB8AC3E}">
+        <p14:creationId xmlns:p14="http://schemas.microsoft.com/office/powerpoint/2010/main" val="315713375"/>
+      </p:ext>
+    </p:extLst>
+  </p:cSld>
+  <p:clrMapOvr>
+    <a:masterClrMapping/>
+  </p:clrMapOvr>
+  <p:timing>
+    <p:tnLst>
+      <p:par>
+        <p:cTn id="1" dur="indefinite" restart="never" nodeType="tmRoot"/>
+      </p:par>
+    </p:tnLst>
+  </p:timing>
+</p:sld>
+</file>
+
+<file path=ppt/slides/slide24.xml><?xml version="1.0" encoding="utf-8"?>
+<p:sld xmlns:a="http://schemas.openxmlformats.org/drawingml/2006/main" xmlns:r="http://schemas.openxmlformats.org/officeDocument/2006/relationships" xmlns:p="http://schemas.openxmlformats.org/presentationml/2006/main">
+  <p:cSld>
+    <p:spTree>
+      <p:nvGrpSpPr>
+        <p:cNvPr id="1" name=""/>
+        <p:cNvGrpSpPr/>
+        <p:nvPr/>
+      </p:nvGrpSpPr>
+      <p:grpSpPr>
+        <a:xfrm>
+          <a:off x="0" y="0"/>
+          <a:ext cx="0" cy="0"/>
+          <a:chOff x="0" y="0"/>
+          <a:chExt cx="0" cy="0"/>
+        </a:xfrm>
+      </p:grpSpPr>
+      <p:sp>
+        <p:nvSpPr>
+          <p:cNvPr id="2" name="Título 1"/>
+          <p:cNvSpPr>
+            <a:spLocks noGrp="1"/>
+          </p:cNvSpPr>
+          <p:nvPr>
+            <p:ph type="title"/>
+          </p:nvPr>
+        </p:nvSpPr>
+        <p:spPr>
+          <a:xfrm>
+            <a:off x="218941" y="124123"/>
+            <a:ext cx="10728101" cy="1320800"/>
+          </a:xfrm>
+        </p:spPr>
+        <p:txBody>
+          <a:bodyPr>
+            <a:normAutofit fontScale="90000"/>
+          </a:bodyPr>
+          <a:lstStyle/>
+          <a:p>
+            <a:r>
+              <a:rPr lang="es-ES" b="1" dirty="0" smtClean="0"/>
+              <a:t>DISEÑO DEL SERVICIO DE TECNOLOGIAS DE INFORMACIÓN</a:t>
+            </a:r>
+            <a:br>
+              <a:rPr lang="es-ES" b="1" dirty="0" smtClean="0"/>
+            </a:br>
+            <a:r>
+              <a:rPr lang="es-ES" b="1" dirty="0" smtClean="0"/>
+              <a:t> </a:t>
+            </a:r>
+            <a:r>
+              <a:rPr lang="es-ES" b="1" dirty="0" smtClean="0"/>
+              <a:t>Diagrama </a:t>
+            </a:r>
+            <a:r>
+              <a:rPr lang="es-ES" b="1" dirty="0"/>
+              <a:t>de Clases del Sistema de Software Médico</a:t>
+            </a:r>
+            <a:r>
+              <a:rPr lang="es-ES" dirty="0" smtClean="0"/>
+              <a:t/>
+            </a:r>
+            <a:br>
+              <a:rPr lang="es-ES" dirty="0" smtClean="0"/>
+            </a:br>
+            <a:r>
+              <a:rPr lang="es-CO" dirty="0" smtClean="0"/>
+              <a:t/>
+            </a:r>
+            <a:br>
+              <a:rPr lang="es-CO" dirty="0" smtClean="0"/>
+            </a:br>
+            <a:r>
+              <a:rPr lang="es-CO" dirty="0" smtClean="0"/>
+              <a:t>	</a:t>
+            </a:r>
+            <a:endParaRPr lang="es-CO" dirty="0"/>
+          </a:p>
+        </p:txBody>
+      </p:sp>
+      <p:pic>
+        <p:nvPicPr>
+          <p:cNvPr id="3076" name="Picture 4" descr="ASDASD"/>
+          <p:cNvPicPr>
+            <a:picLocks noChangeAspect="1" noChangeArrowheads="1"/>
+          </p:cNvPicPr>
+          <p:nvPr/>
+        </p:nvPicPr>
+        <p:blipFill>
+          <a:blip r:embed="rId2">
+            <a:extLst>
+              <a:ext uri="{28A0092B-C50C-407E-A947-70E740481C1C}">
+                <a14:useLocalDpi xmlns:a14="http://schemas.microsoft.com/office/drawing/2010/main" val="0"/>
+              </a:ext>
+            </a:extLst>
+          </a:blip>
+          <a:srcRect/>
+          <a:stretch>
+            <a:fillRect/>
+          </a:stretch>
+        </p:blipFill>
+        <p:spPr bwMode="auto">
+          <a:xfrm>
+            <a:off x="1730532" y="1716065"/>
+            <a:ext cx="7928623" cy="4982921"/>
+          </a:xfrm>
+          <a:prstGeom prst="rect">
+            <a:avLst/>
+          </a:prstGeom>
+          <a:noFill/>
+          <a:ln>
+            <a:noFill/>
+          </a:ln>
+          <a:extLst>
+            <a:ext uri="{909E8E84-426E-40DD-AFC4-6F175D3DCCD1}">
+              <a14:hiddenFill xmlns:a14="http://schemas.microsoft.com/office/drawing/2010/main">
+                <a:solidFill>
+                  <a:srgbClr val="FFFFFF"/>
+                </a:solidFill>
+              </a14:hiddenFill>
+            </a:ext>
+            <a:ext uri="{91240B29-F687-4F45-9708-019B960494DF}">
+              <a14:hiddenLine xmlns:a14="http://schemas.microsoft.com/office/drawing/2010/main" w="9525">
+                <a:solidFill>
+                  <a:srgbClr val="000000"/>
+                </a:solidFill>
+                <a:miter lim="800000"/>
+                <a:headEnd/>
+                <a:tailEnd/>
+              </a14:hiddenLine>
+            </a:ext>
+          </a:extLst>
+        </p:spPr>
+      </p:pic>
+    </p:spTree>
+    <p:extLst>
+      <p:ext uri="{BB962C8B-B14F-4D97-AF65-F5344CB8AC3E}">
+        <p14:creationId xmlns:p14="http://schemas.microsoft.com/office/powerpoint/2010/main" val="545320714"/>
+      </p:ext>
+    </p:extLst>
+  </p:cSld>
+  <p:clrMapOvr>
+    <a:masterClrMapping/>
+  </p:clrMapOvr>
+  <p:timing>
+    <p:tnLst>
+      <p:par>
+        <p:cTn id="1" dur="indefinite" restart="never" nodeType="tmRoot"/>
+      </p:par>
+    </p:tnLst>
+  </p:timing>
+</p:sld>
+</file>
+
+<file path=ppt/slides/slide25.xml><?xml version="1.0" encoding="utf-8"?>
+<p:sld xmlns:a="http://schemas.openxmlformats.org/drawingml/2006/main" xmlns:r="http://schemas.openxmlformats.org/officeDocument/2006/relationships" xmlns:p="http://schemas.openxmlformats.org/presentationml/2006/main">
+  <p:cSld>
+    <p:spTree>
+      <p:nvGrpSpPr>
+        <p:cNvPr id="1" name=""/>
+        <p:cNvGrpSpPr/>
+        <p:nvPr/>
+      </p:nvGrpSpPr>
+      <p:grpSpPr>
+        <a:xfrm>
+          <a:off x="0" y="0"/>
+          <a:ext cx="0" cy="0"/>
+          <a:chOff x="0" y="0"/>
+          <a:chExt cx="0" cy="0"/>
+        </a:xfrm>
+      </p:grpSpPr>
+      <p:sp>
+        <p:nvSpPr>
+          <p:cNvPr id="2" name="Título 1"/>
+          <p:cNvSpPr>
+            <a:spLocks noGrp="1"/>
+          </p:cNvSpPr>
+          <p:nvPr>
+            <p:ph type="title"/>
+          </p:nvPr>
+        </p:nvSpPr>
         <p:spPr/>
         <p:txBody>
           <a:bodyPr/>
           <a:lstStyle/>
           <a:p>
+            <a:pPr lvl="0"/>
             <a:r>
               <a:rPr lang="es-ES" b="1" dirty="0"/>
-              <a:t>RESUMEN</a:t>
-            </a:r>
-            <a:endParaRPr lang="es-CO" dirty="0"/>
+              <a:t>ESTRATEGIAS DE IMPLEMENTACIÓN</a:t>
+            </a:r>
+            <a:endParaRPr lang="es-CO" b="1" dirty="0"/>
           </a:p>
         </p:txBody>
       </p:sp>
@@ -12153,10 +10090,27 @@
           </a:bodyPr>
           <a:lstStyle/>
           <a:p>
-            <a:r>
-              <a:rPr lang="es-ES" sz="2800" i="1" dirty="0"/>
-              <a:t>Este artículo plantea un problema muy común en los hospitales específicamente en la atención de los usuarios y la demanda interminable por un servicio rápido y efectivo. El problema se  traslada inopinadamente a una solución en base a las tecnologías de información, donde se alinean los procesos de un hospital, las políticas y los objetivos en las tecnologías de información a la resolución del problema con pautas basadas en ITIL.</a:t>
-            </a:r>
+            <a:pPr marL="0" indent="0">
+              <a:buNone/>
+            </a:pPr>
+            <a:r>
+              <a:rPr lang="es-ES" sz="2800" dirty="0"/>
+              <a:t>La implementación del diseño se realizara con ayuda de servicios de </a:t>
+            </a:r>
+            <a:r>
+              <a:rPr lang="es-ES" sz="2800" dirty="0" err="1"/>
+              <a:t>outsourcing</a:t>
+            </a:r>
+            <a:r>
+              <a:rPr lang="es-ES" sz="2800" dirty="0"/>
+              <a:t> ya que no es parte de las reglas del negocio de un hospital desarrollar software y debido a la complejidad de un desarrollo de software es viable dejar la implementación a una entidad experta externa a la organización.</a:t>
+            </a:r>
+            <a:endParaRPr lang="es-CO" sz="2800" dirty="0"/>
+          </a:p>
+          <a:p>
+            <a:pPr marL="0" indent="0">
+              <a:buNone/>
+            </a:pPr>
             <a:endParaRPr lang="es-CO" sz="2800" dirty="0"/>
           </a:p>
         </p:txBody>
@@ -12164,7 +10118,643 @@
     </p:spTree>
     <p:extLst>
       <p:ext uri="{BB962C8B-B14F-4D97-AF65-F5344CB8AC3E}">
-        <p14:creationId xmlns:p14="http://schemas.microsoft.com/office/powerpoint/2010/main" val="2425133430"/>
+        <p14:creationId xmlns:p14="http://schemas.microsoft.com/office/powerpoint/2010/main" val="898445090"/>
+      </p:ext>
+    </p:extLst>
+  </p:cSld>
+  <p:clrMapOvr>
+    <a:masterClrMapping/>
+  </p:clrMapOvr>
+  <p:timing>
+    <p:tnLst>
+      <p:par>
+        <p:cTn id="1" dur="indefinite" restart="never" nodeType="tmRoot"/>
+      </p:par>
+    </p:tnLst>
+  </p:timing>
+</p:sld>
+</file>
+
+<file path=ppt/slides/slide26.xml><?xml version="1.0" encoding="utf-8"?>
+<p:sld xmlns:a="http://schemas.openxmlformats.org/drawingml/2006/main" xmlns:r="http://schemas.openxmlformats.org/officeDocument/2006/relationships" xmlns:p="http://schemas.openxmlformats.org/presentationml/2006/main">
+  <p:cSld>
+    <p:spTree>
+      <p:nvGrpSpPr>
+        <p:cNvPr id="1" name=""/>
+        <p:cNvGrpSpPr/>
+        <p:nvPr/>
+      </p:nvGrpSpPr>
+      <p:grpSpPr>
+        <a:xfrm>
+          <a:off x="0" y="0"/>
+          <a:ext cx="0" cy="0"/>
+          <a:chOff x="0" y="0"/>
+          <a:chExt cx="0" cy="0"/>
+        </a:xfrm>
+      </p:grpSpPr>
+      <p:sp>
+        <p:nvSpPr>
+          <p:cNvPr id="2" name="Título 1"/>
+          <p:cNvSpPr>
+            <a:spLocks noGrp="1"/>
+          </p:cNvSpPr>
+          <p:nvPr>
+            <p:ph type="title"/>
+          </p:nvPr>
+        </p:nvSpPr>
+        <p:spPr>
+          <a:xfrm>
+            <a:off x="741729" y="118572"/>
+            <a:ext cx="8596668" cy="1320800"/>
+          </a:xfrm>
+        </p:spPr>
+        <p:txBody>
+          <a:bodyPr>
+            <a:normAutofit fontScale="90000"/>
+          </a:bodyPr>
+          <a:lstStyle/>
+          <a:p>
+            <a:r>
+              <a:rPr lang="es-ES" b="1" dirty="0" smtClean="0"/>
+              <a:t>ESTRATEGIAS </a:t>
+            </a:r>
+            <a:r>
+              <a:rPr lang="es-ES" b="1" dirty="0"/>
+              <a:t>DE </a:t>
+            </a:r>
+            <a:r>
+              <a:rPr lang="es-ES" b="1" dirty="0" smtClean="0"/>
+              <a:t>IMPLEMENTACIÓN</a:t>
+            </a:r>
+            <a:br>
+              <a:rPr lang="es-ES" b="1" dirty="0" smtClean="0"/>
+            </a:br>
+            <a:r>
+              <a:rPr lang="es-ES" dirty="0" smtClean="0"/>
+              <a:t>Participación ITIL</a:t>
+            </a:r>
+            <a:r>
+              <a:rPr lang="es-CO" dirty="0"/>
+              <a:t/>
+            </a:r>
+            <a:br>
+              <a:rPr lang="es-CO" dirty="0"/>
+            </a:br>
+            <a:endParaRPr lang="es-CO" b="1" dirty="0"/>
+          </a:p>
+        </p:txBody>
+      </p:sp>
+      <p:sp>
+        <p:nvSpPr>
+          <p:cNvPr id="3" name="Marcador de contenido 2"/>
+          <p:cNvSpPr>
+            <a:spLocks noGrp="1"/>
+          </p:cNvSpPr>
+          <p:nvPr>
+            <p:ph idx="1"/>
+          </p:nvPr>
+        </p:nvSpPr>
+        <p:spPr>
+          <a:xfrm>
+            <a:off x="445514" y="1233310"/>
+            <a:ext cx="9934858" cy="3880773"/>
+          </a:xfrm>
+        </p:spPr>
+        <p:txBody>
+          <a:bodyPr>
+            <a:noAutofit/>
+          </a:bodyPr>
+          <a:lstStyle/>
+          <a:p>
+            <a:r>
+              <a:rPr lang="es-ES" sz="2400" dirty="0"/>
+              <a:t>-ITIL se convierte en el “lenguaje común” en el que explicar las capacidades y las actividades, sobre todo con su estandarización en la ISO 20.000.</a:t>
+            </a:r>
+            <a:endParaRPr lang="es-CO" sz="2400" dirty="0"/>
+          </a:p>
+          <a:p>
+            <a:pPr marL="0" indent="0">
+              <a:buNone/>
+            </a:pPr>
+            <a:endParaRPr lang="es-CO" sz="2400" dirty="0"/>
+          </a:p>
+          <a:p>
+            <a:r>
+              <a:rPr lang="es-ES" sz="2400" dirty="0"/>
+              <a:t>-Como conjunto de “Buenas Prácticas” se convierte en referencia, enlaza y da sentido a actividades que se pueden considerar disjuntas, engloba bajo una visión el ejercicio de la gestión de los sistemas de información y establece un marco de mejora amplio que trasciende </a:t>
+            </a:r>
+            <a:r>
+              <a:rPr lang="es-ES" sz="2400" dirty="0" smtClean="0"/>
+              <a:t>la</a:t>
+            </a:r>
+            <a:r>
+              <a:rPr lang="es-CO" sz="2400" dirty="0"/>
+              <a:t> </a:t>
+            </a:r>
+            <a:r>
+              <a:rPr lang="es-ES" sz="2400" dirty="0" smtClean="0"/>
+              <a:t>Tecnología</a:t>
+            </a:r>
+            <a:r>
+              <a:rPr lang="es-ES" sz="2400" dirty="0"/>
+              <a:t>.</a:t>
+            </a:r>
+            <a:endParaRPr lang="es-CO" sz="2400" dirty="0"/>
+          </a:p>
+          <a:p>
+            <a:pPr marL="0" indent="0">
+              <a:buNone/>
+            </a:pPr>
+            <a:endParaRPr lang="es-CO" sz="2400" dirty="0"/>
+          </a:p>
+          <a:p>
+            <a:r>
+              <a:rPr lang="es-ES" sz="2400" dirty="0"/>
+              <a:t>- ITIL se coloca en el corazón de la gestión de las tecnologías de la información, el mensaje se difunde y llega a clientes, proveedores, técnicos; en general llega a todos los “practicantes” de gestión de IT.</a:t>
+            </a:r>
+            <a:endParaRPr lang="es-CO" sz="2400" dirty="0"/>
+          </a:p>
+          <a:p>
+            <a:pPr marL="0" indent="0">
+              <a:buNone/>
+            </a:pPr>
+            <a:endParaRPr lang="es-CO" sz="2400" dirty="0"/>
+          </a:p>
+        </p:txBody>
+      </p:sp>
+    </p:spTree>
+    <p:extLst>
+      <p:ext uri="{BB962C8B-B14F-4D97-AF65-F5344CB8AC3E}">
+        <p14:creationId xmlns:p14="http://schemas.microsoft.com/office/powerpoint/2010/main" val="2868319273"/>
+      </p:ext>
+    </p:extLst>
+  </p:cSld>
+  <p:clrMapOvr>
+    <a:masterClrMapping/>
+  </p:clrMapOvr>
+  <p:timing>
+    <p:tnLst>
+      <p:par>
+        <p:cTn id="1" dur="indefinite" restart="never" nodeType="tmRoot"/>
+      </p:par>
+    </p:tnLst>
+  </p:timing>
+</p:sld>
+</file>
+
+<file path=ppt/slides/slide27.xml><?xml version="1.0" encoding="utf-8"?>
+<p:sld xmlns:a="http://schemas.openxmlformats.org/drawingml/2006/main" xmlns:r="http://schemas.openxmlformats.org/officeDocument/2006/relationships" xmlns:p="http://schemas.openxmlformats.org/presentationml/2006/main">
+  <p:cSld>
+    <p:spTree>
+      <p:nvGrpSpPr>
+        <p:cNvPr id="1" name=""/>
+        <p:cNvGrpSpPr/>
+        <p:nvPr/>
+      </p:nvGrpSpPr>
+      <p:grpSpPr>
+        <a:xfrm>
+          <a:off x="0" y="0"/>
+          <a:ext cx="0" cy="0"/>
+          <a:chOff x="0" y="0"/>
+          <a:chExt cx="0" cy="0"/>
+        </a:xfrm>
+      </p:grpSpPr>
+      <p:sp>
+        <p:nvSpPr>
+          <p:cNvPr id="2" name="Título 1"/>
+          <p:cNvSpPr>
+            <a:spLocks noGrp="1"/>
+          </p:cNvSpPr>
+          <p:nvPr>
+            <p:ph type="title"/>
+          </p:nvPr>
+        </p:nvSpPr>
+        <p:spPr>
+          <a:xfrm>
+            <a:off x="741729" y="118572"/>
+            <a:ext cx="8596668" cy="1320800"/>
+          </a:xfrm>
+        </p:spPr>
+        <p:txBody>
+          <a:bodyPr>
+            <a:normAutofit fontScale="90000"/>
+          </a:bodyPr>
+          <a:lstStyle/>
+          <a:p>
+            <a:r>
+              <a:rPr lang="es-ES" b="1" dirty="0" smtClean="0"/>
+              <a:t>ESTRATEGIAS </a:t>
+            </a:r>
+            <a:r>
+              <a:rPr lang="es-ES" b="1" dirty="0"/>
+              <a:t>DE </a:t>
+            </a:r>
+            <a:r>
+              <a:rPr lang="es-ES" b="1" dirty="0" smtClean="0"/>
+              <a:t>IMPLEMENTACIÓN</a:t>
+            </a:r>
+            <a:br>
+              <a:rPr lang="es-ES" b="1" dirty="0" smtClean="0"/>
+            </a:br>
+            <a:r>
+              <a:rPr lang="es-ES" dirty="0" smtClean="0"/>
+              <a:t>Participación ITIL</a:t>
+            </a:r>
+            <a:r>
+              <a:rPr lang="es-CO" dirty="0"/>
+              <a:t/>
+            </a:r>
+            <a:br>
+              <a:rPr lang="es-CO" dirty="0"/>
+            </a:br>
+            <a:endParaRPr lang="es-CO" b="1" dirty="0"/>
+          </a:p>
+        </p:txBody>
+      </p:sp>
+      <p:sp>
+        <p:nvSpPr>
+          <p:cNvPr id="3" name="Marcador de contenido 2"/>
+          <p:cNvSpPr>
+            <a:spLocks noGrp="1"/>
+          </p:cNvSpPr>
+          <p:nvPr>
+            <p:ph idx="1"/>
+          </p:nvPr>
+        </p:nvSpPr>
+        <p:spPr>
+          <a:xfrm>
+            <a:off x="406877" y="1439372"/>
+            <a:ext cx="9934858" cy="4768245"/>
+          </a:xfrm>
+        </p:spPr>
+        <p:txBody>
+          <a:bodyPr>
+            <a:noAutofit/>
+          </a:bodyPr>
+          <a:lstStyle/>
+          <a:p>
+            <a:r>
+              <a:rPr lang="es-ES" sz="2400" dirty="0" smtClean="0"/>
+              <a:t>ITIL </a:t>
+            </a:r>
+            <a:r>
+              <a:rPr lang="es-ES" sz="2400" dirty="0"/>
+              <a:t>es el interfaz de servicio que el área de gestión de información debe ofrecer al negocio, o a los clientes.</a:t>
+            </a:r>
+            <a:endParaRPr lang="es-CO" sz="2400" dirty="0"/>
+          </a:p>
+          <a:p>
+            <a:pPr marL="0" indent="0">
+              <a:buNone/>
+            </a:pPr>
+            <a:endParaRPr lang="es-CO" sz="2400" dirty="0"/>
+          </a:p>
+          <a:p>
+            <a:r>
+              <a:rPr lang="es-ES" sz="2400" dirty="0" smtClean="0"/>
+              <a:t>Todas </a:t>
+            </a:r>
+            <a:r>
+              <a:rPr lang="es-ES" sz="2400" dirty="0"/>
+              <a:t>las actividades que se pueden llegar a hacer están analizadas y se propone la mejor solución, son “patrones” de soluciones a problemas. No hay que enumerarlos otra vez.</a:t>
+            </a:r>
+            <a:endParaRPr lang="es-CO" sz="2400" dirty="0"/>
+          </a:p>
+          <a:p>
+            <a:endParaRPr lang="es-CO" sz="2400" dirty="0"/>
+          </a:p>
+          <a:p>
+            <a:r>
+              <a:rPr lang="es-ES" sz="2400" dirty="0" smtClean="0"/>
+              <a:t>ITIL </a:t>
+            </a:r>
+            <a:r>
+              <a:rPr lang="es-ES" sz="2400" dirty="0"/>
+              <a:t>nos permite asegurar que la salida hacia el cliente de nuestra actividad, de nuestros procesos, cubre las necesidades de su gestión de información, incluso las que no conoce. </a:t>
+            </a:r>
+            <a:endParaRPr lang="es-CO" sz="2400" dirty="0"/>
+          </a:p>
+          <a:p>
+            <a:pPr marL="0" indent="0">
+              <a:buNone/>
+            </a:pPr>
+            <a:endParaRPr lang="es-CO" sz="2400" dirty="0"/>
+          </a:p>
+        </p:txBody>
+      </p:sp>
+    </p:spTree>
+    <p:extLst>
+      <p:ext uri="{BB962C8B-B14F-4D97-AF65-F5344CB8AC3E}">
+        <p14:creationId xmlns:p14="http://schemas.microsoft.com/office/powerpoint/2010/main" val="1115071437"/>
+      </p:ext>
+    </p:extLst>
+  </p:cSld>
+  <p:clrMapOvr>
+    <a:masterClrMapping/>
+  </p:clrMapOvr>
+  <p:timing>
+    <p:tnLst>
+      <p:par>
+        <p:cTn id="1" dur="indefinite" restart="never" nodeType="tmRoot"/>
+      </p:par>
+    </p:tnLst>
+  </p:timing>
+</p:sld>
+</file>
+
+<file path=ppt/slides/slide28.xml><?xml version="1.0" encoding="utf-8"?>
+<p:sld xmlns:a="http://schemas.openxmlformats.org/drawingml/2006/main" xmlns:r="http://schemas.openxmlformats.org/officeDocument/2006/relationships" xmlns:p="http://schemas.openxmlformats.org/presentationml/2006/main">
+  <p:cSld>
+    <p:spTree>
+      <p:nvGrpSpPr>
+        <p:cNvPr id="1" name=""/>
+        <p:cNvGrpSpPr/>
+        <p:nvPr/>
+      </p:nvGrpSpPr>
+      <p:grpSpPr>
+        <a:xfrm>
+          <a:off x="0" y="0"/>
+          <a:ext cx="0" cy="0"/>
+          <a:chOff x="0" y="0"/>
+          <a:chExt cx="0" cy="0"/>
+        </a:xfrm>
+      </p:grpSpPr>
+      <p:sp>
+        <p:nvSpPr>
+          <p:cNvPr id="2" name="Título 1"/>
+          <p:cNvSpPr>
+            <a:spLocks noGrp="1"/>
+          </p:cNvSpPr>
+          <p:nvPr>
+            <p:ph type="title"/>
+          </p:nvPr>
+        </p:nvSpPr>
+        <p:spPr>
+          <a:xfrm>
+            <a:off x="741729" y="118572"/>
+            <a:ext cx="8596668" cy="1320800"/>
+          </a:xfrm>
+        </p:spPr>
+        <p:txBody>
+          <a:bodyPr>
+            <a:normAutofit fontScale="90000"/>
+          </a:bodyPr>
+          <a:lstStyle/>
+          <a:p>
+            <a:r>
+              <a:rPr lang="es-ES" b="1" dirty="0" smtClean="0"/>
+              <a:t>ESTRATEGIAS </a:t>
+            </a:r>
+            <a:r>
+              <a:rPr lang="es-ES" b="1" dirty="0"/>
+              <a:t>DE </a:t>
+            </a:r>
+            <a:r>
+              <a:rPr lang="es-ES" b="1" dirty="0" smtClean="0"/>
+              <a:t>IMPLEMENTACIÓN</a:t>
+            </a:r>
+            <a:br>
+              <a:rPr lang="es-ES" b="1" dirty="0" smtClean="0"/>
+            </a:br>
+            <a:r>
+              <a:rPr lang="es-ES" dirty="0"/>
+              <a:t>Para cumplir con las anteriores pautas el hospital debe cumplir con los siguientes requisitos:</a:t>
+            </a:r>
+            <a:r>
+              <a:rPr lang="es-CO" dirty="0"/>
+              <a:t/>
+            </a:r>
+            <a:br>
+              <a:rPr lang="es-CO" dirty="0"/>
+            </a:br>
+            <a:r>
+              <a:rPr lang="es-CO" dirty="0"/>
+              <a:t/>
+            </a:r>
+            <a:br>
+              <a:rPr lang="es-CO" dirty="0"/>
+            </a:br>
+            <a:endParaRPr lang="es-CO" b="1" dirty="0"/>
+          </a:p>
+        </p:txBody>
+      </p:sp>
+      <p:sp>
+        <p:nvSpPr>
+          <p:cNvPr id="3" name="Marcador de contenido 2"/>
+          <p:cNvSpPr>
+            <a:spLocks noGrp="1"/>
+          </p:cNvSpPr>
+          <p:nvPr>
+            <p:ph idx="1"/>
+          </p:nvPr>
+        </p:nvSpPr>
+        <p:spPr>
+          <a:xfrm>
+            <a:off x="432635" y="2112136"/>
+            <a:ext cx="10231072" cy="4289836"/>
+          </a:xfrm>
+        </p:spPr>
+        <p:txBody>
+          <a:bodyPr>
+            <a:noAutofit/>
+          </a:bodyPr>
+          <a:lstStyle/>
+          <a:p>
+            <a:r>
+              <a:rPr lang="es-ES" sz="2400" dirty="0"/>
+              <a:t>-El hospital debe nombrar a un responsable encargado de hacer auditoria, revisar y recibir los entregables del proyecto, esta persona debe tener certificados ITIL y de considerarlo necesario tiene posibilidad de nombrar un equipo para cumplir con sus responsabilidades. </a:t>
+            </a:r>
+            <a:endParaRPr lang="es-CO" sz="2400" dirty="0"/>
+          </a:p>
+          <a:p>
+            <a:endParaRPr lang="es-CO" sz="2400" dirty="0"/>
+          </a:p>
+          <a:p>
+            <a:r>
+              <a:rPr lang="es-ES" sz="2400" dirty="0"/>
+              <a:t>-La empresa de servicios </a:t>
+            </a:r>
+            <a:r>
+              <a:rPr lang="es-ES" sz="2400" dirty="0" err="1"/>
+              <a:t>outsourcing</a:t>
+            </a:r>
+            <a:r>
+              <a:rPr lang="es-ES" sz="2400" dirty="0"/>
+              <a:t> de software  debe nombrar un responsable certificado en ITIL para la puesta en marcha del proyecto, esta persona será la encargada de entregar los requerimientos.</a:t>
+            </a:r>
+            <a:endParaRPr lang="es-CO" sz="2400" dirty="0"/>
+          </a:p>
+        </p:txBody>
+      </p:sp>
+    </p:spTree>
+    <p:extLst>
+      <p:ext uri="{BB962C8B-B14F-4D97-AF65-F5344CB8AC3E}">
+        <p14:creationId xmlns:p14="http://schemas.microsoft.com/office/powerpoint/2010/main" val="4148921120"/>
+      </p:ext>
+    </p:extLst>
+  </p:cSld>
+  <p:clrMapOvr>
+    <a:masterClrMapping/>
+  </p:clrMapOvr>
+  <p:timing>
+    <p:tnLst>
+      <p:par>
+        <p:cTn id="1" dur="indefinite" restart="never" nodeType="tmRoot"/>
+      </p:par>
+    </p:tnLst>
+  </p:timing>
+</p:sld>
+</file>
+
+<file path=ppt/slides/slide29.xml><?xml version="1.0" encoding="utf-8"?>
+<p:sld xmlns:a="http://schemas.openxmlformats.org/drawingml/2006/main" xmlns:r="http://schemas.openxmlformats.org/officeDocument/2006/relationships" xmlns:p="http://schemas.openxmlformats.org/presentationml/2006/main">
+  <p:cSld>
+    <p:spTree>
+      <p:nvGrpSpPr>
+        <p:cNvPr id="1" name=""/>
+        <p:cNvGrpSpPr/>
+        <p:nvPr/>
+      </p:nvGrpSpPr>
+      <p:grpSpPr>
+        <a:xfrm>
+          <a:off x="0" y="0"/>
+          <a:ext cx="0" cy="0"/>
+          <a:chOff x="0" y="0"/>
+          <a:chExt cx="0" cy="0"/>
+        </a:xfrm>
+      </p:grpSpPr>
+      <p:sp>
+        <p:nvSpPr>
+          <p:cNvPr id="2" name="Título 1"/>
+          <p:cNvSpPr>
+            <a:spLocks noGrp="1"/>
+          </p:cNvSpPr>
+          <p:nvPr>
+            <p:ph type="title"/>
+          </p:nvPr>
+        </p:nvSpPr>
+        <p:spPr>
+          <a:xfrm>
+            <a:off x="741729" y="118572"/>
+            <a:ext cx="8596668" cy="1320800"/>
+          </a:xfrm>
+        </p:spPr>
+        <p:txBody>
+          <a:bodyPr>
+            <a:normAutofit fontScale="90000"/>
+          </a:bodyPr>
+          <a:lstStyle/>
+          <a:p>
+            <a:r>
+              <a:rPr lang="es-ES" b="1" dirty="0" smtClean="0"/>
+              <a:t>ESTRATEGIAS </a:t>
+            </a:r>
+            <a:r>
+              <a:rPr lang="es-ES" b="1" dirty="0"/>
+              <a:t>DE </a:t>
+            </a:r>
+            <a:r>
+              <a:rPr lang="es-ES" b="1" dirty="0" smtClean="0"/>
+              <a:t>IMPLEMENTACIÓN</a:t>
+            </a:r>
+            <a:br>
+              <a:rPr lang="es-ES" b="1" dirty="0" smtClean="0"/>
+            </a:br>
+            <a:r>
+              <a:rPr lang="es-ES" dirty="0" smtClean="0"/>
+              <a:t>Mas Requisitos:</a:t>
+            </a:r>
+            <a:r>
+              <a:rPr lang="es-CO" dirty="0"/>
+              <a:t/>
+            </a:r>
+            <a:br>
+              <a:rPr lang="es-CO" dirty="0"/>
+            </a:br>
+            <a:r>
+              <a:rPr lang="es-CO" dirty="0"/>
+              <a:t/>
+            </a:r>
+            <a:br>
+              <a:rPr lang="es-CO" dirty="0"/>
+            </a:br>
+            <a:endParaRPr lang="es-CO" b="1" dirty="0"/>
+          </a:p>
+        </p:txBody>
+      </p:sp>
+      <p:sp>
+        <p:nvSpPr>
+          <p:cNvPr id="3" name="Marcador de contenido 2"/>
+          <p:cNvSpPr>
+            <a:spLocks noGrp="1"/>
+          </p:cNvSpPr>
+          <p:nvPr>
+            <p:ph idx="1"/>
+          </p:nvPr>
+        </p:nvSpPr>
+        <p:spPr>
+          <a:xfrm>
+            <a:off x="432635" y="2112136"/>
+            <a:ext cx="10231072" cy="4289836"/>
+          </a:xfrm>
+        </p:spPr>
+        <p:txBody>
+          <a:bodyPr>
+            <a:noAutofit/>
+          </a:bodyPr>
+          <a:lstStyle/>
+          <a:p>
+            <a:r>
+              <a:rPr lang="es-ES" sz="2400" dirty="0"/>
+              <a:t>-La empresa </a:t>
+            </a:r>
+            <a:r>
+              <a:rPr lang="es-ES" sz="2400" dirty="0" err="1"/>
+              <a:t>outsourcing</a:t>
+            </a:r>
+            <a:r>
+              <a:rPr lang="es-ES" sz="2400" dirty="0"/>
+              <a:t> de software </a:t>
+            </a:r>
+            <a:r>
+              <a:rPr lang="es-ES" sz="2400" dirty="0" smtClean="0"/>
+              <a:t>así </a:t>
+            </a:r>
+            <a:r>
+              <a:rPr lang="es-ES" sz="2400" dirty="0"/>
+              <a:t>como el hospital deben garantizar que los responsables de el proyecto apliquen las ‘buenas practicas’ de ITIL para el desarrollo del proyecto.</a:t>
+            </a:r>
+            <a:endParaRPr lang="es-CO" sz="2400" dirty="0"/>
+          </a:p>
+          <a:p>
+            <a:endParaRPr lang="es-CO" sz="2400" dirty="0"/>
+          </a:p>
+          <a:p>
+            <a:r>
+              <a:rPr lang="es-ES" sz="2400" dirty="0"/>
+              <a:t>-Los responsables del proyecto en el hospital deberán trabajar dentro de este con horario laboral para garantizar la calidad del proyecto.</a:t>
+            </a:r>
+            <a:endParaRPr lang="es-CO" sz="2400" dirty="0"/>
+          </a:p>
+          <a:p>
+            <a:endParaRPr lang="es-CO" sz="2400" dirty="0"/>
+          </a:p>
+          <a:p>
+            <a:r>
+              <a:rPr lang="es-ES" sz="2400" dirty="0"/>
+              <a:t>-El nombrado responsable del proyecto en el hospital tendrá que coordinar su gestión con las áreas que requieran participación como financiera, recursos humanos o calidad.</a:t>
+            </a:r>
+            <a:endParaRPr lang="es-CO" sz="2400" dirty="0"/>
+          </a:p>
+          <a:p>
+            <a:endParaRPr lang="es-CO" sz="2400" dirty="0"/>
+          </a:p>
+        </p:txBody>
+      </p:sp>
+    </p:spTree>
+    <p:extLst>
+      <p:ext uri="{BB962C8B-B14F-4D97-AF65-F5344CB8AC3E}">
+        <p14:creationId xmlns:p14="http://schemas.microsoft.com/office/powerpoint/2010/main" val="1085690565"/>
       </p:ext>
     </p:extLst>
   </p:cSld>
@@ -12289,6 +10879,265 @@
     <p:extLst>
       <p:ext uri="{BB962C8B-B14F-4D97-AF65-F5344CB8AC3E}">
         <p14:creationId xmlns:p14="http://schemas.microsoft.com/office/powerpoint/2010/main" val="2796474802"/>
+      </p:ext>
+    </p:extLst>
+  </p:cSld>
+  <p:clrMapOvr>
+    <a:masterClrMapping/>
+  </p:clrMapOvr>
+  <p:timing>
+    <p:tnLst>
+      <p:par>
+        <p:cTn id="1" dur="indefinite" restart="never" nodeType="tmRoot"/>
+      </p:par>
+    </p:tnLst>
+  </p:timing>
+</p:sld>
+</file>
+
+<file path=ppt/slides/slide30.xml><?xml version="1.0" encoding="utf-8"?>
+<p:sld xmlns:a="http://schemas.openxmlformats.org/drawingml/2006/main" xmlns:r="http://schemas.openxmlformats.org/officeDocument/2006/relationships" xmlns:p="http://schemas.openxmlformats.org/presentationml/2006/main">
+  <p:cSld>
+    <p:spTree>
+      <p:nvGrpSpPr>
+        <p:cNvPr id="1" name=""/>
+        <p:cNvGrpSpPr/>
+        <p:nvPr/>
+      </p:nvGrpSpPr>
+      <p:grpSpPr>
+        <a:xfrm>
+          <a:off x="0" y="0"/>
+          <a:ext cx="0" cy="0"/>
+          <a:chOff x="0" y="0"/>
+          <a:chExt cx="0" cy="0"/>
+        </a:xfrm>
+      </p:grpSpPr>
+      <p:sp>
+        <p:nvSpPr>
+          <p:cNvPr id="2" name="Título 1"/>
+          <p:cNvSpPr>
+            <a:spLocks noGrp="1"/>
+          </p:cNvSpPr>
+          <p:nvPr>
+            <p:ph type="title"/>
+          </p:nvPr>
+        </p:nvSpPr>
+        <p:spPr>
+          <a:xfrm>
+            <a:off x="677334" y="352023"/>
+            <a:ext cx="8596668" cy="1320800"/>
+          </a:xfrm>
+        </p:spPr>
+        <p:txBody>
+          <a:bodyPr/>
+          <a:lstStyle/>
+          <a:p>
+            <a:pPr lvl="0"/>
+            <a:r>
+              <a:rPr lang="es-ES" b="1" dirty="0"/>
+              <a:t>CONCLUSIONES</a:t>
+            </a:r>
+            <a:endParaRPr lang="es-CO" b="1" dirty="0"/>
+          </a:p>
+        </p:txBody>
+      </p:sp>
+      <p:sp>
+        <p:nvSpPr>
+          <p:cNvPr id="3" name="Marcador de contenido 2"/>
+          <p:cNvSpPr>
+            <a:spLocks noGrp="1"/>
+          </p:cNvSpPr>
+          <p:nvPr>
+            <p:ph idx="1"/>
+          </p:nvPr>
+        </p:nvSpPr>
+        <p:spPr>
+          <a:xfrm>
+            <a:off x="509908" y="1181794"/>
+            <a:ext cx="10784863" cy="5476583"/>
+          </a:xfrm>
+        </p:spPr>
+        <p:txBody>
+          <a:bodyPr>
+            <a:noAutofit/>
+          </a:bodyPr>
+          <a:lstStyle/>
+          <a:p>
+            <a:r>
+              <a:rPr lang="es-ES" sz="2800" dirty="0" smtClean="0"/>
+              <a:t>El </a:t>
+            </a:r>
+            <a:r>
+              <a:rPr lang="es-ES" sz="2800" dirty="0"/>
+              <a:t>planteamiento del problema basado en ITIL asegurara la aceptación final de los directivos sin recriminaciones permitiendo ahorrar gastos rediseñando todo el problema.</a:t>
+            </a:r>
+            <a:endParaRPr lang="es-CO" sz="2800" dirty="0"/>
+          </a:p>
+          <a:p>
+            <a:pPr marL="0" indent="0">
+              <a:buNone/>
+            </a:pPr>
+            <a:endParaRPr lang="es-CO" sz="2800" dirty="0"/>
+          </a:p>
+          <a:p>
+            <a:r>
+              <a:rPr lang="es-ES" sz="2800" dirty="0"/>
+              <a:t>El diseño servicio final permite una implementación en los procesos misionales de un hospital, permitiendo asegurar estos procesos a la población verdaderamente necesitada</a:t>
+            </a:r>
+            <a:r>
+              <a:rPr lang="es-ES" sz="2800" dirty="0" smtClean="0"/>
+              <a:t>.</a:t>
+            </a:r>
+          </a:p>
+          <a:p>
+            <a:endParaRPr lang="es-ES" sz="2800" dirty="0" smtClean="0"/>
+          </a:p>
+          <a:p>
+            <a:r>
+              <a:rPr lang="es-ES" sz="2800" dirty="0"/>
+              <a:t>Los riesgos estudiados en este documento son usados en la fase de transición de ITIL l buscar planes de contingencia contra los de mayor impacto en el proyecto.</a:t>
+            </a:r>
+            <a:endParaRPr lang="es-ES" sz="2800" dirty="0" smtClean="0"/>
+          </a:p>
+          <a:p>
+            <a:endParaRPr lang="es-CO" sz="2800" dirty="0"/>
+          </a:p>
+          <a:p>
+            <a:pPr marL="0" indent="0">
+              <a:buNone/>
+            </a:pPr>
+            <a:endParaRPr lang="es-CO" sz="2800" dirty="0" smtClean="0"/>
+          </a:p>
+        </p:txBody>
+      </p:sp>
+    </p:spTree>
+    <p:extLst>
+      <p:ext uri="{BB962C8B-B14F-4D97-AF65-F5344CB8AC3E}">
+        <p14:creationId xmlns:p14="http://schemas.microsoft.com/office/powerpoint/2010/main" val="2425133430"/>
+      </p:ext>
+    </p:extLst>
+  </p:cSld>
+  <p:clrMapOvr>
+    <a:masterClrMapping/>
+  </p:clrMapOvr>
+  <p:timing>
+    <p:tnLst>
+      <p:par>
+        <p:cTn id="1" dur="indefinite" restart="never" nodeType="tmRoot"/>
+      </p:par>
+    </p:tnLst>
+  </p:timing>
+</p:sld>
+</file>
+
+<file path=ppt/slides/slide31.xml><?xml version="1.0" encoding="utf-8"?>
+<p:sld xmlns:a="http://schemas.openxmlformats.org/drawingml/2006/main" xmlns:r="http://schemas.openxmlformats.org/officeDocument/2006/relationships" xmlns:p="http://schemas.openxmlformats.org/presentationml/2006/main">
+  <p:cSld>
+    <p:spTree>
+      <p:nvGrpSpPr>
+        <p:cNvPr id="1" name=""/>
+        <p:cNvGrpSpPr/>
+        <p:nvPr/>
+      </p:nvGrpSpPr>
+      <p:grpSpPr>
+        <a:xfrm>
+          <a:off x="0" y="0"/>
+          <a:ext cx="0" cy="0"/>
+          <a:chOff x="0" y="0"/>
+          <a:chExt cx="0" cy="0"/>
+        </a:xfrm>
+      </p:grpSpPr>
+      <p:sp>
+        <p:nvSpPr>
+          <p:cNvPr id="2" name="Título 1"/>
+          <p:cNvSpPr>
+            <a:spLocks noGrp="1"/>
+          </p:cNvSpPr>
+          <p:nvPr>
+            <p:ph type="title"/>
+          </p:nvPr>
+        </p:nvSpPr>
+        <p:spPr>
+          <a:xfrm>
+            <a:off x="677334" y="352023"/>
+            <a:ext cx="8596668" cy="1320800"/>
+          </a:xfrm>
+        </p:spPr>
+        <p:txBody>
+          <a:bodyPr/>
+          <a:lstStyle/>
+          <a:p>
+            <a:pPr lvl="0"/>
+            <a:r>
+              <a:rPr lang="es-ES" b="1" dirty="0"/>
+              <a:t>CONCLUSIONES</a:t>
+            </a:r>
+            <a:endParaRPr lang="es-CO" b="1" dirty="0"/>
+          </a:p>
+        </p:txBody>
+      </p:sp>
+      <p:sp>
+        <p:nvSpPr>
+          <p:cNvPr id="3" name="Marcador de contenido 2"/>
+          <p:cNvSpPr>
+            <a:spLocks noGrp="1"/>
+          </p:cNvSpPr>
+          <p:nvPr>
+            <p:ph idx="1"/>
+          </p:nvPr>
+        </p:nvSpPr>
+        <p:spPr>
+          <a:xfrm>
+            <a:off x="509908" y="1181794"/>
+            <a:ext cx="10784863" cy="5476583"/>
+          </a:xfrm>
+        </p:spPr>
+        <p:txBody>
+          <a:bodyPr>
+            <a:noAutofit/>
+          </a:bodyPr>
+          <a:lstStyle/>
+          <a:p>
+            <a:pPr marL="0" indent="0">
+              <a:buNone/>
+            </a:pPr>
+            <a:endParaRPr lang="es-CO" sz="2800" dirty="0"/>
+          </a:p>
+          <a:p>
+            <a:r>
+              <a:rPr lang="es-ES" sz="2800" dirty="0"/>
+              <a:t>El diagrama de casos de uso tiene utilidad al explicar o comunicar el diseño del servicio final a directivos y personal con pocas capacidades técnicas mientras que tanto el diagrama de clases como el diagrama de casos de usos es útil para la comunicación del nuevo diseño de tecnologías de información a personal técnico.</a:t>
+            </a:r>
+            <a:endParaRPr lang="es-CO" sz="2800" dirty="0"/>
+          </a:p>
+          <a:p>
+            <a:pPr marL="0" indent="0">
+              <a:buNone/>
+            </a:pPr>
+            <a:endParaRPr lang="es-CO" sz="2800" dirty="0"/>
+          </a:p>
+          <a:p>
+            <a:r>
+              <a:rPr lang="es-ES" sz="2800" dirty="0"/>
+              <a:t>La estrategia de la implementación del proyecto, señala las pautas mínimas que se requieren para iniciar el proyecto y asegurar la inversión del proyecto y el éxito mínimo de este.</a:t>
+            </a:r>
+            <a:endParaRPr lang="es-CO" sz="2800" dirty="0"/>
+          </a:p>
+          <a:p>
+            <a:endParaRPr lang="es-CO" sz="2800" dirty="0"/>
+          </a:p>
+          <a:p>
+            <a:pPr marL="0" indent="0">
+              <a:buNone/>
+            </a:pPr>
+            <a:endParaRPr lang="es-CO" sz="2800" dirty="0" smtClean="0"/>
+          </a:p>
+        </p:txBody>
+      </p:sp>
+    </p:spTree>
+    <p:extLst>
+      <p:ext uri="{BB962C8B-B14F-4D97-AF65-F5344CB8AC3E}">
+        <p14:creationId xmlns:p14="http://schemas.microsoft.com/office/powerpoint/2010/main" val="2165908288"/>
       </p:ext>
     </p:extLst>
   </p:cSld>
@@ -12615,11 +11464,7 @@
           <a:p>
             <a:r>
               <a:rPr lang="es-ES" b="1" dirty="0"/>
-              <a:t>DISEÑO DEL SISTEMA DE SOFTWARE MEDICO </a:t>
-            </a:r>
-            <a:r>
-              <a:rPr lang="es-ES" b="1" dirty="0"/>
-              <a:t>Requerimientos Funcionales</a:t>
+              <a:t>DISEÑO DEL SISTEMA DE SOFTWARE MEDICO Requerimientos Funcionales</a:t>
             </a:r>
             <a:br>
               <a:rPr lang="es-ES" b="1" dirty="0"/>
@@ -12779,11 +11624,7 @@
           <a:p>
             <a:r>
               <a:rPr lang="es-ES" b="1" dirty="0"/>
-              <a:t>DISEÑO DEL SISTEMA DE SOFTWARE MEDICO </a:t>
-            </a:r>
-            <a:r>
-              <a:rPr lang="es-ES" b="1" dirty="0"/>
-              <a:t>Requerimientos Funcionales</a:t>
+              <a:t>DISEÑO DEL SISTEMA DE SOFTWARE MEDICO Requerimientos Funcionales</a:t>
             </a:r>
             <a:br>
               <a:rPr lang="es-ES" b="1" dirty="0"/>
@@ -12943,11 +11784,7 @@
           <a:p>
             <a:r>
               <a:rPr lang="es-ES" b="1" dirty="0"/>
-              <a:t>DISEÑO DEL SISTEMA DE SOFTWARE MEDICO </a:t>
-            </a:r>
-            <a:r>
-              <a:rPr lang="es-ES" b="1" dirty="0"/>
-              <a:t>Requerimientos Funcionales</a:t>
+              <a:t>DISEÑO DEL SISTEMA DE SOFTWARE MEDICO Requerimientos Funcionales</a:t>
             </a:r>
             <a:br>
               <a:rPr lang="es-ES" b="1" dirty="0"/>
@@ -13118,11 +11955,7 @@
           <a:p>
             <a:r>
               <a:rPr lang="es-ES" b="1" dirty="0"/>
-              <a:t>DISEÑO DEL SISTEMA DE SOFTWARE MEDICO </a:t>
-            </a:r>
-            <a:r>
-              <a:rPr lang="es-ES" b="1" dirty="0"/>
-              <a:t>Requerimientos </a:t>
+              <a:t>DISEÑO DEL SISTEMA DE SOFTWARE MEDICO Requerimientos </a:t>
             </a:r>
             <a:r>
               <a:rPr lang="es-ES" b="1" dirty="0" smtClean="0"/>
